--- a/Presentazioni/DEF Presentazione RP 19-03-2018.pptx
+++ b/Presentazioni/DEF Presentazione RP 19-03-2018.pptx
@@ -5,7 +5,7 @@
     <p:sldMasterId id="2147483648" r:id="rId1"/>
   </p:sldMasterIdLst>
   <p:notesMasterIdLst>
-    <p:notesMasterId r:id="rId18"/>
+    <p:notesMasterId r:id="rId19"/>
   </p:notesMasterIdLst>
   <p:sldIdLst>
     <p:sldId id="268" r:id="rId2"/>
@@ -21,9 +21,10 @@
     <p:sldId id="305" r:id="rId12"/>
     <p:sldId id="301" r:id="rId13"/>
     <p:sldId id="290" r:id="rId14"/>
-    <p:sldId id="306" r:id="rId15"/>
-    <p:sldId id="307" r:id="rId16"/>
-    <p:sldId id="293" r:id="rId17"/>
+    <p:sldId id="308" r:id="rId15"/>
+    <p:sldId id="306" r:id="rId16"/>
+    <p:sldId id="307" r:id="rId17"/>
+    <p:sldId id="293" r:id="rId18"/>
   </p:sldIdLst>
   <p:sldSz cx="9144000" cy="6858000" type="screen4x3"/>
   <p:notesSz cx="6858000" cy="9144000"/>
@@ -134,19 +135,19 @@
 <pc:chgInfo xmlns:a="http://schemas.openxmlformats.org/drawingml/2006/main" xmlns:r="http://schemas.openxmlformats.org/officeDocument/2006/relationships" xmlns:ac="http://schemas.microsoft.com/office/drawing/2013/main/command" xmlns:pc="http://schemas.microsoft.com/office/powerpoint/2013/main/command">
   <pc:docChgLst>
     <pc:chgData name="cristiano tessarolo" userId="c36b394d4ec160dc" providerId="LiveId" clId="{A78FC0F4-31DE-4513-8F51-57FE8187F33F}"/>
-    <pc:docChg chg="undo custSel modSld">
-      <pc:chgData name="cristiano tessarolo" userId="c36b394d4ec160dc" providerId="LiveId" clId="{A78FC0F4-31DE-4513-8F51-57FE8187F33F}" dt="2018-03-17T19:12:42.058" v="47" actId="167"/>
+    <pc:docChg chg="undo custSel addSld modSld">
+      <pc:chgData name="cristiano tessarolo" userId="c36b394d4ec160dc" providerId="LiveId" clId="{A78FC0F4-31DE-4513-8F51-57FE8187F33F}" dt="2018-03-17T20:36:43.585" v="279" actId="20577"/>
       <pc:docMkLst>
         <pc:docMk/>
       </pc:docMkLst>
-      <pc:sldChg chg="modSp">
-        <pc:chgData name="cristiano tessarolo" userId="c36b394d4ec160dc" providerId="LiveId" clId="{A78FC0F4-31DE-4513-8F51-57FE8187F33F}" dt="2018-03-17T19:08:59.910" v="1" actId="20577"/>
+      <pc:sldChg chg="addSp delSp modSp">
+        <pc:chgData name="cristiano tessarolo" userId="c36b394d4ec160dc" providerId="LiveId" clId="{A78FC0F4-31DE-4513-8F51-57FE8187F33F}" dt="2018-03-17T20:35:12.607" v="249" actId="20577"/>
         <pc:sldMkLst>
           <pc:docMk/>
           <pc:sldMk cId="1361080845" sldId="268"/>
         </pc:sldMkLst>
-        <pc:spChg chg="mod">
-          <ac:chgData name="cristiano tessarolo" userId="c36b394d4ec160dc" providerId="LiveId" clId="{A78FC0F4-31DE-4513-8F51-57FE8187F33F}" dt="2018-03-17T19:08:59.910" v="1" actId="20577"/>
+        <pc:spChg chg="add del mod">
+          <ac:chgData name="cristiano tessarolo" userId="c36b394d4ec160dc" providerId="LiveId" clId="{A78FC0F4-31DE-4513-8F51-57FE8187F33F}" dt="2018-03-17T20:35:12.607" v="249" actId="20577"/>
           <ac:spMkLst>
             <pc:docMk/>
             <pc:sldMk cId="1361080845" sldId="268"/>
@@ -155,13 +156,13 @@
         </pc:spChg>
       </pc:sldChg>
       <pc:sldChg chg="addSp delSp modSp">
-        <pc:chgData name="cristiano tessarolo" userId="c36b394d4ec160dc" providerId="LiveId" clId="{A78FC0F4-31DE-4513-8F51-57FE8187F33F}" dt="2018-03-17T19:10:17.579" v="12" actId="27636"/>
+        <pc:chgData name="cristiano tessarolo" userId="c36b394d4ec160dc" providerId="LiveId" clId="{A78FC0F4-31DE-4513-8F51-57FE8187F33F}" dt="2018-03-17T20:35:29.092" v="255" actId="20577"/>
         <pc:sldMkLst>
           <pc:docMk/>
           <pc:sldMk cId="252822887" sldId="269"/>
         </pc:sldMkLst>
         <pc:spChg chg="add del">
-          <ac:chgData name="cristiano tessarolo" userId="c36b394d4ec160dc" providerId="LiveId" clId="{A78FC0F4-31DE-4513-8F51-57FE8187F33F}" dt="2018-03-17T19:10:05.091" v="7"/>
+          <ac:chgData name="cristiano tessarolo" userId="c36b394d4ec160dc" providerId="LiveId" clId="{A78FC0F4-31DE-4513-8F51-57FE8187F33F}" dt="2018-03-17T19:10:05.091" v="7" actId="27636"/>
           <ac:spMkLst>
             <pc:docMk/>
             <pc:sldMk cId="252822887" sldId="269"/>
@@ -169,7 +170,7 @@
           </ac:spMkLst>
         </pc:spChg>
         <pc:spChg chg="add del mod">
-          <ac:chgData name="cristiano tessarolo" userId="c36b394d4ec160dc" providerId="LiveId" clId="{A78FC0F4-31DE-4513-8F51-57FE8187F33F}" dt="2018-03-17T19:10:05.091" v="7"/>
+          <ac:chgData name="cristiano tessarolo" userId="c36b394d4ec160dc" providerId="LiveId" clId="{A78FC0F4-31DE-4513-8F51-57FE8187F33F}" dt="2018-03-17T19:10:05.091" v="7" actId="27636"/>
           <ac:spMkLst>
             <pc:docMk/>
             <pc:sldMk cId="252822887" sldId="269"/>
@@ -177,7 +178,7 @@
           </ac:spMkLst>
         </pc:spChg>
         <pc:spChg chg="add">
-          <ac:chgData name="cristiano tessarolo" userId="c36b394d4ec160dc" providerId="LiveId" clId="{A78FC0F4-31DE-4513-8F51-57FE8187F33F}" dt="2018-03-17T19:10:17.515" v="11"/>
+          <ac:chgData name="cristiano tessarolo" userId="c36b394d4ec160dc" providerId="LiveId" clId="{A78FC0F4-31DE-4513-8F51-57FE8187F33F}" dt="2018-03-17T19:10:17.515" v="11" actId="27636"/>
           <ac:spMkLst>
             <pc:docMk/>
             <pc:sldMk cId="252822887" sldId="269"/>
@@ -185,7 +186,7 @@
           </ac:spMkLst>
         </pc:spChg>
         <pc:spChg chg="add mod">
-          <ac:chgData name="cristiano tessarolo" userId="c36b394d4ec160dc" providerId="LiveId" clId="{A78FC0F4-31DE-4513-8F51-57FE8187F33F}" dt="2018-03-17T19:10:17.579" v="12" actId="27636"/>
+          <ac:chgData name="cristiano tessarolo" userId="c36b394d4ec160dc" providerId="LiveId" clId="{A78FC0F4-31DE-4513-8F51-57FE8187F33F}" dt="2018-03-17T20:35:29.092" v="255" actId="20577"/>
           <ac:spMkLst>
             <pc:docMk/>
             <pc:sldMk cId="252822887" sldId="269"/>
@@ -210,13 +211,13 @@
         </pc:spChg>
       </pc:sldChg>
       <pc:sldChg chg="addSp delSp modSp">
-        <pc:chgData name="cristiano tessarolo" userId="c36b394d4ec160dc" providerId="LiveId" clId="{A78FC0F4-31DE-4513-8F51-57FE8187F33F}" dt="2018-03-17T19:10:28.768" v="17" actId="27636"/>
+        <pc:chgData name="cristiano tessarolo" userId="c36b394d4ec160dc" providerId="LiveId" clId="{A78FC0F4-31DE-4513-8F51-57FE8187F33F}" dt="2018-03-17T20:35:44.857" v="259" actId="20577"/>
         <pc:sldMkLst>
           <pc:docMk/>
           <pc:sldMk cId="1726892731" sldId="270"/>
         </pc:sldMkLst>
         <pc:spChg chg="add">
-          <ac:chgData name="cristiano tessarolo" userId="c36b394d4ec160dc" providerId="LiveId" clId="{A78FC0F4-31DE-4513-8F51-57FE8187F33F}" dt="2018-03-17T19:10:28.713" v="16"/>
+          <ac:chgData name="cristiano tessarolo" userId="c36b394d4ec160dc" providerId="LiveId" clId="{A78FC0F4-31DE-4513-8F51-57FE8187F33F}" dt="2018-03-17T19:10:28.713" v="16" actId="27636"/>
           <ac:spMkLst>
             <pc:docMk/>
             <pc:sldMk cId="1726892731" sldId="270"/>
@@ -224,11 +225,19 @@
           </ac:spMkLst>
         </pc:spChg>
         <pc:spChg chg="add mod">
-          <ac:chgData name="cristiano tessarolo" userId="c36b394d4ec160dc" providerId="LiveId" clId="{A78FC0F4-31DE-4513-8F51-57FE8187F33F}" dt="2018-03-17T19:10:28.768" v="17" actId="27636"/>
+          <ac:chgData name="cristiano tessarolo" userId="c36b394d4ec160dc" providerId="LiveId" clId="{A78FC0F4-31DE-4513-8F51-57FE8187F33F}" dt="2018-03-17T20:35:44.857" v="259" actId="20577"/>
           <ac:spMkLst>
             <pc:docMk/>
             <pc:sldMk cId="1726892731" sldId="270"/>
             <ac:spMk id="16" creationId="{3D0F841C-8899-402F-898F-D4D93B48E394}"/>
+          </ac:spMkLst>
+        </pc:spChg>
+        <pc:spChg chg="mod">
+          <ac:chgData name="cristiano tessarolo" userId="c36b394d4ec160dc" providerId="LiveId" clId="{A78FC0F4-31DE-4513-8F51-57FE8187F33F}" dt="2018-03-17T20:15:27.918" v="49" actId="20577"/>
+          <ac:spMkLst>
+            <pc:docMk/>
+            <pc:sldMk cId="1726892731" sldId="270"/>
+            <ac:spMk id="24" creationId="{5A34E0A1-D021-4B61-BFA2-24329E99D334}"/>
           </ac:spMkLst>
         </pc:spChg>
         <pc:spChg chg="del mod">
@@ -248,8 +257,8 @@
           </ac:spMkLst>
         </pc:spChg>
       </pc:sldChg>
-      <pc:sldChg chg="addSp delSp">
-        <pc:chgData name="cristiano tessarolo" userId="c36b394d4ec160dc" providerId="LiveId" clId="{A78FC0F4-31DE-4513-8F51-57FE8187F33F}" dt="2018-03-17T19:10:48.266" v="25"/>
+      <pc:sldChg chg="addSp delSp modSp">
+        <pc:chgData name="cristiano tessarolo" userId="c36b394d4ec160dc" providerId="LiveId" clId="{A78FC0F4-31DE-4513-8F51-57FE8187F33F}" dt="2018-03-17T20:36:09.318" v="265" actId="20577"/>
         <pc:sldMkLst>
           <pc:docMk/>
           <pc:sldMk cId="42859897" sldId="271"/>
@@ -271,15 +280,15 @@
           </ac:spMkLst>
         </pc:spChg>
         <pc:spChg chg="add">
-          <ac:chgData name="cristiano tessarolo" userId="c36b394d4ec160dc" providerId="LiveId" clId="{A78FC0F4-31DE-4513-8F51-57FE8187F33F}" dt="2018-03-17T19:10:48.266" v="25"/>
+          <ac:chgData name="cristiano tessarolo" userId="c36b394d4ec160dc" providerId="LiveId" clId="{A78FC0F4-31DE-4513-8F51-57FE8187F33F}" dt="2018-03-17T19:10:48.266" v="25" actId="167"/>
           <ac:spMkLst>
             <pc:docMk/>
             <pc:sldMk cId="42859897" sldId="271"/>
             <ac:spMk id="35" creationId="{CCC9B205-E901-455E-BCC7-94D8A29FCC64}"/>
           </ac:spMkLst>
         </pc:spChg>
-        <pc:spChg chg="add">
-          <ac:chgData name="cristiano tessarolo" userId="c36b394d4ec160dc" providerId="LiveId" clId="{A78FC0F4-31DE-4513-8F51-57FE8187F33F}" dt="2018-03-17T19:10:48.266" v="25"/>
+        <pc:spChg chg="add mod">
+          <ac:chgData name="cristiano tessarolo" userId="c36b394d4ec160dc" providerId="LiveId" clId="{A78FC0F4-31DE-4513-8F51-57FE8187F33F}" dt="2018-03-17T20:36:09.318" v="265" actId="20577"/>
           <ac:spMkLst>
             <pc:docMk/>
             <pc:sldMk cId="42859897" sldId="271"/>
@@ -288,21 +297,21 @@
         </pc:spChg>
       </pc:sldChg>
       <pc:sldChg chg="addSp delSp modSp">
-        <pc:chgData name="cristiano tessarolo" userId="c36b394d4ec160dc" providerId="LiveId" clId="{A78FC0F4-31DE-4513-8F51-57FE8187F33F}" dt="2018-03-17T19:11:15.213" v="36"/>
+        <pc:chgData name="cristiano tessarolo" userId="c36b394d4ec160dc" providerId="LiveId" clId="{A78FC0F4-31DE-4513-8F51-57FE8187F33F}" dt="2018-03-17T20:36:28.690" v="273" actId="20577"/>
         <pc:sldMkLst>
           <pc:docMk/>
           <pc:sldMk cId="704870328" sldId="290"/>
         </pc:sldMkLst>
         <pc:spChg chg="add">
-          <ac:chgData name="cristiano tessarolo" userId="c36b394d4ec160dc" providerId="LiveId" clId="{A78FC0F4-31DE-4513-8F51-57FE8187F33F}" dt="2018-03-17T19:11:15.213" v="36"/>
+          <ac:chgData name="cristiano tessarolo" userId="c36b394d4ec160dc" providerId="LiveId" clId="{A78FC0F4-31DE-4513-8F51-57FE8187F33F}" dt="2018-03-17T19:11:15.213" v="36" actId="167"/>
           <ac:spMkLst>
             <pc:docMk/>
             <pc:sldMk cId="704870328" sldId="290"/>
             <ac:spMk id="20" creationId="{83243109-1104-4651-AF59-EAF854EDCD52}"/>
           </ac:spMkLst>
         </pc:spChg>
-        <pc:spChg chg="add">
-          <ac:chgData name="cristiano tessarolo" userId="c36b394d4ec160dc" providerId="LiveId" clId="{A78FC0F4-31DE-4513-8F51-57FE8187F33F}" dt="2018-03-17T19:11:15.213" v="36"/>
+        <pc:spChg chg="add mod">
+          <ac:chgData name="cristiano tessarolo" userId="c36b394d4ec160dc" providerId="LiveId" clId="{A78FC0F4-31DE-4513-8F51-57FE8187F33F}" dt="2018-03-17T20:36:28.690" v="273" actId="20577"/>
           <ac:spMkLst>
             <pc:docMk/>
             <pc:sldMk cId="704870328" sldId="290"/>
@@ -326,22 +335,22 @@
           </ac:spMkLst>
         </pc:spChg>
       </pc:sldChg>
-      <pc:sldChg chg="addSp">
-        <pc:chgData name="cristiano tessarolo" userId="c36b394d4ec160dc" providerId="LiveId" clId="{A78FC0F4-31DE-4513-8F51-57FE8187F33F}" dt="2018-03-17T19:09:57.645" v="2"/>
+      <pc:sldChg chg="addSp modSp">
+        <pc:chgData name="cristiano tessarolo" userId="c36b394d4ec160dc" providerId="LiveId" clId="{A78FC0F4-31DE-4513-8F51-57FE8187F33F}" dt="2018-03-17T20:35:18.515" v="251" actId="20577"/>
         <pc:sldMkLst>
           <pc:docMk/>
           <pc:sldMk cId="1889776334" sldId="297"/>
         </pc:sldMkLst>
         <pc:spChg chg="add">
-          <ac:chgData name="cristiano tessarolo" userId="c36b394d4ec160dc" providerId="LiveId" clId="{A78FC0F4-31DE-4513-8F51-57FE8187F33F}" dt="2018-03-17T19:09:57.645" v="2"/>
+          <ac:chgData name="cristiano tessarolo" userId="c36b394d4ec160dc" providerId="LiveId" clId="{A78FC0F4-31DE-4513-8F51-57FE8187F33F}" dt="2018-03-17T19:09:57.645" v="2" actId="167"/>
           <ac:spMkLst>
             <pc:docMk/>
             <pc:sldMk cId="1889776334" sldId="297"/>
             <ac:spMk id="46" creationId="{E72A71C1-FA16-426D-A2A2-96B1EECE9219}"/>
           </ac:spMkLst>
         </pc:spChg>
-        <pc:spChg chg="add">
-          <ac:chgData name="cristiano tessarolo" userId="c36b394d4ec160dc" providerId="LiveId" clId="{A78FC0F4-31DE-4513-8F51-57FE8187F33F}" dt="2018-03-17T19:09:57.645" v="2"/>
+        <pc:spChg chg="add mod">
+          <ac:chgData name="cristiano tessarolo" userId="c36b394d4ec160dc" providerId="LiveId" clId="{A78FC0F4-31DE-4513-8F51-57FE8187F33F}" dt="2018-03-17T20:35:18.515" v="251" actId="20577"/>
           <ac:spMkLst>
             <pc:docMk/>
             <pc:sldMk cId="1889776334" sldId="297"/>
@@ -349,22 +358,22 @@
           </ac:spMkLst>
         </pc:spChg>
       </pc:sldChg>
-      <pc:sldChg chg="addSp">
-        <pc:chgData name="cristiano tessarolo" userId="c36b394d4ec160dc" providerId="LiveId" clId="{A78FC0F4-31DE-4513-8F51-57FE8187F33F}" dt="2018-03-17T19:10:00.977" v="3"/>
+      <pc:sldChg chg="addSp modSp">
+        <pc:chgData name="cristiano tessarolo" userId="c36b394d4ec160dc" providerId="LiveId" clId="{A78FC0F4-31DE-4513-8F51-57FE8187F33F}" dt="2018-03-17T20:35:24.109" v="253" actId="20577"/>
         <pc:sldMkLst>
           <pc:docMk/>
           <pc:sldMk cId="913422963" sldId="298"/>
         </pc:sldMkLst>
         <pc:spChg chg="add">
-          <ac:chgData name="cristiano tessarolo" userId="c36b394d4ec160dc" providerId="LiveId" clId="{A78FC0F4-31DE-4513-8F51-57FE8187F33F}" dt="2018-03-17T19:10:00.977" v="3"/>
+          <ac:chgData name="cristiano tessarolo" userId="c36b394d4ec160dc" providerId="LiveId" clId="{A78FC0F4-31DE-4513-8F51-57FE8187F33F}" dt="2018-03-17T19:10:00.977" v="3" actId="167"/>
           <ac:spMkLst>
             <pc:docMk/>
             <pc:sldMk cId="913422963" sldId="298"/>
             <ac:spMk id="7" creationId="{F0ED929E-E136-4314-AD73-A8B2A9BD0605}"/>
           </ac:spMkLst>
         </pc:spChg>
-        <pc:spChg chg="add">
-          <ac:chgData name="cristiano tessarolo" userId="c36b394d4ec160dc" providerId="LiveId" clId="{A78FC0F4-31DE-4513-8F51-57FE8187F33F}" dt="2018-03-17T19:10:00.977" v="3"/>
+        <pc:spChg chg="add mod">
+          <ac:chgData name="cristiano tessarolo" userId="c36b394d4ec160dc" providerId="LiveId" clId="{A78FC0F4-31DE-4513-8F51-57FE8187F33F}" dt="2018-03-17T20:35:24.109" v="253" actId="20577"/>
           <ac:spMkLst>
             <pc:docMk/>
             <pc:sldMk cId="913422963" sldId="298"/>
@@ -372,22 +381,22 @@
           </ac:spMkLst>
         </pc:spChg>
       </pc:sldChg>
-      <pc:sldChg chg="addSp">
-        <pc:chgData name="cristiano tessarolo" userId="c36b394d4ec160dc" providerId="LiveId" clId="{A78FC0F4-31DE-4513-8F51-57FE8187F33F}" dt="2018-03-17T19:10:21.161" v="13"/>
+      <pc:sldChg chg="addSp modSp">
+        <pc:chgData name="cristiano tessarolo" userId="c36b394d4ec160dc" providerId="LiveId" clId="{A78FC0F4-31DE-4513-8F51-57FE8187F33F}" dt="2018-03-17T20:35:40.788" v="257" actId="20577"/>
         <pc:sldMkLst>
           <pc:docMk/>
           <pc:sldMk cId="1686630385" sldId="299"/>
         </pc:sldMkLst>
         <pc:spChg chg="add">
-          <ac:chgData name="cristiano tessarolo" userId="c36b394d4ec160dc" providerId="LiveId" clId="{A78FC0F4-31DE-4513-8F51-57FE8187F33F}" dt="2018-03-17T19:10:21.161" v="13"/>
+          <ac:chgData name="cristiano tessarolo" userId="c36b394d4ec160dc" providerId="LiveId" clId="{A78FC0F4-31DE-4513-8F51-57FE8187F33F}" dt="2018-03-17T19:10:21.161" v="13" actId="167"/>
           <ac:spMkLst>
             <pc:docMk/>
             <pc:sldMk cId="1686630385" sldId="299"/>
             <ac:spMk id="7" creationId="{2137D804-6C64-46F5-8CD5-F5BCCA327394}"/>
           </ac:spMkLst>
         </pc:spChg>
-        <pc:spChg chg="add">
-          <ac:chgData name="cristiano tessarolo" userId="c36b394d4ec160dc" providerId="LiveId" clId="{A78FC0F4-31DE-4513-8F51-57FE8187F33F}" dt="2018-03-17T19:10:21.161" v="13"/>
+        <pc:spChg chg="add mod">
+          <ac:chgData name="cristiano tessarolo" userId="c36b394d4ec160dc" providerId="LiveId" clId="{A78FC0F4-31DE-4513-8F51-57FE8187F33F}" dt="2018-03-17T20:35:40.788" v="257" actId="20577"/>
           <ac:spMkLst>
             <pc:docMk/>
             <pc:sldMk cId="1686630385" sldId="299"/>
@@ -395,22 +404,22 @@
           </ac:spMkLst>
         </pc:spChg>
       </pc:sldChg>
-      <pc:sldChg chg="addSp">
-        <pc:chgData name="cristiano tessarolo" userId="c36b394d4ec160dc" providerId="LiveId" clId="{A78FC0F4-31DE-4513-8F51-57FE8187F33F}" dt="2018-03-17T19:10:40.196" v="23"/>
+      <pc:sldChg chg="addSp modSp">
+        <pc:chgData name="cristiano tessarolo" userId="c36b394d4ec160dc" providerId="LiveId" clId="{A78FC0F4-31DE-4513-8F51-57FE8187F33F}" dt="2018-03-17T20:36:03.916" v="263" actId="20577"/>
         <pc:sldMkLst>
           <pc:docMk/>
           <pc:sldMk cId="412740295" sldId="300"/>
         </pc:sldMkLst>
         <pc:spChg chg="add">
-          <ac:chgData name="cristiano tessarolo" userId="c36b394d4ec160dc" providerId="LiveId" clId="{A78FC0F4-31DE-4513-8F51-57FE8187F33F}" dt="2018-03-17T19:10:40.196" v="23"/>
+          <ac:chgData name="cristiano tessarolo" userId="c36b394d4ec160dc" providerId="LiveId" clId="{A78FC0F4-31DE-4513-8F51-57FE8187F33F}" dt="2018-03-17T19:10:40.196" v="23" actId="167"/>
           <ac:spMkLst>
             <pc:docMk/>
             <pc:sldMk cId="412740295" sldId="300"/>
             <ac:spMk id="6" creationId="{1074E66F-D57D-4A66-BA33-3700CEB8C433}"/>
           </ac:spMkLst>
         </pc:spChg>
-        <pc:spChg chg="add">
-          <ac:chgData name="cristiano tessarolo" userId="c36b394d4ec160dc" providerId="LiveId" clId="{A78FC0F4-31DE-4513-8F51-57FE8187F33F}" dt="2018-03-17T19:10:40.196" v="23"/>
+        <pc:spChg chg="add mod">
+          <ac:chgData name="cristiano tessarolo" userId="c36b394d4ec160dc" providerId="LiveId" clId="{A78FC0F4-31DE-4513-8F51-57FE8187F33F}" dt="2018-03-17T20:36:03.916" v="263" actId="20577"/>
           <ac:spMkLst>
             <pc:docMk/>
             <pc:sldMk cId="412740295" sldId="300"/>
@@ -418,22 +427,22 @@
           </ac:spMkLst>
         </pc:spChg>
       </pc:sldChg>
-      <pc:sldChg chg="addSp">
-        <pc:chgData name="cristiano tessarolo" userId="c36b394d4ec160dc" providerId="LiveId" clId="{A78FC0F4-31DE-4513-8F51-57FE8187F33F}" dt="2018-03-17T19:11:07.336" v="32"/>
+      <pc:sldChg chg="addSp modSp">
+        <pc:chgData name="cristiano tessarolo" userId="c36b394d4ec160dc" providerId="LiveId" clId="{A78FC0F4-31DE-4513-8F51-57FE8187F33F}" dt="2018-03-17T20:36:23.074" v="271" actId="20577"/>
         <pc:sldMkLst>
           <pc:docMk/>
           <pc:sldMk cId="41789328" sldId="301"/>
         </pc:sldMkLst>
         <pc:spChg chg="add">
-          <ac:chgData name="cristiano tessarolo" userId="c36b394d4ec160dc" providerId="LiveId" clId="{A78FC0F4-31DE-4513-8F51-57FE8187F33F}" dt="2018-03-17T19:11:07.336" v="32"/>
+          <ac:chgData name="cristiano tessarolo" userId="c36b394d4ec160dc" providerId="LiveId" clId="{A78FC0F4-31DE-4513-8F51-57FE8187F33F}" dt="2018-03-17T19:11:07.336" v="32" actId="167"/>
           <ac:spMkLst>
             <pc:docMk/>
             <pc:sldMk cId="41789328" sldId="301"/>
             <ac:spMk id="6" creationId="{8F58926B-54C1-4343-89A1-B52A58BE9A51}"/>
           </ac:spMkLst>
         </pc:spChg>
-        <pc:spChg chg="add">
-          <ac:chgData name="cristiano tessarolo" userId="c36b394d4ec160dc" providerId="LiveId" clId="{A78FC0F4-31DE-4513-8F51-57FE8187F33F}" dt="2018-03-17T19:11:07.336" v="32"/>
+        <pc:spChg chg="add mod">
+          <ac:chgData name="cristiano tessarolo" userId="c36b394d4ec160dc" providerId="LiveId" clId="{A78FC0F4-31DE-4513-8F51-57FE8187F33F}" dt="2018-03-17T20:36:23.074" v="271" actId="20577"/>
           <ac:spMkLst>
             <pc:docMk/>
             <pc:sldMk cId="41789328" sldId="301"/>
@@ -442,13 +451,13 @@
         </pc:spChg>
       </pc:sldChg>
       <pc:sldChg chg="addSp delSp modSp">
-        <pc:chgData name="cristiano tessarolo" userId="c36b394d4ec160dc" providerId="LiveId" clId="{A78FC0F4-31DE-4513-8F51-57FE8187F33F}" dt="2018-03-17T19:10:35.692" v="22" actId="27636"/>
+        <pc:chgData name="cristiano tessarolo" userId="c36b394d4ec160dc" providerId="LiveId" clId="{A78FC0F4-31DE-4513-8F51-57FE8187F33F}" dt="2018-03-17T20:35:58.406" v="261" actId="20577"/>
         <pc:sldMkLst>
           <pc:docMk/>
           <pc:sldMk cId="159514195" sldId="303"/>
         </pc:sldMkLst>
         <pc:spChg chg="add">
-          <ac:chgData name="cristiano tessarolo" userId="c36b394d4ec160dc" providerId="LiveId" clId="{A78FC0F4-31DE-4513-8F51-57FE8187F33F}" dt="2018-03-17T19:10:35.645" v="21"/>
+          <ac:chgData name="cristiano tessarolo" userId="c36b394d4ec160dc" providerId="LiveId" clId="{A78FC0F4-31DE-4513-8F51-57FE8187F33F}" dt="2018-03-17T19:10:35.645" v="21" actId="27636"/>
           <ac:spMkLst>
             <pc:docMk/>
             <pc:sldMk cId="159514195" sldId="303"/>
@@ -456,7 +465,7 @@
           </ac:spMkLst>
         </pc:spChg>
         <pc:spChg chg="add mod">
-          <ac:chgData name="cristiano tessarolo" userId="c36b394d4ec160dc" providerId="LiveId" clId="{A78FC0F4-31DE-4513-8F51-57FE8187F33F}" dt="2018-03-17T19:10:35.692" v="22" actId="27636"/>
+          <ac:chgData name="cristiano tessarolo" userId="c36b394d4ec160dc" providerId="LiveId" clId="{A78FC0F4-31DE-4513-8F51-57FE8187F33F}" dt="2018-03-17T20:35:58.406" v="261" actId="20577"/>
           <ac:spMkLst>
             <pc:docMk/>
             <pc:sldMk cId="159514195" sldId="303"/>
@@ -481,7 +490,7 @@
         </pc:spChg>
       </pc:sldChg>
       <pc:sldChg chg="addSp delSp modSp">
-        <pc:chgData name="cristiano tessarolo" userId="c36b394d4ec160dc" providerId="LiveId" clId="{A78FC0F4-31DE-4513-8F51-57FE8187F33F}" dt="2018-03-17T19:10:56.611" v="28"/>
+        <pc:chgData name="cristiano tessarolo" userId="c36b394d4ec160dc" providerId="LiveId" clId="{A78FC0F4-31DE-4513-8F51-57FE8187F33F}" dt="2018-03-17T20:36:14.613" v="267" actId="20577"/>
         <pc:sldMkLst>
           <pc:docMk/>
           <pc:sldMk cId="2015855851" sldId="304"/>
@@ -503,15 +512,15 @@
           </ac:spMkLst>
         </pc:spChg>
         <pc:spChg chg="add">
-          <ac:chgData name="cristiano tessarolo" userId="c36b394d4ec160dc" providerId="LiveId" clId="{A78FC0F4-31DE-4513-8F51-57FE8187F33F}" dt="2018-03-17T19:10:56.611" v="28"/>
+          <ac:chgData name="cristiano tessarolo" userId="c36b394d4ec160dc" providerId="LiveId" clId="{A78FC0F4-31DE-4513-8F51-57FE8187F33F}" dt="2018-03-17T19:10:56.611" v="28" actId="167"/>
           <ac:spMkLst>
             <pc:docMk/>
             <pc:sldMk cId="2015855851" sldId="304"/>
             <ac:spMk id="36" creationId="{148D749B-D498-4556-BA63-8E3160465E29}"/>
           </ac:spMkLst>
         </pc:spChg>
-        <pc:spChg chg="add">
-          <ac:chgData name="cristiano tessarolo" userId="c36b394d4ec160dc" providerId="LiveId" clId="{A78FC0F4-31DE-4513-8F51-57FE8187F33F}" dt="2018-03-17T19:10:56.611" v="28"/>
+        <pc:spChg chg="add mod">
+          <ac:chgData name="cristiano tessarolo" userId="c36b394d4ec160dc" providerId="LiveId" clId="{A78FC0F4-31DE-4513-8F51-57FE8187F33F}" dt="2018-03-17T20:36:14.613" v="267" actId="20577"/>
           <ac:spMkLst>
             <pc:docMk/>
             <pc:sldMk cId="2015855851" sldId="304"/>
@@ -520,7 +529,7 @@
         </pc:spChg>
       </pc:sldChg>
       <pc:sldChg chg="addSp delSp modSp">
-        <pc:chgData name="cristiano tessarolo" userId="c36b394d4ec160dc" providerId="LiveId" clId="{A78FC0F4-31DE-4513-8F51-57FE8187F33F}" dt="2018-03-17T19:11:01.866" v="31"/>
+        <pc:chgData name="cristiano tessarolo" userId="c36b394d4ec160dc" providerId="LiveId" clId="{A78FC0F4-31DE-4513-8F51-57FE8187F33F}" dt="2018-03-17T20:36:19.670" v="269" actId="20577"/>
         <pc:sldMkLst>
           <pc:docMk/>
           <pc:sldMk cId="1787272685" sldId="305"/>
@@ -542,15 +551,15 @@
           </ac:spMkLst>
         </pc:spChg>
         <pc:spChg chg="add">
-          <ac:chgData name="cristiano tessarolo" userId="c36b394d4ec160dc" providerId="LiveId" clId="{A78FC0F4-31DE-4513-8F51-57FE8187F33F}" dt="2018-03-17T19:11:01.866" v="31"/>
+          <ac:chgData name="cristiano tessarolo" userId="c36b394d4ec160dc" providerId="LiveId" clId="{A78FC0F4-31DE-4513-8F51-57FE8187F33F}" dt="2018-03-17T19:11:01.866" v="31" actId="167"/>
           <ac:spMkLst>
             <pc:docMk/>
             <pc:sldMk cId="1787272685" sldId="305"/>
             <ac:spMk id="57" creationId="{159059AE-9186-4EA7-9297-EE25237D1603}"/>
           </ac:spMkLst>
         </pc:spChg>
-        <pc:spChg chg="add">
-          <ac:chgData name="cristiano tessarolo" userId="c36b394d4ec160dc" providerId="LiveId" clId="{A78FC0F4-31DE-4513-8F51-57FE8187F33F}" dt="2018-03-17T19:11:01.866" v="31"/>
+        <pc:spChg chg="add mod">
+          <ac:chgData name="cristiano tessarolo" userId="c36b394d4ec160dc" providerId="LiveId" clId="{A78FC0F4-31DE-4513-8F51-57FE8187F33F}" dt="2018-03-17T20:36:19.670" v="269" actId="20577"/>
           <ac:spMkLst>
             <pc:docMk/>
             <pc:sldMk cId="1787272685" sldId="305"/>
@@ -559,21 +568,29 @@
         </pc:spChg>
       </pc:sldChg>
       <pc:sldChg chg="addSp delSp modSp">
-        <pc:chgData name="cristiano tessarolo" userId="c36b394d4ec160dc" providerId="LiveId" clId="{A78FC0F4-31DE-4513-8F51-57FE8187F33F}" dt="2018-03-17T19:11:23.108" v="39"/>
+        <pc:chgData name="cristiano tessarolo" userId="c36b394d4ec160dc" providerId="LiveId" clId="{A78FC0F4-31DE-4513-8F51-57FE8187F33F}" dt="2018-03-17T20:36:38.292" v="277" actId="20577"/>
         <pc:sldMkLst>
           <pc:docMk/>
           <pc:sldMk cId="1563339388" sldId="306"/>
         </pc:sldMkLst>
+        <pc:spChg chg="mod">
+          <ac:chgData name="cristiano tessarolo" userId="c36b394d4ec160dc" providerId="LiveId" clId="{A78FC0F4-31DE-4513-8F51-57FE8187F33F}" dt="2018-03-17T20:19:14.135" v="121" actId="1035"/>
+          <ac:spMkLst>
+            <pc:docMk/>
+            <pc:sldMk cId="1563339388" sldId="306"/>
+            <ac:spMk id="21" creationId="{00000000-0000-0000-0000-000000000000}"/>
+          </ac:spMkLst>
+        </pc:spChg>
         <pc:spChg chg="add">
-          <ac:chgData name="cristiano tessarolo" userId="c36b394d4ec160dc" providerId="LiveId" clId="{A78FC0F4-31DE-4513-8F51-57FE8187F33F}" dt="2018-03-17T19:11:23.108" v="39"/>
+          <ac:chgData name="cristiano tessarolo" userId="c36b394d4ec160dc" providerId="LiveId" clId="{A78FC0F4-31DE-4513-8F51-57FE8187F33F}" dt="2018-03-17T19:11:23.108" v="39" actId="167"/>
           <ac:spMkLst>
             <pc:docMk/>
             <pc:sldMk cId="1563339388" sldId="306"/>
             <ac:spMk id="25" creationId="{8E2A885D-7C71-4669-A528-6CB399D173A4}"/>
           </ac:spMkLst>
         </pc:spChg>
-        <pc:spChg chg="add">
-          <ac:chgData name="cristiano tessarolo" userId="c36b394d4ec160dc" providerId="LiveId" clId="{A78FC0F4-31DE-4513-8F51-57FE8187F33F}" dt="2018-03-17T19:11:23.108" v="39"/>
+        <pc:spChg chg="add mod">
+          <ac:chgData name="cristiano tessarolo" userId="c36b394d4ec160dc" providerId="LiveId" clId="{A78FC0F4-31DE-4513-8F51-57FE8187F33F}" dt="2018-03-17T20:36:38.292" v="277" actId="20577"/>
           <ac:spMkLst>
             <pc:docMk/>
             <pc:sldMk cId="1563339388" sldId="306"/>
@@ -598,13 +615,13 @@
         </pc:spChg>
       </pc:sldChg>
       <pc:sldChg chg="addSp delSp modSp">
-        <pc:chgData name="cristiano tessarolo" userId="c36b394d4ec160dc" providerId="LiveId" clId="{A78FC0F4-31DE-4513-8F51-57FE8187F33F}" dt="2018-03-17T19:12:42.058" v="47" actId="167"/>
+        <pc:chgData name="cristiano tessarolo" userId="c36b394d4ec160dc" providerId="LiveId" clId="{A78FC0F4-31DE-4513-8F51-57FE8187F33F}" dt="2018-03-17T20:36:43.585" v="279" actId="20577"/>
         <pc:sldMkLst>
           <pc:docMk/>
           <pc:sldMk cId="1118525605" sldId="307"/>
         </pc:sldMkLst>
         <pc:spChg chg="add del">
-          <ac:chgData name="cristiano tessarolo" userId="c36b394d4ec160dc" providerId="LiveId" clId="{A78FC0F4-31DE-4513-8F51-57FE8187F33F}" dt="2018-03-17T19:11:34.394" v="41"/>
+          <ac:chgData name="cristiano tessarolo" userId="c36b394d4ec160dc" providerId="LiveId" clId="{A78FC0F4-31DE-4513-8F51-57FE8187F33F}" dt="2018-03-17T19:11:34.394" v="41" actId="167"/>
           <ac:spMkLst>
             <pc:docMk/>
             <pc:sldMk cId="1118525605" sldId="307"/>
@@ -612,7 +629,7 @@
           </ac:spMkLst>
         </pc:spChg>
         <pc:spChg chg="add del">
-          <ac:chgData name="cristiano tessarolo" userId="c36b394d4ec160dc" providerId="LiveId" clId="{A78FC0F4-31DE-4513-8F51-57FE8187F33F}" dt="2018-03-17T19:11:34.394" v="41"/>
+          <ac:chgData name="cristiano tessarolo" userId="c36b394d4ec160dc" providerId="LiveId" clId="{A78FC0F4-31DE-4513-8F51-57FE8187F33F}" dt="2018-03-17T19:11:34.394" v="41" actId="167"/>
           <ac:spMkLst>
             <pc:docMk/>
             <pc:sldMk cId="1118525605" sldId="307"/>
@@ -627,8 +644,8 @@
             <ac:spMk id="25" creationId="{C079C448-B83B-4C99-B97F-4F12A4FEB747}"/>
           </ac:spMkLst>
         </pc:spChg>
-        <pc:spChg chg="add">
-          <ac:chgData name="cristiano tessarolo" userId="c36b394d4ec160dc" providerId="LiveId" clId="{A78FC0F4-31DE-4513-8F51-57FE8187F33F}" dt="2018-03-17T19:11:36.103" v="43"/>
+        <pc:spChg chg="add mod">
+          <ac:chgData name="cristiano tessarolo" userId="c36b394d4ec160dc" providerId="LiveId" clId="{A78FC0F4-31DE-4513-8F51-57FE8187F33F}" dt="2018-03-17T20:36:43.585" v="279" actId="20577"/>
           <ac:spMkLst>
             <pc:docMk/>
             <pc:sldMk cId="1118525605" sldId="307"/>
@@ -657,6 +674,37 @@
             <pc:docMk/>
             <pc:sldMk cId="1118525605" sldId="307"/>
             <ac:graphicFrameMk id="2" creationId="{00000000-0000-0000-0000-000000000000}"/>
+          </ac:graphicFrameMkLst>
+        </pc:graphicFrameChg>
+      </pc:sldChg>
+      <pc:sldChg chg="modSp add">
+        <pc:chgData name="cristiano tessarolo" userId="c36b394d4ec160dc" providerId="LiveId" clId="{A78FC0F4-31DE-4513-8F51-57FE8187F33F}" dt="2018-03-17T20:36:33.230" v="275" actId="20577"/>
+        <pc:sldMkLst>
+          <pc:docMk/>
+          <pc:sldMk cId="2967424957" sldId="308"/>
+        </pc:sldMkLst>
+        <pc:spChg chg="mod">
+          <ac:chgData name="cristiano tessarolo" userId="c36b394d4ec160dc" providerId="LiveId" clId="{A78FC0F4-31DE-4513-8F51-57FE8187F33F}" dt="2018-03-17T20:36:33.230" v="275" actId="20577"/>
+          <ac:spMkLst>
+            <pc:docMk/>
+            <pc:sldMk cId="2967424957" sldId="308"/>
+            <ac:spMk id="21" creationId="{17349CBC-9266-4E32-A21D-33ADC48C77DB}"/>
+          </ac:spMkLst>
+        </pc:spChg>
+        <pc:spChg chg="mod">
+          <ac:chgData name="cristiano tessarolo" userId="c36b394d4ec160dc" providerId="LiveId" clId="{A78FC0F4-31DE-4513-8F51-57FE8187F33F}" dt="2018-03-17T20:17:58.636" v="95" actId="1035"/>
+          <ac:spMkLst>
+            <pc:docMk/>
+            <pc:sldMk cId="2967424957" sldId="308"/>
+            <ac:spMk id="44" creationId="{00000000-0000-0000-0000-000000000000}"/>
+          </ac:spMkLst>
+        </pc:spChg>
+        <pc:graphicFrameChg chg="modGraphic">
+          <ac:chgData name="cristiano tessarolo" userId="c36b394d4ec160dc" providerId="LiveId" clId="{A78FC0F4-31DE-4513-8F51-57FE8187F33F}" dt="2018-03-17T20:22:56.823" v="239" actId="20577"/>
+          <ac:graphicFrameMkLst>
+            <pc:docMk/>
+            <pc:sldMk cId="2967424957" sldId="308"/>
+            <ac:graphicFrameMk id="30" creationId="{00000000-0000-0000-0000-000000000000}"/>
           </ac:graphicFrameMkLst>
         </pc:graphicFrameChg>
       </pc:sldChg>
@@ -5386,7 +5434,7 @@
         </p:nvSpPr>
         <p:spPr>
           <a:xfrm>
-            <a:off x="8193386" y="6391960"/>
+            <a:off x="8238728" y="6391960"/>
             <a:ext cx="888046" cy="365125"/>
           </a:xfrm>
         </p:spPr>
@@ -5409,7 +5457,7 @@
                   <a:schemeClr val="bg1"/>
                 </a:solidFill>
               </a:rPr>
-              <a:t>/15</a:t>
+              <a:t>/16</a:t>
             </a:r>
             <a:endParaRPr lang="zh-CN" altLang="en-US" sz="2000" dirty="0">
               <a:solidFill>
@@ -8380,12 +8428,12 @@
               <a:t>10</a:t>
             </a:fld>
             <a:r>
-              <a:rPr lang="it-IT" altLang="zh-CN" sz="2000">
+              <a:rPr lang="it-IT" altLang="zh-CN" sz="2000" dirty="0">
                 <a:solidFill>
                   <a:schemeClr val="bg1"/>
                 </a:solidFill>
               </a:rPr>
-              <a:t>/15</a:t>
+              <a:t>/16</a:t>
             </a:r>
             <a:endParaRPr lang="zh-CN" altLang="en-US" sz="2000" dirty="0">
               <a:solidFill>
@@ -12036,12 +12084,12 @@
               <a:t>11</a:t>
             </a:fld>
             <a:r>
-              <a:rPr lang="it-IT" altLang="zh-CN" sz="2000">
+              <a:rPr lang="it-IT" altLang="zh-CN" sz="2000" dirty="0">
                 <a:solidFill>
                   <a:schemeClr val="bg1"/>
                 </a:solidFill>
               </a:rPr>
-              <a:t>/15</a:t>
+              <a:t>/16</a:t>
             </a:r>
             <a:endParaRPr lang="zh-CN" altLang="en-US" sz="2000" dirty="0">
               <a:solidFill>
@@ -13105,12 +13153,12 @@
               <a:t>12</a:t>
             </a:fld>
             <a:r>
-              <a:rPr lang="it-IT" altLang="zh-CN" sz="2000">
+              <a:rPr lang="it-IT" altLang="zh-CN" sz="2000" dirty="0">
                 <a:solidFill>
                   <a:schemeClr val="bg1"/>
                 </a:solidFill>
               </a:rPr>
-              <a:t>/15</a:t>
+              <a:t>/16</a:t>
             </a:r>
             <a:endParaRPr lang="zh-CN" altLang="en-US" sz="2000" dirty="0">
               <a:solidFill>
@@ -18457,12 +18505,12 @@
               <a:t>13</a:t>
             </a:fld>
             <a:r>
-              <a:rPr lang="it-IT" altLang="zh-CN" sz="2000">
+              <a:rPr lang="it-IT" altLang="zh-CN" sz="2000" dirty="0">
                 <a:solidFill>
                   <a:schemeClr val="bg1"/>
                 </a:solidFill>
               </a:rPr>
-              <a:t>/15</a:t>
+              <a:t>/16</a:t>
             </a:r>
             <a:endParaRPr lang="zh-CN" altLang="en-US" sz="2000" dirty="0">
               <a:solidFill>
@@ -18705,6 +18753,5479 @@
       </p:grpSpPr>
       <p:sp>
         <p:nvSpPr>
+          <p:cNvPr id="29" name="Freccia curva 28"/>
+          <p:cNvSpPr/>
+          <p:nvPr/>
+        </p:nvSpPr>
+        <p:spPr>
+          <a:xfrm flipV="1">
+            <a:off x="558984" y="1098446"/>
+            <a:ext cx="640150" cy="723295"/>
+          </a:xfrm>
+          <a:prstGeom prst="bentArrow">
+            <a:avLst>
+              <a:gd name="adj1" fmla="val 31942"/>
+              <a:gd name="adj2" fmla="val 33229"/>
+              <a:gd name="adj3" fmla="val 44944"/>
+              <a:gd name="adj4" fmla="val 22347"/>
+            </a:avLst>
+          </a:prstGeom>
+          <a:solidFill>
+            <a:srgbClr val="CCD351">
+              <a:alpha val="29000"/>
+            </a:srgbClr>
+          </a:solidFill>
+          <a:ln>
+            <a:noFill/>
+          </a:ln>
+        </p:spPr>
+        <p:style>
+          <a:lnRef idx="2">
+            <a:schemeClr val="accent1">
+              <a:shade val="50000"/>
+            </a:schemeClr>
+          </a:lnRef>
+          <a:fillRef idx="1">
+            <a:schemeClr val="accent1"/>
+          </a:fillRef>
+          <a:effectRef idx="0">
+            <a:schemeClr val="accent1"/>
+          </a:effectRef>
+          <a:fontRef idx="minor">
+            <a:schemeClr val="lt1"/>
+          </a:fontRef>
+        </p:style>
+        <p:txBody>
+          <a:bodyPr rot="0" spcFirstLastPara="0" vertOverflow="overflow" horzOverflow="overflow" vert="horz" wrap="square" lIns="91440" tIns="45720" rIns="91440" bIns="45720" numCol="1" spcCol="0" rtlCol="0" fromWordArt="0" anchor="ctr" anchorCtr="0" forceAA="0" compatLnSpc="1">
+            <a:prstTxWarp prst="textNoShape">
+              <a:avLst/>
+            </a:prstTxWarp>
+            <a:noAutofit/>
+          </a:bodyPr>
+          <a:lstStyle/>
+          <a:p>
+            <a:pPr algn="ctr"/>
+            <a:endParaRPr kumimoji="1" lang="it-IT">
+              <a:solidFill>
+                <a:schemeClr val="tx1"/>
+              </a:solidFill>
+            </a:endParaRPr>
+          </a:p>
+        </p:txBody>
+      </p:sp>
+      <p:sp>
+        <p:nvSpPr>
+          <p:cNvPr id="32" name="Rettangolo arrotondato 31"/>
+          <p:cNvSpPr/>
+          <p:nvPr/>
+        </p:nvSpPr>
+        <p:spPr>
+          <a:xfrm>
+            <a:off x="950249" y="384936"/>
+            <a:ext cx="8038117" cy="776668"/>
+          </a:xfrm>
+          <a:prstGeom prst="roundRect">
+            <a:avLst/>
+          </a:prstGeom>
+          <a:solidFill>
+            <a:srgbClr val="CCD351">
+              <a:alpha val="25000"/>
+            </a:srgbClr>
+          </a:solidFill>
+          <a:ln>
+            <a:noFill/>
+          </a:ln>
+        </p:spPr>
+        <p:style>
+          <a:lnRef idx="1">
+            <a:schemeClr val="accent1"/>
+          </a:lnRef>
+          <a:fillRef idx="3">
+            <a:schemeClr val="accent1"/>
+          </a:fillRef>
+          <a:effectRef idx="2">
+            <a:schemeClr val="accent1"/>
+          </a:effectRef>
+          <a:fontRef idx="minor">
+            <a:schemeClr val="lt1"/>
+          </a:fontRef>
+        </p:style>
+        <p:txBody>
+          <a:bodyPr rtlCol="0" anchor="ctr"/>
+          <a:lstStyle/>
+          <a:p>
+            <a:pPr algn="ctr"/>
+            <a:endParaRPr lang="it-IT"/>
+          </a:p>
+        </p:txBody>
+      </p:sp>
+      <p:sp>
+        <p:nvSpPr>
+          <p:cNvPr id="44" name="Rettangolo 43"/>
+          <p:cNvSpPr/>
+          <p:nvPr/>
+        </p:nvSpPr>
+        <p:spPr>
+          <a:xfrm>
+            <a:off x="1168297" y="1243010"/>
+            <a:ext cx="7602953" cy="954107"/>
+          </a:xfrm>
+          <a:prstGeom prst="rect">
+            <a:avLst/>
+          </a:prstGeom>
+        </p:spPr>
+        <p:txBody>
+          <a:bodyPr wrap="square">
+            <a:spAutoFit/>
+          </a:bodyPr>
+          <a:lstStyle/>
+          <a:p>
+            <a:r>
+              <a:rPr lang="it-IT" sz="2800" b="1" dirty="0">
+                <a:ln w="0"/>
+                <a:solidFill>
+                  <a:schemeClr val="bg1"/>
+                </a:solidFill>
+                <a:effectLst>
+                  <a:outerShdw blurRad="38100" dist="19050" dir="2700000" algn="tl" rotWithShape="0">
+                    <a:schemeClr val="dk1">
+                      <a:alpha val="40000"/>
+                    </a:schemeClr>
+                  </a:outerShdw>
+                </a:effectLst>
+              </a:rPr>
+              <a:t>Consuntivo del periodo di consolidamento dei requisiti</a:t>
+            </a:r>
+          </a:p>
+        </p:txBody>
+      </p:sp>
+      <p:sp>
+        <p:nvSpPr>
+          <p:cNvPr id="15" name="六边形 43"/>
+          <p:cNvSpPr/>
+          <p:nvPr/>
+        </p:nvSpPr>
+        <p:spPr>
+          <a:xfrm rot="3684182">
+            <a:off x="166712" y="232437"/>
+            <a:ext cx="1234359" cy="1064103"/>
+          </a:xfrm>
+          <a:prstGeom prst="hexagon">
+            <a:avLst>
+              <a:gd name="adj" fmla="val 28663"/>
+              <a:gd name="vf" fmla="val 115470"/>
+            </a:avLst>
+          </a:prstGeom>
+          <a:solidFill>
+            <a:srgbClr val="CCD351"/>
+          </a:solidFill>
+          <a:ln>
+            <a:noFill/>
+          </a:ln>
+        </p:spPr>
+        <p:style>
+          <a:lnRef idx="2">
+            <a:schemeClr val="accent1">
+              <a:shade val="50000"/>
+            </a:schemeClr>
+          </a:lnRef>
+          <a:fillRef idx="1">
+            <a:schemeClr val="accent1"/>
+          </a:fillRef>
+          <a:effectRef idx="0">
+            <a:schemeClr val="accent1"/>
+          </a:effectRef>
+          <a:fontRef idx="minor">
+            <a:schemeClr val="lt1"/>
+          </a:fontRef>
+        </p:style>
+        <p:txBody>
+          <a:bodyPr rtlCol="0" anchor="ctr"/>
+          <a:lstStyle/>
+          <a:p>
+            <a:pPr algn="ctr"/>
+            <a:endParaRPr lang="zh-CN" altLang="en-US" sz="2400">
+              <a:solidFill>
+                <a:schemeClr val="bg1"/>
+              </a:solidFill>
+              <a:latin typeface="Microsoft YaHei" charset="0"/>
+              <a:ea typeface="Microsoft YaHei" charset="0"/>
+              <a:cs typeface="Microsoft YaHei" charset="0"/>
+            </a:endParaRPr>
+          </a:p>
+        </p:txBody>
+      </p:sp>
+      <p:grpSp>
+        <p:nvGrpSpPr>
+          <p:cNvPr id="16" name="组 46"/>
+          <p:cNvGrpSpPr/>
+          <p:nvPr/>
+        </p:nvGrpSpPr>
+        <p:grpSpPr>
+          <a:xfrm>
+            <a:off x="417646" y="570824"/>
+            <a:ext cx="690801" cy="415611"/>
+            <a:chOff x="3902075" y="4498975"/>
+            <a:chExt cx="831850" cy="488950"/>
+          </a:xfrm>
+          <a:solidFill>
+            <a:schemeClr val="bg1"/>
+          </a:solidFill>
+        </p:grpSpPr>
+        <p:sp>
+          <p:nvSpPr>
+            <p:cNvPr id="17" name="Freeform 230"/>
+            <p:cNvSpPr>
+              <a:spLocks noEditPoints="1"/>
+            </p:cNvSpPr>
+            <p:nvPr/>
+          </p:nvSpPr>
+          <p:spPr bwMode="auto">
+            <a:xfrm>
+              <a:off x="4092575" y="4498975"/>
+              <a:ext cx="450850" cy="488950"/>
+            </a:xfrm>
+            <a:custGeom>
+              <a:avLst/>
+              <a:gdLst/>
+              <a:ahLst/>
+              <a:cxnLst>
+                <a:cxn ang="0">
+                  <a:pos x="70" y="72"/>
+                </a:cxn>
+                <a:cxn ang="0">
+                  <a:pos x="76" y="44"/>
+                </a:cxn>
+                <a:cxn ang="0">
+                  <a:pos x="90" y="20"/>
+                </a:cxn>
+                <a:cxn ang="0">
+                  <a:pos x="114" y="6"/>
+                </a:cxn>
+                <a:cxn ang="0">
+                  <a:pos x="142" y="0"/>
+                </a:cxn>
+                <a:cxn ang="0">
+                  <a:pos x="156" y="2"/>
+                </a:cxn>
+                <a:cxn ang="0">
+                  <a:pos x="182" y="12"/>
+                </a:cxn>
+                <a:cxn ang="0">
+                  <a:pos x="202" y="30"/>
+                </a:cxn>
+                <a:cxn ang="0">
+                  <a:pos x="212" y="56"/>
+                </a:cxn>
+                <a:cxn ang="0">
+                  <a:pos x="212" y="72"/>
+                </a:cxn>
+                <a:cxn ang="0">
+                  <a:pos x="208" y="100"/>
+                </a:cxn>
+                <a:cxn ang="0">
+                  <a:pos x="192" y="122"/>
+                </a:cxn>
+                <a:cxn ang="0">
+                  <a:pos x="170" y="138"/>
+                </a:cxn>
+                <a:cxn ang="0">
+                  <a:pos x="142" y="142"/>
+                </a:cxn>
+                <a:cxn ang="0">
+                  <a:pos x="128" y="142"/>
+                </a:cxn>
+                <a:cxn ang="0">
+                  <a:pos x="102" y="130"/>
+                </a:cxn>
+                <a:cxn ang="0">
+                  <a:pos x="82" y="112"/>
+                </a:cxn>
+                <a:cxn ang="0">
+                  <a:pos x="72" y="86"/>
+                </a:cxn>
+                <a:cxn ang="0">
+                  <a:pos x="70" y="72"/>
+                </a:cxn>
+                <a:cxn ang="0">
+                  <a:pos x="142" y="190"/>
+                </a:cxn>
+                <a:cxn ang="0">
+                  <a:pos x="104" y="194"/>
+                </a:cxn>
+                <a:cxn ang="0">
+                  <a:pos x="74" y="202"/>
+                </a:cxn>
+                <a:cxn ang="0">
+                  <a:pos x="48" y="214"/>
+                </a:cxn>
+                <a:cxn ang="0">
+                  <a:pos x="16" y="244"/>
+                </a:cxn>
+                <a:cxn ang="0">
+                  <a:pos x="0" y="268"/>
+                </a:cxn>
+                <a:cxn ang="0">
+                  <a:pos x="284" y="308"/>
+                </a:cxn>
+                <a:cxn ang="0">
+                  <a:pos x="284" y="268"/>
+                </a:cxn>
+                <a:cxn ang="0">
+                  <a:pos x="268" y="244"/>
+                </a:cxn>
+                <a:cxn ang="0">
+                  <a:pos x="234" y="214"/>
+                </a:cxn>
+                <a:cxn ang="0">
+                  <a:pos x="210" y="202"/>
+                </a:cxn>
+                <a:cxn ang="0">
+                  <a:pos x="180" y="194"/>
+                </a:cxn>
+                <a:cxn ang="0">
+                  <a:pos x="142" y="190"/>
+                </a:cxn>
+              </a:cxnLst>
+              <a:rect l="0" t="0" r="r" b="b"/>
+              <a:pathLst>
+                <a:path w="284" h="308">
+                  <a:moveTo>
+                    <a:pt x="70" y="72"/>
+                  </a:moveTo>
+                  <a:lnTo>
+                    <a:pt x="70" y="72"/>
+                  </a:lnTo>
+                  <a:lnTo>
+                    <a:pt x="72" y="56"/>
+                  </a:lnTo>
+                  <a:lnTo>
+                    <a:pt x="76" y="44"/>
+                  </a:lnTo>
+                  <a:lnTo>
+                    <a:pt x="82" y="30"/>
+                  </a:lnTo>
+                  <a:lnTo>
+                    <a:pt x="90" y="20"/>
+                  </a:lnTo>
+                  <a:lnTo>
+                    <a:pt x="102" y="12"/>
+                  </a:lnTo>
+                  <a:lnTo>
+                    <a:pt x="114" y="6"/>
+                  </a:lnTo>
+                  <a:lnTo>
+                    <a:pt x="128" y="2"/>
+                  </a:lnTo>
+                  <a:lnTo>
+                    <a:pt x="142" y="0"/>
+                  </a:lnTo>
+                  <a:lnTo>
+                    <a:pt x="142" y="0"/>
+                  </a:lnTo>
+                  <a:lnTo>
+                    <a:pt x="156" y="2"/>
+                  </a:lnTo>
+                  <a:lnTo>
+                    <a:pt x="170" y="6"/>
+                  </a:lnTo>
+                  <a:lnTo>
+                    <a:pt x="182" y="12"/>
+                  </a:lnTo>
+                  <a:lnTo>
+                    <a:pt x="192" y="20"/>
+                  </a:lnTo>
+                  <a:lnTo>
+                    <a:pt x="202" y="30"/>
+                  </a:lnTo>
+                  <a:lnTo>
+                    <a:pt x="208" y="44"/>
+                  </a:lnTo>
+                  <a:lnTo>
+                    <a:pt x="212" y="56"/>
+                  </a:lnTo>
+                  <a:lnTo>
+                    <a:pt x="212" y="72"/>
+                  </a:lnTo>
+                  <a:lnTo>
+                    <a:pt x="212" y="72"/>
+                  </a:lnTo>
+                  <a:lnTo>
+                    <a:pt x="212" y="86"/>
+                  </a:lnTo>
+                  <a:lnTo>
+                    <a:pt x="208" y="100"/>
+                  </a:lnTo>
+                  <a:lnTo>
+                    <a:pt x="202" y="112"/>
+                  </a:lnTo>
+                  <a:lnTo>
+                    <a:pt x="192" y="122"/>
+                  </a:lnTo>
+                  <a:lnTo>
+                    <a:pt x="182" y="130"/>
+                  </a:lnTo>
+                  <a:lnTo>
+                    <a:pt x="170" y="138"/>
+                  </a:lnTo>
+                  <a:lnTo>
+                    <a:pt x="156" y="142"/>
+                  </a:lnTo>
+                  <a:lnTo>
+                    <a:pt x="142" y="142"/>
+                  </a:lnTo>
+                  <a:lnTo>
+                    <a:pt x="142" y="142"/>
+                  </a:lnTo>
+                  <a:lnTo>
+                    <a:pt x="128" y="142"/>
+                  </a:lnTo>
+                  <a:lnTo>
+                    <a:pt x="114" y="138"/>
+                  </a:lnTo>
+                  <a:lnTo>
+                    <a:pt x="102" y="130"/>
+                  </a:lnTo>
+                  <a:lnTo>
+                    <a:pt x="90" y="122"/>
+                  </a:lnTo>
+                  <a:lnTo>
+                    <a:pt x="82" y="112"/>
+                  </a:lnTo>
+                  <a:lnTo>
+                    <a:pt x="76" y="100"/>
+                  </a:lnTo>
+                  <a:lnTo>
+                    <a:pt x="72" y="86"/>
+                  </a:lnTo>
+                  <a:lnTo>
+                    <a:pt x="70" y="72"/>
+                  </a:lnTo>
+                  <a:lnTo>
+                    <a:pt x="70" y="72"/>
+                  </a:lnTo>
+                  <a:close/>
+                  <a:moveTo>
+                    <a:pt x="142" y="190"/>
+                  </a:moveTo>
+                  <a:lnTo>
+                    <a:pt x="142" y="190"/>
+                  </a:lnTo>
+                  <a:lnTo>
+                    <a:pt x="122" y="190"/>
+                  </a:lnTo>
+                  <a:lnTo>
+                    <a:pt x="104" y="194"/>
+                  </a:lnTo>
+                  <a:lnTo>
+                    <a:pt x="88" y="198"/>
+                  </a:lnTo>
+                  <a:lnTo>
+                    <a:pt x="74" y="202"/>
+                  </a:lnTo>
+                  <a:lnTo>
+                    <a:pt x="60" y="208"/>
+                  </a:lnTo>
+                  <a:lnTo>
+                    <a:pt x="48" y="214"/>
+                  </a:lnTo>
+                  <a:lnTo>
+                    <a:pt x="30" y="230"/>
+                  </a:lnTo>
+                  <a:lnTo>
+                    <a:pt x="16" y="244"/>
+                  </a:lnTo>
+                  <a:lnTo>
+                    <a:pt x="6" y="256"/>
+                  </a:lnTo>
+                  <a:lnTo>
+                    <a:pt x="0" y="268"/>
+                  </a:lnTo>
+                  <a:lnTo>
+                    <a:pt x="0" y="308"/>
+                  </a:lnTo>
+                  <a:lnTo>
+                    <a:pt x="284" y="308"/>
+                  </a:lnTo>
+                  <a:lnTo>
+                    <a:pt x="284" y="268"/>
+                  </a:lnTo>
+                  <a:lnTo>
+                    <a:pt x="284" y="268"/>
+                  </a:lnTo>
+                  <a:lnTo>
+                    <a:pt x="278" y="256"/>
+                  </a:lnTo>
+                  <a:lnTo>
+                    <a:pt x="268" y="244"/>
+                  </a:lnTo>
+                  <a:lnTo>
+                    <a:pt x="254" y="230"/>
+                  </a:lnTo>
+                  <a:lnTo>
+                    <a:pt x="234" y="214"/>
+                  </a:lnTo>
+                  <a:lnTo>
+                    <a:pt x="224" y="208"/>
+                  </a:lnTo>
+                  <a:lnTo>
+                    <a:pt x="210" y="202"/>
+                  </a:lnTo>
+                  <a:lnTo>
+                    <a:pt x="196" y="198"/>
+                  </a:lnTo>
+                  <a:lnTo>
+                    <a:pt x="180" y="194"/>
+                  </a:lnTo>
+                  <a:lnTo>
+                    <a:pt x="162" y="190"/>
+                  </a:lnTo>
+                  <a:lnTo>
+                    <a:pt x="142" y="190"/>
+                  </a:lnTo>
+                  <a:lnTo>
+                    <a:pt x="142" y="190"/>
+                  </a:lnTo>
+                  <a:close/>
+                </a:path>
+              </a:pathLst>
+            </a:custGeom>
+            <a:grpFill/>
+            <a:ln w="9525">
+              <a:noFill/>
+              <a:round/>
+              <a:headEnd/>
+              <a:tailEnd/>
+            </a:ln>
+          </p:spPr>
+          <p:txBody>
+            <a:bodyPr vert="horz" wrap="square" lIns="121920" tIns="60960" rIns="121920" bIns="60960" numCol="1" anchor="t" anchorCtr="0" compatLnSpc="1">
+              <a:prstTxWarp prst="textNoShape">
+                <a:avLst/>
+              </a:prstTxWarp>
+            </a:bodyPr>
+            <a:lstStyle/>
+            <a:p>
+              <a:endParaRPr lang="zh-CN" altLang="en-US" sz="2400"/>
+            </a:p>
+          </p:txBody>
+        </p:sp>
+        <p:sp>
+          <p:nvSpPr>
+            <p:cNvPr id="18" name="Freeform 231"/>
+            <p:cNvSpPr>
+              <a:spLocks/>
+            </p:cNvSpPr>
+            <p:nvPr/>
+          </p:nvSpPr>
+          <p:spPr bwMode="auto">
+            <a:xfrm>
+              <a:off x="4467225" y="4498975"/>
+              <a:ext cx="190500" cy="187325"/>
+            </a:xfrm>
+            <a:custGeom>
+              <a:avLst/>
+              <a:gdLst/>
+              <a:ahLst/>
+              <a:cxnLst>
+                <a:cxn ang="0">
+                  <a:pos x="60" y="0"/>
+                </a:cxn>
+                <a:cxn ang="0">
+                  <a:pos x="60" y="0"/>
+                </a:cxn>
+                <a:cxn ang="0">
+                  <a:pos x="72" y="2"/>
+                </a:cxn>
+                <a:cxn ang="0">
+                  <a:pos x="84" y="4"/>
+                </a:cxn>
+                <a:cxn ang="0">
+                  <a:pos x="94" y="10"/>
+                </a:cxn>
+                <a:cxn ang="0">
+                  <a:pos x="102" y="18"/>
+                </a:cxn>
+                <a:cxn ang="0">
+                  <a:pos x="110" y="26"/>
+                </a:cxn>
+                <a:cxn ang="0">
+                  <a:pos x="114" y="36"/>
+                </a:cxn>
+                <a:cxn ang="0">
+                  <a:pos x="118" y="48"/>
+                </a:cxn>
+                <a:cxn ang="0">
+                  <a:pos x="120" y="60"/>
+                </a:cxn>
+                <a:cxn ang="0">
+                  <a:pos x="120" y="60"/>
+                </a:cxn>
+                <a:cxn ang="0">
+                  <a:pos x="118" y="72"/>
+                </a:cxn>
+                <a:cxn ang="0">
+                  <a:pos x="114" y="82"/>
+                </a:cxn>
+                <a:cxn ang="0">
+                  <a:pos x="110" y="92"/>
+                </a:cxn>
+                <a:cxn ang="0">
+                  <a:pos x="102" y="102"/>
+                </a:cxn>
+                <a:cxn ang="0">
+                  <a:pos x="94" y="108"/>
+                </a:cxn>
+                <a:cxn ang="0">
+                  <a:pos x="84" y="114"/>
+                </a:cxn>
+                <a:cxn ang="0">
+                  <a:pos x="72" y="118"/>
+                </a:cxn>
+                <a:cxn ang="0">
+                  <a:pos x="60" y="118"/>
+                </a:cxn>
+                <a:cxn ang="0">
+                  <a:pos x="60" y="118"/>
+                </a:cxn>
+                <a:cxn ang="0">
+                  <a:pos x="48" y="118"/>
+                </a:cxn>
+                <a:cxn ang="0">
+                  <a:pos x="38" y="114"/>
+                </a:cxn>
+                <a:cxn ang="0">
+                  <a:pos x="26" y="108"/>
+                </a:cxn>
+                <a:cxn ang="0">
+                  <a:pos x="18" y="102"/>
+                </a:cxn>
+                <a:cxn ang="0">
+                  <a:pos x="10" y="92"/>
+                </a:cxn>
+                <a:cxn ang="0">
+                  <a:pos x="6" y="82"/>
+                </a:cxn>
+                <a:cxn ang="0">
+                  <a:pos x="2" y="72"/>
+                </a:cxn>
+                <a:cxn ang="0">
+                  <a:pos x="0" y="60"/>
+                </a:cxn>
+                <a:cxn ang="0">
+                  <a:pos x="0" y="60"/>
+                </a:cxn>
+                <a:cxn ang="0">
+                  <a:pos x="2" y="48"/>
+                </a:cxn>
+                <a:cxn ang="0">
+                  <a:pos x="6" y="36"/>
+                </a:cxn>
+                <a:cxn ang="0">
+                  <a:pos x="10" y="26"/>
+                </a:cxn>
+                <a:cxn ang="0">
+                  <a:pos x="18" y="18"/>
+                </a:cxn>
+                <a:cxn ang="0">
+                  <a:pos x="26" y="10"/>
+                </a:cxn>
+                <a:cxn ang="0">
+                  <a:pos x="38" y="4"/>
+                </a:cxn>
+                <a:cxn ang="0">
+                  <a:pos x="48" y="2"/>
+                </a:cxn>
+                <a:cxn ang="0">
+                  <a:pos x="60" y="0"/>
+                </a:cxn>
+                <a:cxn ang="0">
+                  <a:pos x="60" y="0"/>
+                </a:cxn>
+              </a:cxnLst>
+              <a:rect l="0" t="0" r="r" b="b"/>
+              <a:pathLst>
+                <a:path w="120" h="118">
+                  <a:moveTo>
+                    <a:pt x="60" y="0"/>
+                  </a:moveTo>
+                  <a:lnTo>
+                    <a:pt x="60" y="0"/>
+                  </a:lnTo>
+                  <a:lnTo>
+                    <a:pt x="72" y="2"/>
+                  </a:lnTo>
+                  <a:lnTo>
+                    <a:pt x="84" y="4"/>
+                  </a:lnTo>
+                  <a:lnTo>
+                    <a:pt x="94" y="10"/>
+                  </a:lnTo>
+                  <a:lnTo>
+                    <a:pt x="102" y="18"/>
+                  </a:lnTo>
+                  <a:lnTo>
+                    <a:pt x="110" y="26"/>
+                  </a:lnTo>
+                  <a:lnTo>
+                    <a:pt x="114" y="36"/>
+                  </a:lnTo>
+                  <a:lnTo>
+                    <a:pt x="118" y="48"/>
+                  </a:lnTo>
+                  <a:lnTo>
+                    <a:pt x="120" y="60"/>
+                  </a:lnTo>
+                  <a:lnTo>
+                    <a:pt x="120" y="60"/>
+                  </a:lnTo>
+                  <a:lnTo>
+                    <a:pt x="118" y="72"/>
+                  </a:lnTo>
+                  <a:lnTo>
+                    <a:pt x="114" y="82"/>
+                  </a:lnTo>
+                  <a:lnTo>
+                    <a:pt x="110" y="92"/>
+                  </a:lnTo>
+                  <a:lnTo>
+                    <a:pt x="102" y="102"/>
+                  </a:lnTo>
+                  <a:lnTo>
+                    <a:pt x="94" y="108"/>
+                  </a:lnTo>
+                  <a:lnTo>
+                    <a:pt x="84" y="114"/>
+                  </a:lnTo>
+                  <a:lnTo>
+                    <a:pt x="72" y="118"/>
+                  </a:lnTo>
+                  <a:lnTo>
+                    <a:pt x="60" y="118"/>
+                  </a:lnTo>
+                  <a:lnTo>
+                    <a:pt x="60" y="118"/>
+                  </a:lnTo>
+                  <a:lnTo>
+                    <a:pt x="48" y="118"/>
+                  </a:lnTo>
+                  <a:lnTo>
+                    <a:pt x="38" y="114"/>
+                  </a:lnTo>
+                  <a:lnTo>
+                    <a:pt x="26" y="108"/>
+                  </a:lnTo>
+                  <a:lnTo>
+                    <a:pt x="18" y="102"/>
+                  </a:lnTo>
+                  <a:lnTo>
+                    <a:pt x="10" y="92"/>
+                  </a:lnTo>
+                  <a:lnTo>
+                    <a:pt x="6" y="82"/>
+                  </a:lnTo>
+                  <a:lnTo>
+                    <a:pt x="2" y="72"/>
+                  </a:lnTo>
+                  <a:lnTo>
+                    <a:pt x="0" y="60"/>
+                  </a:lnTo>
+                  <a:lnTo>
+                    <a:pt x="0" y="60"/>
+                  </a:lnTo>
+                  <a:lnTo>
+                    <a:pt x="2" y="48"/>
+                  </a:lnTo>
+                  <a:lnTo>
+                    <a:pt x="6" y="36"/>
+                  </a:lnTo>
+                  <a:lnTo>
+                    <a:pt x="10" y="26"/>
+                  </a:lnTo>
+                  <a:lnTo>
+                    <a:pt x="18" y="18"/>
+                  </a:lnTo>
+                  <a:lnTo>
+                    <a:pt x="26" y="10"/>
+                  </a:lnTo>
+                  <a:lnTo>
+                    <a:pt x="38" y="4"/>
+                  </a:lnTo>
+                  <a:lnTo>
+                    <a:pt x="48" y="2"/>
+                  </a:lnTo>
+                  <a:lnTo>
+                    <a:pt x="60" y="0"/>
+                  </a:lnTo>
+                  <a:lnTo>
+                    <a:pt x="60" y="0"/>
+                  </a:lnTo>
+                  <a:close/>
+                </a:path>
+              </a:pathLst>
+            </a:custGeom>
+            <a:grpFill/>
+            <a:ln w="9525">
+              <a:noFill/>
+              <a:round/>
+              <a:headEnd/>
+              <a:tailEnd/>
+            </a:ln>
+          </p:spPr>
+          <p:txBody>
+            <a:bodyPr vert="horz" wrap="square" lIns="121920" tIns="60960" rIns="121920" bIns="60960" numCol="1" anchor="t" anchorCtr="0" compatLnSpc="1">
+              <a:prstTxWarp prst="textNoShape">
+                <a:avLst/>
+              </a:prstTxWarp>
+            </a:bodyPr>
+            <a:lstStyle/>
+            <a:p>
+              <a:endParaRPr lang="zh-CN" altLang="en-US" sz="2400"/>
+            </a:p>
+          </p:txBody>
+        </p:sp>
+        <p:sp>
+          <p:nvSpPr>
+            <p:cNvPr id="19" name="Freeform 232"/>
+            <p:cNvSpPr>
+              <a:spLocks/>
+            </p:cNvSpPr>
+            <p:nvPr/>
+          </p:nvSpPr>
+          <p:spPr bwMode="auto">
+            <a:xfrm>
+              <a:off x="4457700" y="4762500"/>
+              <a:ext cx="276225" cy="155575"/>
+            </a:xfrm>
+            <a:custGeom>
+              <a:avLst/>
+              <a:gdLst/>
+              <a:ahLst/>
+              <a:cxnLst>
+                <a:cxn ang="0">
+                  <a:pos x="66" y="0"/>
+                </a:cxn>
+                <a:cxn ang="0">
+                  <a:pos x="66" y="0"/>
+                </a:cxn>
+                <a:cxn ang="0">
+                  <a:pos x="46" y="2"/>
+                </a:cxn>
+                <a:cxn ang="0">
+                  <a:pos x="28" y="6"/>
+                </a:cxn>
+                <a:cxn ang="0">
+                  <a:pos x="14" y="12"/>
+                </a:cxn>
+                <a:cxn ang="0">
+                  <a:pos x="0" y="20"/>
+                </a:cxn>
+                <a:cxn ang="0">
+                  <a:pos x="0" y="20"/>
+                </a:cxn>
+                <a:cxn ang="0">
+                  <a:pos x="18" y="30"/>
+                </a:cxn>
+                <a:cxn ang="0">
+                  <a:pos x="34" y="42"/>
+                </a:cxn>
+                <a:cxn ang="0">
+                  <a:pos x="48" y="54"/>
+                </a:cxn>
+                <a:cxn ang="0">
+                  <a:pos x="58" y="66"/>
+                </a:cxn>
+                <a:cxn ang="0">
+                  <a:pos x="66" y="76"/>
+                </a:cxn>
+                <a:cxn ang="0">
+                  <a:pos x="72" y="86"/>
+                </a:cxn>
+                <a:cxn ang="0">
+                  <a:pos x="76" y="96"/>
+                </a:cxn>
+                <a:cxn ang="0">
+                  <a:pos x="76" y="98"/>
+                </a:cxn>
+                <a:cxn ang="0">
+                  <a:pos x="174" y="98"/>
+                </a:cxn>
+                <a:cxn ang="0">
+                  <a:pos x="174" y="66"/>
+                </a:cxn>
+                <a:cxn ang="0">
+                  <a:pos x="174" y="66"/>
+                </a:cxn>
+                <a:cxn ang="0">
+                  <a:pos x="168" y="56"/>
+                </a:cxn>
+                <a:cxn ang="0">
+                  <a:pos x="160" y="44"/>
+                </a:cxn>
+                <a:cxn ang="0">
+                  <a:pos x="150" y="32"/>
+                </a:cxn>
+                <a:cxn ang="0">
+                  <a:pos x="136" y="20"/>
+                </a:cxn>
+                <a:cxn ang="0">
+                  <a:pos x="116" y="10"/>
+                </a:cxn>
+                <a:cxn ang="0">
+                  <a:pos x="106" y="6"/>
+                </a:cxn>
+                <a:cxn ang="0">
+                  <a:pos x="94" y="4"/>
+                </a:cxn>
+                <a:cxn ang="0">
+                  <a:pos x="80" y="0"/>
+                </a:cxn>
+                <a:cxn ang="0">
+                  <a:pos x="66" y="0"/>
+                </a:cxn>
+                <a:cxn ang="0">
+                  <a:pos x="66" y="0"/>
+                </a:cxn>
+              </a:cxnLst>
+              <a:rect l="0" t="0" r="r" b="b"/>
+              <a:pathLst>
+                <a:path w="174" h="98">
+                  <a:moveTo>
+                    <a:pt x="66" y="0"/>
+                  </a:moveTo>
+                  <a:lnTo>
+                    <a:pt x="66" y="0"/>
+                  </a:lnTo>
+                  <a:lnTo>
+                    <a:pt x="46" y="2"/>
+                  </a:lnTo>
+                  <a:lnTo>
+                    <a:pt x="28" y="6"/>
+                  </a:lnTo>
+                  <a:lnTo>
+                    <a:pt x="14" y="12"/>
+                  </a:lnTo>
+                  <a:lnTo>
+                    <a:pt x="0" y="20"/>
+                  </a:lnTo>
+                  <a:lnTo>
+                    <a:pt x="0" y="20"/>
+                  </a:lnTo>
+                  <a:lnTo>
+                    <a:pt x="18" y="30"/>
+                  </a:lnTo>
+                  <a:lnTo>
+                    <a:pt x="34" y="42"/>
+                  </a:lnTo>
+                  <a:lnTo>
+                    <a:pt x="48" y="54"/>
+                  </a:lnTo>
+                  <a:lnTo>
+                    <a:pt x="58" y="66"/>
+                  </a:lnTo>
+                  <a:lnTo>
+                    <a:pt x="66" y="76"/>
+                  </a:lnTo>
+                  <a:lnTo>
+                    <a:pt x="72" y="86"/>
+                  </a:lnTo>
+                  <a:lnTo>
+                    <a:pt x="76" y="96"/>
+                  </a:lnTo>
+                  <a:lnTo>
+                    <a:pt x="76" y="98"/>
+                  </a:lnTo>
+                  <a:lnTo>
+                    <a:pt x="174" y="98"/>
+                  </a:lnTo>
+                  <a:lnTo>
+                    <a:pt x="174" y="66"/>
+                  </a:lnTo>
+                  <a:lnTo>
+                    <a:pt x="174" y="66"/>
+                  </a:lnTo>
+                  <a:lnTo>
+                    <a:pt x="168" y="56"/>
+                  </a:lnTo>
+                  <a:lnTo>
+                    <a:pt x="160" y="44"/>
+                  </a:lnTo>
+                  <a:lnTo>
+                    <a:pt x="150" y="32"/>
+                  </a:lnTo>
+                  <a:lnTo>
+                    <a:pt x="136" y="20"/>
+                  </a:lnTo>
+                  <a:lnTo>
+                    <a:pt x="116" y="10"/>
+                  </a:lnTo>
+                  <a:lnTo>
+                    <a:pt x="106" y="6"/>
+                  </a:lnTo>
+                  <a:lnTo>
+                    <a:pt x="94" y="4"/>
+                  </a:lnTo>
+                  <a:lnTo>
+                    <a:pt x="80" y="0"/>
+                  </a:lnTo>
+                  <a:lnTo>
+                    <a:pt x="66" y="0"/>
+                  </a:lnTo>
+                  <a:lnTo>
+                    <a:pt x="66" y="0"/>
+                  </a:lnTo>
+                  <a:close/>
+                </a:path>
+              </a:pathLst>
+            </a:custGeom>
+            <a:grpFill/>
+            <a:ln w="9525">
+              <a:noFill/>
+              <a:round/>
+              <a:headEnd/>
+              <a:tailEnd/>
+            </a:ln>
+          </p:spPr>
+          <p:txBody>
+            <a:bodyPr vert="horz" wrap="square" lIns="121920" tIns="60960" rIns="121920" bIns="60960" numCol="1" anchor="t" anchorCtr="0" compatLnSpc="1">
+              <a:prstTxWarp prst="textNoShape">
+                <a:avLst/>
+              </a:prstTxWarp>
+            </a:bodyPr>
+            <a:lstStyle/>
+            <a:p>
+              <a:endParaRPr lang="zh-CN" altLang="en-US" sz="2400"/>
+            </a:p>
+          </p:txBody>
+        </p:sp>
+        <p:sp>
+          <p:nvSpPr>
+            <p:cNvPr id="22" name="Freeform 233"/>
+            <p:cNvSpPr>
+              <a:spLocks/>
+            </p:cNvSpPr>
+            <p:nvPr/>
+          </p:nvSpPr>
+          <p:spPr bwMode="auto">
+            <a:xfrm>
+              <a:off x="4467225" y="4498975"/>
+              <a:ext cx="190500" cy="187325"/>
+            </a:xfrm>
+            <a:custGeom>
+              <a:avLst/>
+              <a:gdLst/>
+              <a:ahLst/>
+              <a:cxnLst>
+                <a:cxn ang="0">
+                  <a:pos x="60" y="0"/>
+                </a:cxn>
+                <a:cxn ang="0">
+                  <a:pos x="60" y="0"/>
+                </a:cxn>
+                <a:cxn ang="0">
+                  <a:pos x="72" y="2"/>
+                </a:cxn>
+                <a:cxn ang="0">
+                  <a:pos x="84" y="4"/>
+                </a:cxn>
+                <a:cxn ang="0">
+                  <a:pos x="94" y="10"/>
+                </a:cxn>
+                <a:cxn ang="0">
+                  <a:pos x="102" y="18"/>
+                </a:cxn>
+                <a:cxn ang="0">
+                  <a:pos x="110" y="26"/>
+                </a:cxn>
+                <a:cxn ang="0">
+                  <a:pos x="114" y="36"/>
+                </a:cxn>
+                <a:cxn ang="0">
+                  <a:pos x="118" y="48"/>
+                </a:cxn>
+                <a:cxn ang="0">
+                  <a:pos x="120" y="60"/>
+                </a:cxn>
+                <a:cxn ang="0">
+                  <a:pos x="120" y="60"/>
+                </a:cxn>
+                <a:cxn ang="0">
+                  <a:pos x="118" y="72"/>
+                </a:cxn>
+                <a:cxn ang="0">
+                  <a:pos x="114" y="82"/>
+                </a:cxn>
+                <a:cxn ang="0">
+                  <a:pos x="110" y="92"/>
+                </a:cxn>
+                <a:cxn ang="0">
+                  <a:pos x="102" y="102"/>
+                </a:cxn>
+                <a:cxn ang="0">
+                  <a:pos x="94" y="108"/>
+                </a:cxn>
+                <a:cxn ang="0">
+                  <a:pos x="84" y="114"/>
+                </a:cxn>
+                <a:cxn ang="0">
+                  <a:pos x="72" y="118"/>
+                </a:cxn>
+                <a:cxn ang="0">
+                  <a:pos x="60" y="118"/>
+                </a:cxn>
+                <a:cxn ang="0">
+                  <a:pos x="60" y="118"/>
+                </a:cxn>
+                <a:cxn ang="0">
+                  <a:pos x="48" y="118"/>
+                </a:cxn>
+                <a:cxn ang="0">
+                  <a:pos x="38" y="114"/>
+                </a:cxn>
+                <a:cxn ang="0">
+                  <a:pos x="26" y="108"/>
+                </a:cxn>
+                <a:cxn ang="0">
+                  <a:pos x="18" y="102"/>
+                </a:cxn>
+                <a:cxn ang="0">
+                  <a:pos x="10" y="92"/>
+                </a:cxn>
+                <a:cxn ang="0">
+                  <a:pos x="6" y="82"/>
+                </a:cxn>
+                <a:cxn ang="0">
+                  <a:pos x="2" y="72"/>
+                </a:cxn>
+                <a:cxn ang="0">
+                  <a:pos x="0" y="60"/>
+                </a:cxn>
+                <a:cxn ang="0">
+                  <a:pos x="0" y="60"/>
+                </a:cxn>
+                <a:cxn ang="0">
+                  <a:pos x="2" y="48"/>
+                </a:cxn>
+                <a:cxn ang="0">
+                  <a:pos x="6" y="36"/>
+                </a:cxn>
+                <a:cxn ang="0">
+                  <a:pos x="10" y="26"/>
+                </a:cxn>
+                <a:cxn ang="0">
+                  <a:pos x="18" y="18"/>
+                </a:cxn>
+                <a:cxn ang="0">
+                  <a:pos x="26" y="10"/>
+                </a:cxn>
+                <a:cxn ang="0">
+                  <a:pos x="38" y="4"/>
+                </a:cxn>
+                <a:cxn ang="0">
+                  <a:pos x="48" y="2"/>
+                </a:cxn>
+                <a:cxn ang="0">
+                  <a:pos x="60" y="0"/>
+                </a:cxn>
+                <a:cxn ang="0">
+                  <a:pos x="60" y="0"/>
+                </a:cxn>
+              </a:cxnLst>
+              <a:rect l="0" t="0" r="r" b="b"/>
+              <a:pathLst>
+                <a:path w="120" h="118">
+                  <a:moveTo>
+                    <a:pt x="60" y="0"/>
+                  </a:moveTo>
+                  <a:lnTo>
+                    <a:pt x="60" y="0"/>
+                  </a:lnTo>
+                  <a:lnTo>
+                    <a:pt x="72" y="2"/>
+                  </a:lnTo>
+                  <a:lnTo>
+                    <a:pt x="84" y="4"/>
+                  </a:lnTo>
+                  <a:lnTo>
+                    <a:pt x="94" y="10"/>
+                  </a:lnTo>
+                  <a:lnTo>
+                    <a:pt x="102" y="18"/>
+                  </a:lnTo>
+                  <a:lnTo>
+                    <a:pt x="110" y="26"/>
+                  </a:lnTo>
+                  <a:lnTo>
+                    <a:pt x="114" y="36"/>
+                  </a:lnTo>
+                  <a:lnTo>
+                    <a:pt x="118" y="48"/>
+                  </a:lnTo>
+                  <a:lnTo>
+                    <a:pt x="120" y="60"/>
+                  </a:lnTo>
+                  <a:lnTo>
+                    <a:pt x="120" y="60"/>
+                  </a:lnTo>
+                  <a:lnTo>
+                    <a:pt x="118" y="72"/>
+                  </a:lnTo>
+                  <a:lnTo>
+                    <a:pt x="114" y="82"/>
+                  </a:lnTo>
+                  <a:lnTo>
+                    <a:pt x="110" y="92"/>
+                  </a:lnTo>
+                  <a:lnTo>
+                    <a:pt x="102" y="102"/>
+                  </a:lnTo>
+                  <a:lnTo>
+                    <a:pt x="94" y="108"/>
+                  </a:lnTo>
+                  <a:lnTo>
+                    <a:pt x="84" y="114"/>
+                  </a:lnTo>
+                  <a:lnTo>
+                    <a:pt x="72" y="118"/>
+                  </a:lnTo>
+                  <a:lnTo>
+                    <a:pt x="60" y="118"/>
+                  </a:lnTo>
+                  <a:lnTo>
+                    <a:pt x="60" y="118"/>
+                  </a:lnTo>
+                  <a:lnTo>
+                    <a:pt x="48" y="118"/>
+                  </a:lnTo>
+                  <a:lnTo>
+                    <a:pt x="38" y="114"/>
+                  </a:lnTo>
+                  <a:lnTo>
+                    <a:pt x="26" y="108"/>
+                  </a:lnTo>
+                  <a:lnTo>
+                    <a:pt x="18" y="102"/>
+                  </a:lnTo>
+                  <a:lnTo>
+                    <a:pt x="10" y="92"/>
+                  </a:lnTo>
+                  <a:lnTo>
+                    <a:pt x="6" y="82"/>
+                  </a:lnTo>
+                  <a:lnTo>
+                    <a:pt x="2" y="72"/>
+                  </a:lnTo>
+                  <a:lnTo>
+                    <a:pt x="0" y="60"/>
+                  </a:lnTo>
+                  <a:lnTo>
+                    <a:pt x="0" y="60"/>
+                  </a:lnTo>
+                  <a:lnTo>
+                    <a:pt x="2" y="48"/>
+                  </a:lnTo>
+                  <a:lnTo>
+                    <a:pt x="6" y="36"/>
+                  </a:lnTo>
+                  <a:lnTo>
+                    <a:pt x="10" y="26"/>
+                  </a:lnTo>
+                  <a:lnTo>
+                    <a:pt x="18" y="18"/>
+                  </a:lnTo>
+                  <a:lnTo>
+                    <a:pt x="26" y="10"/>
+                  </a:lnTo>
+                  <a:lnTo>
+                    <a:pt x="38" y="4"/>
+                  </a:lnTo>
+                  <a:lnTo>
+                    <a:pt x="48" y="2"/>
+                  </a:lnTo>
+                  <a:lnTo>
+                    <a:pt x="60" y="0"/>
+                  </a:lnTo>
+                  <a:lnTo>
+                    <a:pt x="60" y="0"/>
+                  </a:lnTo>
+                  <a:close/>
+                </a:path>
+              </a:pathLst>
+            </a:custGeom>
+            <a:grpFill/>
+            <a:ln w="9525">
+              <a:noFill/>
+              <a:round/>
+              <a:headEnd/>
+              <a:tailEnd/>
+            </a:ln>
+          </p:spPr>
+          <p:txBody>
+            <a:bodyPr vert="horz" wrap="square" lIns="121920" tIns="60960" rIns="121920" bIns="60960" numCol="1" anchor="t" anchorCtr="0" compatLnSpc="1">
+              <a:prstTxWarp prst="textNoShape">
+                <a:avLst/>
+              </a:prstTxWarp>
+            </a:bodyPr>
+            <a:lstStyle/>
+            <a:p>
+              <a:endParaRPr lang="zh-CN" altLang="en-US" sz="2400"/>
+            </a:p>
+          </p:txBody>
+        </p:sp>
+        <p:sp>
+          <p:nvSpPr>
+            <p:cNvPr id="23" name="Freeform 234"/>
+            <p:cNvSpPr>
+              <a:spLocks/>
+            </p:cNvSpPr>
+            <p:nvPr/>
+          </p:nvSpPr>
+          <p:spPr bwMode="auto">
+            <a:xfrm>
+              <a:off x="4457700" y="4762500"/>
+              <a:ext cx="276225" cy="155575"/>
+            </a:xfrm>
+            <a:custGeom>
+              <a:avLst/>
+              <a:gdLst/>
+              <a:ahLst/>
+              <a:cxnLst>
+                <a:cxn ang="0">
+                  <a:pos x="66" y="0"/>
+                </a:cxn>
+                <a:cxn ang="0">
+                  <a:pos x="66" y="0"/>
+                </a:cxn>
+                <a:cxn ang="0">
+                  <a:pos x="46" y="2"/>
+                </a:cxn>
+                <a:cxn ang="0">
+                  <a:pos x="28" y="6"/>
+                </a:cxn>
+                <a:cxn ang="0">
+                  <a:pos x="14" y="12"/>
+                </a:cxn>
+                <a:cxn ang="0">
+                  <a:pos x="0" y="20"/>
+                </a:cxn>
+                <a:cxn ang="0">
+                  <a:pos x="0" y="20"/>
+                </a:cxn>
+                <a:cxn ang="0">
+                  <a:pos x="18" y="30"/>
+                </a:cxn>
+                <a:cxn ang="0">
+                  <a:pos x="34" y="42"/>
+                </a:cxn>
+                <a:cxn ang="0">
+                  <a:pos x="48" y="54"/>
+                </a:cxn>
+                <a:cxn ang="0">
+                  <a:pos x="58" y="66"/>
+                </a:cxn>
+                <a:cxn ang="0">
+                  <a:pos x="66" y="76"/>
+                </a:cxn>
+                <a:cxn ang="0">
+                  <a:pos x="72" y="86"/>
+                </a:cxn>
+                <a:cxn ang="0">
+                  <a:pos x="76" y="96"/>
+                </a:cxn>
+                <a:cxn ang="0">
+                  <a:pos x="76" y="98"/>
+                </a:cxn>
+                <a:cxn ang="0">
+                  <a:pos x="174" y="98"/>
+                </a:cxn>
+                <a:cxn ang="0">
+                  <a:pos x="174" y="66"/>
+                </a:cxn>
+                <a:cxn ang="0">
+                  <a:pos x="174" y="66"/>
+                </a:cxn>
+                <a:cxn ang="0">
+                  <a:pos x="168" y="56"/>
+                </a:cxn>
+                <a:cxn ang="0">
+                  <a:pos x="160" y="44"/>
+                </a:cxn>
+                <a:cxn ang="0">
+                  <a:pos x="150" y="32"/>
+                </a:cxn>
+                <a:cxn ang="0">
+                  <a:pos x="136" y="20"/>
+                </a:cxn>
+                <a:cxn ang="0">
+                  <a:pos x="116" y="10"/>
+                </a:cxn>
+                <a:cxn ang="0">
+                  <a:pos x="106" y="6"/>
+                </a:cxn>
+                <a:cxn ang="0">
+                  <a:pos x="94" y="4"/>
+                </a:cxn>
+                <a:cxn ang="0">
+                  <a:pos x="80" y="0"/>
+                </a:cxn>
+                <a:cxn ang="0">
+                  <a:pos x="66" y="0"/>
+                </a:cxn>
+                <a:cxn ang="0">
+                  <a:pos x="66" y="0"/>
+                </a:cxn>
+              </a:cxnLst>
+              <a:rect l="0" t="0" r="r" b="b"/>
+              <a:pathLst>
+                <a:path w="174" h="98">
+                  <a:moveTo>
+                    <a:pt x="66" y="0"/>
+                  </a:moveTo>
+                  <a:lnTo>
+                    <a:pt x="66" y="0"/>
+                  </a:lnTo>
+                  <a:lnTo>
+                    <a:pt x="46" y="2"/>
+                  </a:lnTo>
+                  <a:lnTo>
+                    <a:pt x="28" y="6"/>
+                  </a:lnTo>
+                  <a:lnTo>
+                    <a:pt x="14" y="12"/>
+                  </a:lnTo>
+                  <a:lnTo>
+                    <a:pt x="0" y="20"/>
+                  </a:lnTo>
+                  <a:lnTo>
+                    <a:pt x="0" y="20"/>
+                  </a:lnTo>
+                  <a:lnTo>
+                    <a:pt x="18" y="30"/>
+                  </a:lnTo>
+                  <a:lnTo>
+                    <a:pt x="34" y="42"/>
+                  </a:lnTo>
+                  <a:lnTo>
+                    <a:pt x="48" y="54"/>
+                  </a:lnTo>
+                  <a:lnTo>
+                    <a:pt x="58" y="66"/>
+                  </a:lnTo>
+                  <a:lnTo>
+                    <a:pt x="66" y="76"/>
+                  </a:lnTo>
+                  <a:lnTo>
+                    <a:pt x="72" y="86"/>
+                  </a:lnTo>
+                  <a:lnTo>
+                    <a:pt x="76" y="96"/>
+                  </a:lnTo>
+                  <a:lnTo>
+                    <a:pt x="76" y="98"/>
+                  </a:lnTo>
+                  <a:lnTo>
+                    <a:pt x="174" y="98"/>
+                  </a:lnTo>
+                  <a:lnTo>
+                    <a:pt x="174" y="66"/>
+                  </a:lnTo>
+                  <a:lnTo>
+                    <a:pt x="174" y="66"/>
+                  </a:lnTo>
+                  <a:lnTo>
+                    <a:pt x="168" y="56"/>
+                  </a:lnTo>
+                  <a:lnTo>
+                    <a:pt x="160" y="44"/>
+                  </a:lnTo>
+                  <a:lnTo>
+                    <a:pt x="150" y="32"/>
+                  </a:lnTo>
+                  <a:lnTo>
+                    <a:pt x="136" y="20"/>
+                  </a:lnTo>
+                  <a:lnTo>
+                    <a:pt x="116" y="10"/>
+                  </a:lnTo>
+                  <a:lnTo>
+                    <a:pt x="106" y="6"/>
+                  </a:lnTo>
+                  <a:lnTo>
+                    <a:pt x="94" y="4"/>
+                  </a:lnTo>
+                  <a:lnTo>
+                    <a:pt x="80" y="0"/>
+                  </a:lnTo>
+                  <a:lnTo>
+                    <a:pt x="66" y="0"/>
+                  </a:lnTo>
+                  <a:lnTo>
+                    <a:pt x="66" y="0"/>
+                  </a:lnTo>
+                  <a:close/>
+                </a:path>
+              </a:pathLst>
+            </a:custGeom>
+            <a:grpFill/>
+            <a:ln w="9525">
+              <a:noFill/>
+              <a:round/>
+              <a:headEnd/>
+              <a:tailEnd/>
+            </a:ln>
+          </p:spPr>
+          <p:txBody>
+            <a:bodyPr vert="horz" wrap="square" lIns="121920" tIns="60960" rIns="121920" bIns="60960" numCol="1" anchor="t" anchorCtr="0" compatLnSpc="1">
+              <a:prstTxWarp prst="textNoShape">
+                <a:avLst/>
+              </a:prstTxWarp>
+            </a:bodyPr>
+            <a:lstStyle/>
+            <a:p>
+              <a:endParaRPr lang="zh-CN" altLang="en-US" sz="2400"/>
+            </a:p>
+          </p:txBody>
+        </p:sp>
+        <p:sp>
+          <p:nvSpPr>
+            <p:cNvPr id="24" name="Freeform 235"/>
+            <p:cNvSpPr>
+              <a:spLocks/>
+            </p:cNvSpPr>
+            <p:nvPr/>
+          </p:nvSpPr>
+          <p:spPr bwMode="auto">
+            <a:xfrm>
+              <a:off x="3978275" y="4498975"/>
+              <a:ext cx="187325" cy="187325"/>
+            </a:xfrm>
+            <a:custGeom>
+              <a:avLst/>
+              <a:gdLst/>
+              <a:ahLst/>
+              <a:cxnLst>
+                <a:cxn ang="0">
+                  <a:pos x="60" y="0"/>
+                </a:cxn>
+                <a:cxn ang="0">
+                  <a:pos x="60" y="0"/>
+                </a:cxn>
+                <a:cxn ang="0">
+                  <a:pos x="72" y="2"/>
+                </a:cxn>
+                <a:cxn ang="0">
+                  <a:pos x="82" y="4"/>
+                </a:cxn>
+                <a:cxn ang="0">
+                  <a:pos x="92" y="10"/>
+                </a:cxn>
+                <a:cxn ang="0">
+                  <a:pos x="102" y="18"/>
+                </a:cxn>
+                <a:cxn ang="0">
+                  <a:pos x="108" y="26"/>
+                </a:cxn>
+                <a:cxn ang="0">
+                  <a:pos x="114" y="36"/>
+                </a:cxn>
+                <a:cxn ang="0">
+                  <a:pos x="118" y="48"/>
+                </a:cxn>
+                <a:cxn ang="0">
+                  <a:pos x="118" y="60"/>
+                </a:cxn>
+                <a:cxn ang="0">
+                  <a:pos x="118" y="60"/>
+                </a:cxn>
+                <a:cxn ang="0">
+                  <a:pos x="118" y="72"/>
+                </a:cxn>
+                <a:cxn ang="0">
+                  <a:pos x="114" y="82"/>
+                </a:cxn>
+                <a:cxn ang="0">
+                  <a:pos x="108" y="92"/>
+                </a:cxn>
+                <a:cxn ang="0">
+                  <a:pos x="102" y="102"/>
+                </a:cxn>
+                <a:cxn ang="0">
+                  <a:pos x="92" y="108"/>
+                </a:cxn>
+                <a:cxn ang="0">
+                  <a:pos x="82" y="114"/>
+                </a:cxn>
+                <a:cxn ang="0">
+                  <a:pos x="72" y="118"/>
+                </a:cxn>
+                <a:cxn ang="0">
+                  <a:pos x="60" y="118"/>
+                </a:cxn>
+                <a:cxn ang="0">
+                  <a:pos x="60" y="118"/>
+                </a:cxn>
+                <a:cxn ang="0">
+                  <a:pos x="48" y="118"/>
+                </a:cxn>
+                <a:cxn ang="0">
+                  <a:pos x="36" y="114"/>
+                </a:cxn>
+                <a:cxn ang="0">
+                  <a:pos x="26" y="108"/>
+                </a:cxn>
+                <a:cxn ang="0">
+                  <a:pos x="18" y="102"/>
+                </a:cxn>
+                <a:cxn ang="0">
+                  <a:pos x="10" y="92"/>
+                </a:cxn>
+                <a:cxn ang="0">
+                  <a:pos x="4" y="82"/>
+                </a:cxn>
+                <a:cxn ang="0">
+                  <a:pos x="2" y="72"/>
+                </a:cxn>
+                <a:cxn ang="0">
+                  <a:pos x="0" y="60"/>
+                </a:cxn>
+                <a:cxn ang="0">
+                  <a:pos x="0" y="60"/>
+                </a:cxn>
+                <a:cxn ang="0">
+                  <a:pos x="2" y="48"/>
+                </a:cxn>
+                <a:cxn ang="0">
+                  <a:pos x="4" y="36"/>
+                </a:cxn>
+                <a:cxn ang="0">
+                  <a:pos x="10" y="26"/>
+                </a:cxn>
+                <a:cxn ang="0">
+                  <a:pos x="18" y="18"/>
+                </a:cxn>
+                <a:cxn ang="0">
+                  <a:pos x="26" y="10"/>
+                </a:cxn>
+                <a:cxn ang="0">
+                  <a:pos x="36" y="4"/>
+                </a:cxn>
+                <a:cxn ang="0">
+                  <a:pos x="48" y="2"/>
+                </a:cxn>
+                <a:cxn ang="0">
+                  <a:pos x="60" y="0"/>
+                </a:cxn>
+                <a:cxn ang="0">
+                  <a:pos x="60" y="0"/>
+                </a:cxn>
+              </a:cxnLst>
+              <a:rect l="0" t="0" r="r" b="b"/>
+              <a:pathLst>
+                <a:path w="118" h="118">
+                  <a:moveTo>
+                    <a:pt x="60" y="0"/>
+                  </a:moveTo>
+                  <a:lnTo>
+                    <a:pt x="60" y="0"/>
+                  </a:lnTo>
+                  <a:lnTo>
+                    <a:pt x="72" y="2"/>
+                  </a:lnTo>
+                  <a:lnTo>
+                    <a:pt x="82" y="4"/>
+                  </a:lnTo>
+                  <a:lnTo>
+                    <a:pt x="92" y="10"/>
+                  </a:lnTo>
+                  <a:lnTo>
+                    <a:pt x="102" y="18"/>
+                  </a:lnTo>
+                  <a:lnTo>
+                    <a:pt x="108" y="26"/>
+                  </a:lnTo>
+                  <a:lnTo>
+                    <a:pt x="114" y="36"/>
+                  </a:lnTo>
+                  <a:lnTo>
+                    <a:pt x="118" y="48"/>
+                  </a:lnTo>
+                  <a:lnTo>
+                    <a:pt x="118" y="60"/>
+                  </a:lnTo>
+                  <a:lnTo>
+                    <a:pt x="118" y="60"/>
+                  </a:lnTo>
+                  <a:lnTo>
+                    <a:pt x="118" y="72"/>
+                  </a:lnTo>
+                  <a:lnTo>
+                    <a:pt x="114" y="82"/>
+                  </a:lnTo>
+                  <a:lnTo>
+                    <a:pt x="108" y="92"/>
+                  </a:lnTo>
+                  <a:lnTo>
+                    <a:pt x="102" y="102"/>
+                  </a:lnTo>
+                  <a:lnTo>
+                    <a:pt x="92" y="108"/>
+                  </a:lnTo>
+                  <a:lnTo>
+                    <a:pt x="82" y="114"/>
+                  </a:lnTo>
+                  <a:lnTo>
+                    <a:pt x="72" y="118"/>
+                  </a:lnTo>
+                  <a:lnTo>
+                    <a:pt x="60" y="118"/>
+                  </a:lnTo>
+                  <a:lnTo>
+                    <a:pt x="60" y="118"/>
+                  </a:lnTo>
+                  <a:lnTo>
+                    <a:pt x="48" y="118"/>
+                  </a:lnTo>
+                  <a:lnTo>
+                    <a:pt x="36" y="114"/>
+                  </a:lnTo>
+                  <a:lnTo>
+                    <a:pt x="26" y="108"/>
+                  </a:lnTo>
+                  <a:lnTo>
+                    <a:pt x="18" y="102"/>
+                  </a:lnTo>
+                  <a:lnTo>
+                    <a:pt x="10" y="92"/>
+                  </a:lnTo>
+                  <a:lnTo>
+                    <a:pt x="4" y="82"/>
+                  </a:lnTo>
+                  <a:lnTo>
+                    <a:pt x="2" y="72"/>
+                  </a:lnTo>
+                  <a:lnTo>
+                    <a:pt x="0" y="60"/>
+                  </a:lnTo>
+                  <a:lnTo>
+                    <a:pt x="0" y="60"/>
+                  </a:lnTo>
+                  <a:lnTo>
+                    <a:pt x="2" y="48"/>
+                  </a:lnTo>
+                  <a:lnTo>
+                    <a:pt x="4" y="36"/>
+                  </a:lnTo>
+                  <a:lnTo>
+                    <a:pt x="10" y="26"/>
+                  </a:lnTo>
+                  <a:lnTo>
+                    <a:pt x="18" y="18"/>
+                  </a:lnTo>
+                  <a:lnTo>
+                    <a:pt x="26" y="10"/>
+                  </a:lnTo>
+                  <a:lnTo>
+                    <a:pt x="36" y="4"/>
+                  </a:lnTo>
+                  <a:lnTo>
+                    <a:pt x="48" y="2"/>
+                  </a:lnTo>
+                  <a:lnTo>
+                    <a:pt x="60" y="0"/>
+                  </a:lnTo>
+                  <a:lnTo>
+                    <a:pt x="60" y="0"/>
+                  </a:lnTo>
+                  <a:close/>
+                </a:path>
+              </a:pathLst>
+            </a:custGeom>
+            <a:grpFill/>
+            <a:ln w="9525">
+              <a:noFill/>
+              <a:round/>
+              <a:headEnd/>
+              <a:tailEnd/>
+            </a:ln>
+          </p:spPr>
+          <p:txBody>
+            <a:bodyPr vert="horz" wrap="square" lIns="121920" tIns="60960" rIns="121920" bIns="60960" numCol="1" anchor="t" anchorCtr="0" compatLnSpc="1">
+              <a:prstTxWarp prst="textNoShape">
+                <a:avLst/>
+              </a:prstTxWarp>
+            </a:bodyPr>
+            <a:lstStyle/>
+            <a:p>
+              <a:endParaRPr lang="zh-CN" altLang="en-US" sz="2400"/>
+            </a:p>
+          </p:txBody>
+        </p:sp>
+        <p:sp>
+          <p:nvSpPr>
+            <p:cNvPr id="26" name="Freeform 236"/>
+            <p:cNvSpPr>
+              <a:spLocks/>
+            </p:cNvSpPr>
+            <p:nvPr/>
+          </p:nvSpPr>
+          <p:spPr bwMode="auto">
+            <a:xfrm>
+              <a:off x="3902075" y="4762500"/>
+              <a:ext cx="276225" cy="155575"/>
+            </a:xfrm>
+            <a:custGeom>
+              <a:avLst/>
+              <a:gdLst/>
+              <a:ahLst/>
+              <a:cxnLst>
+                <a:cxn ang="0">
+                  <a:pos x="108" y="0"/>
+                </a:cxn>
+                <a:cxn ang="0">
+                  <a:pos x="108" y="0"/>
+                </a:cxn>
+                <a:cxn ang="0">
+                  <a:pos x="128" y="2"/>
+                </a:cxn>
+                <a:cxn ang="0">
+                  <a:pos x="144" y="6"/>
+                </a:cxn>
+                <a:cxn ang="0">
+                  <a:pos x="160" y="12"/>
+                </a:cxn>
+                <a:cxn ang="0">
+                  <a:pos x="174" y="20"/>
+                </a:cxn>
+                <a:cxn ang="0">
+                  <a:pos x="174" y="20"/>
+                </a:cxn>
+                <a:cxn ang="0">
+                  <a:pos x="154" y="30"/>
+                </a:cxn>
+                <a:cxn ang="0">
+                  <a:pos x="138" y="42"/>
+                </a:cxn>
+                <a:cxn ang="0">
+                  <a:pos x="126" y="54"/>
+                </a:cxn>
+                <a:cxn ang="0">
+                  <a:pos x="116" y="66"/>
+                </a:cxn>
+                <a:cxn ang="0">
+                  <a:pos x="108" y="76"/>
+                </a:cxn>
+                <a:cxn ang="0">
+                  <a:pos x="102" y="86"/>
+                </a:cxn>
+                <a:cxn ang="0">
+                  <a:pos x="98" y="96"/>
+                </a:cxn>
+                <a:cxn ang="0">
+                  <a:pos x="98" y="98"/>
+                </a:cxn>
+                <a:cxn ang="0">
+                  <a:pos x="0" y="98"/>
+                </a:cxn>
+                <a:cxn ang="0">
+                  <a:pos x="0" y="66"/>
+                </a:cxn>
+                <a:cxn ang="0">
+                  <a:pos x="0" y="66"/>
+                </a:cxn>
+                <a:cxn ang="0">
+                  <a:pos x="6" y="56"/>
+                </a:cxn>
+                <a:cxn ang="0">
+                  <a:pos x="12" y="44"/>
+                </a:cxn>
+                <a:cxn ang="0">
+                  <a:pos x="24" y="32"/>
+                </a:cxn>
+                <a:cxn ang="0">
+                  <a:pos x="38" y="20"/>
+                </a:cxn>
+                <a:cxn ang="0">
+                  <a:pos x="56" y="10"/>
+                </a:cxn>
+                <a:cxn ang="0">
+                  <a:pos x="68" y="6"/>
+                </a:cxn>
+                <a:cxn ang="0">
+                  <a:pos x="80" y="4"/>
+                </a:cxn>
+                <a:cxn ang="0">
+                  <a:pos x="92" y="0"/>
+                </a:cxn>
+                <a:cxn ang="0">
+                  <a:pos x="108" y="0"/>
+                </a:cxn>
+                <a:cxn ang="0">
+                  <a:pos x="108" y="0"/>
+                </a:cxn>
+              </a:cxnLst>
+              <a:rect l="0" t="0" r="r" b="b"/>
+              <a:pathLst>
+                <a:path w="174" h="98">
+                  <a:moveTo>
+                    <a:pt x="108" y="0"/>
+                  </a:moveTo>
+                  <a:lnTo>
+                    <a:pt x="108" y="0"/>
+                  </a:lnTo>
+                  <a:lnTo>
+                    <a:pt x="128" y="2"/>
+                  </a:lnTo>
+                  <a:lnTo>
+                    <a:pt x="144" y="6"/>
+                  </a:lnTo>
+                  <a:lnTo>
+                    <a:pt x="160" y="12"/>
+                  </a:lnTo>
+                  <a:lnTo>
+                    <a:pt x="174" y="20"/>
+                  </a:lnTo>
+                  <a:lnTo>
+                    <a:pt x="174" y="20"/>
+                  </a:lnTo>
+                  <a:lnTo>
+                    <a:pt x="154" y="30"/>
+                  </a:lnTo>
+                  <a:lnTo>
+                    <a:pt x="138" y="42"/>
+                  </a:lnTo>
+                  <a:lnTo>
+                    <a:pt x="126" y="54"/>
+                  </a:lnTo>
+                  <a:lnTo>
+                    <a:pt x="116" y="66"/>
+                  </a:lnTo>
+                  <a:lnTo>
+                    <a:pt x="108" y="76"/>
+                  </a:lnTo>
+                  <a:lnTo>
+                    <a:pt x="102" y="86"/>
+                  </a:lnTo>
+                  <a:lnTo>
+                    <a:pt x="98" y="96"/>
+                  </a:lnTo>
+                  <a:lnTo>
+                    <a:pt x="98" y="98"/>
+                  </a:lnTo>
+                  <a:lnTo>
+                    <a:pt x="0" y="98"/>
+                  </a:lnTo>
+                  <a:lnTo>
+                    <a:pt x="0" y="66"/>
+                  </a:lnTo>
+                  <a:lnTo>
+                    <a:pt x="0" y="66"/>
+                  </a:lnTo>
+                  <a:lnTo>
+                    <a:pt x="6" y="56"/>
+                  </a:lnTo>
+                  <a:lnTo>
+                    <a:pt x="12" y="44"/>
+                  </a:lnTo>
+                  <a:lnTo>
+                    <a:pt x="24" y="32"/>
+                  </a:lnTo>
+                  <a:lnTo>
+                    <a:pt x="38" y="20"/>
+                  </a:lnTo>
+                  <a:lnTo>
+                    <a:pt x="56" y="10"/>
+                  </a:lnTo>
+                  <a:lnTo>
+                    <a:pt x="68" y="6"/>
+                  </a:lnTo>
+                  <a:lnTo>
+                    <a:pt x="80" y="4"/>
+                  </a:lnTo>
+                  <a:lnTo>
+                    <a:pt x="92" y="0"/>
+                  </a:lnTo>
+                  <a:lnTo>
+                    <a:pt x="108" y="0"/>
+                  </a:lnTo>
+                  <a:lnTo>
+                    <a:pt x="108" y="0"/>
+                  </a:lnTo>
+                  <a:close/>
+                </a:path>
+              </a:pathLst>
+            </a:custGeom>
+            <a:grpFill/>
+            <a:ln w="9525">
+              <a:noFill/>
+              <a:round/>
+              <a:headEnd/>
+              <a:tailEnd/>
+            </a:ln>
+          </p:spPr>
+          <p:txBody>
+            <a:bodyPr vert="horz" wrap="square" lIns="121920" tIns="60960" rIns="121920" bIns="60960" numCol="1" anchor="t" anchorCtr="0" compatLnSpc="1">
+              <a:prstTxWarp prst="textNoShape">
+                <a:avLst/>
+              </a:prstTxWarp>
+            </a:bodyPr>
+            <a:lstStyle/>
+            <a:p>
+              <a:endParaRPr lang="zh-CN" altLang="en-US" sz="2400"/>
+            </a:p>
+          </p:txBody>
+        </p:sp>
+      </p:grpSp>
+      <p:sp>
+        <p:nvSpPr>
+          <p:cNvPr id="28" name="文本框 6"/>
+          <p:cNvSpPr txBox="1"/>
+          <p:nvPr/>
+        </p:nvSpPr>
+        <p:spPr>
+          <a:xfrm>
+            <a:off x="1431134" y="485994"/>
+            <a:ext cx="7559561" cy="523220"/>
+          </a:xfrm>
+          <a:prstGeom prst="rect">
+            <a:avLst/>
+          </a:prstGeom>
+          <a:noFill/>
+        </p:spPr>
+        <p:txBody>
+          <a:bodyPr wrap="square" rtlCol="0">
+            <a:spAutoFit/>
+          </a:bodyPr>
+          <a:lstStyle/>
+          <a:p>
+            <a:r>
+              <a:rPr kumimoji="1" lang="it-IT" sz="2800" b="1" dirty="0">
+                <a:solidFill>
+                  <a:schemeClr val="bg1"/>
+                </a:solidFill>
+                <a:effectLst>
+                  <a:outerShdw blurRad="38100" dist="38100" dir="2700000" algn="tl">
+                    <a:srgbClr val="000000">
+                      <a:alpha val="43137"/>
+                    </a:srgbClr>
+                  </a:outerShdw>
+                </a:effectLst>
+              </a:rPr>
+              <a:t>Consuntivo di periodo RR-RP e preventivo a finire </a:t>
+            </a:r>
+            <a:endParaRPr kumimoji="1" lang="en-US" altLang="zh-CN" sz="2800" b="1" dirty="0">
+              <a:solidFill>
+                <a:schemeClr val="bg1"/>
+              </a:solidFill>
+              <a:effectLst>
+                <a:outerShdw blurRad="38100" dist="38100" dir="2700000" algn="tl">
+                  <a:srgbClr val="000000">
+                    <a:alpha val="43137"/>
+                  </a:srgbClr>
+                </a:outerShdw>
+              </a:effectLst>
+            </a:endParaRPr>
+          </a:p>
+        </p:txBody>
+      </p:sp>
+      <p:graphicFrame>
+        <p:nvGraphicFramePr>
+          <p:cNvPr id="30" name="Tabella 29"/>
+          <p:cNvGraphicFramePr>
+            <a:graphicFrameLocks noGrp="1"/>
+          </p:cNvGraphicFramePr>
+          <p:nvPr>
+            <p:extLst>
+              <p:ext uri="{D42A27DB-BD31-4B8C-83A1-F6EECF244321}">
+                <p14:modId xmlns:p14="http://schemas.microsoft.com/office/powerpoint/2010/main" val="2148463757"/>
+              </p:ext>
+            </p:extLst>
+          </p:nvPr>
+        </p:nvGraphicFramePr>
+        <p:xfrm>
+          <a:off x="574257" y="2223477"/>
+          <a:ext cx="7995487" cy="3819045"/>
+        </p:xfrm>
+        <a:graphic>
+          <a:graphicData uri="http://schemas.openxmlformats.org/drawingml/2006/table">
+            <a:tbl>
+              <a:tblPr firstRow="1" bandRow="1">
+                <a:tableStyleId>{912C8C85-51F0-491E-9774-3900AFEF0FD7}</a:tableStyleId>
+              </a:tblPr>
+              <a:tblGrid>
+                <a:gridCol w="2311420">
+                  <a:extLst>
+                    <a:ext uri="{9D8B030D-6E8A-4147-A177-3AD203B41FA5}">
+                      <a16:colId xmlns:a16="http://schemas.microsoft.com/office/drawing/2014/main" val="20000"/>
+                    </a:ext>
+                  </a:extLst>
+                </a:gridCol>
+                <a:gridCol w="1335155">
+                  <a:extLst>
+                    <a:ext uri="{9D8B030D-6E8A-4147-A177-3AD203B41FA5}">
+                      <a16:colId xmlns:a16="http://schemas.microsoft.com/office/drawing/2014/main" val="20001"/>
+                    </a:ext>
+                  </a:extLst>
+                </a:gridCol>
+                <a:gridCol w="1295400">
+                  <a:extLst>
+                    <a:ext uri="{9D8B030D-6E8A-4147-A177-3AD203B41FA5}">
+                      <a16:colId xmlns:a16="http://schemas.microsoft.com/office/drawing/2014/main" val="20002"/>
+                    </a:ext>
+                  </a:extLst>
+                </a:gridCol>
+                <a:gridCol w="1426028">
+                  <a:extLst>
+                    <a:ext uri="{9D8B030D-6E8A-4147-A177-3AD203B41FA5}">
+                      <a16:colId xmlns:a16="http://schemas.microsoft.com/office/drawing/2014/main" val="20003"/>
+                    </a:ext>
+                  </a:extLst>
+                </a:gridCol>
+                <a:gridCol w="1627484">
+                  <a:extLst>
+                    <a:ext uri="{9D8B030D-6E8A-4147-A177-3AD203B41FA5}">
+                      <a16:colId xmlns:a16="http://schemas.microsoft.com/office/drawing/2014/main" val="20004"/>
+                    </a:ext>
+                  </a:extLst>
+                </a:gridCol>
+              </a:tblGrid>
+              <a:tr h="366945">
+                <a:tc rowSpan="2">
+                  <a:txBody>
+                    <a:bodyPr/>
+                    <a:lstStyle/>
+                    <a:p>
+                      <a:pPr algn="ctr"/>
+                      <a:r>
+                        <a:rPr lang="it-IT" sz="2400" dirty="0"/>
+                        <a:t>Ruolo</a:t>
+                      </a:r>
+                    </a:p>
+                  </a:txBody>
+                  <a:tcPr anchor="ctr">
+                    <a:lnL w="3175" cap="flat" cmpd="sng" algn="ctr">
+                      <a:solidFill>
+                        <a:srgbClr val="CCD351"/>
+                      </a:solidFill>
+                      <a:prstDash val="solid"/>
+                      <a:round/>
+                      <a:headEnd type="none" w="med" len="med"/>
+                      <a:tailEnd type="none" w="med" len="med"/>
+                    </a:lnL>
+                    <a:lnR w="3175" cap="flat" cmpd="sng" algn="ctr">
+                      <a:solidFill>
+                        <a:srgbClr val="CCD351"/>
+                      </a:solidFill>
+                      <a:prstDash val="solid"/>
+                      <a:round/>
+                      <a:headEnd type="none" w="med" len="med"/>
+                      <a:tailEnd type="none" w="med" len="med"/>
+                    </a:lnR>
+                    <a:lnT w="3175" cap="flat" cmpd="sng" algn="ctr">
+                      <a:solidFill>
+                        <a:srgbClr val="CCD351"/>
+                      </a:solidFill>
+                      <a:prstDash val="solid"/>
+                      <a:round/>
+                      <a:headEnd type="none" w="med" len="med"/>
+                      <a:tailEnd type="none" w="med" len="med"/>
+                    </a:lnT>
+                    <a:lnB w="3175" cap="flat" cmpd="sng" algn="ctr">
+                      <a:solidFill>
+                        <a:srgbClr val="CCD351"/>
+                      </a:solidFill>
+                      <a:prstDash val="solid"/>
+                      <a:round/>
+                      <a:headEnd type="none" w="med" len="med"/>
+                      <a:tailEnd type="none" w="med" len="med"/>
+                    </a:lnB>
+                    <a:solidFill>
+                      <a:srgbClr val="CCD351">
+                        <a:alpha val="65000"/>
+                      </a:srgbClr>
+                    </a:solidFill>
+                  </a:tcPr>
+                </a:tc>
+                <a:tc gridSpan="2">
+                  <a:txBody>
+                    <a:bodyPr/>
+                    <a:lstStyle/>
+                    <a:p>
+                      <a:pPr algn="ctr"/>
+                      <a:r>
+                        <a:rPr lang="it-IT" sz="2400" dirty="0"/>
+                        <a:t>Ore</a:t>
+                      </a:r>
+                    </a:p>
+                  </a:txBody>
+                  <a:tcPr anchor="ctr">
+                    <a:lnL w="3175" cap="flat" cmpd="sng" algn="ctr">
+                      <a:solidFill>
+                        <a:srgbClr val="CCD351"/>
+                      </a:solidFill>
+                      <a:prstDash val="solid"/>
+                      <a:round/>
+                      <a:headEnd type="none" w="med" len="med"/>
+                      <a:tailEnd type="none" w="med" len="med"/>
+                    </a:lnL>
+                    <a:lnR w="3175" cap="flat" cmpd="sng" algn="ctr">
+                      <a:solidFill>
+                        <a:srgbClr val="CCD351"/>
+                      </a:solidFill>
+                      <a:prstDash val="solid"/>
+                      <a:round/>
+                      <a:headEnd type="none" w="med" len="med"/>
+                      <a:tailEnd type="none" w="med" len="med"/>
+                    </a:lnR>
+                    <a:lnT w="3175" cap="flat" cmpd="sng" algn="ctr">
+                      <a:solidFill>
+                        <a:srgbClr val="CCD351"/>
+                      </a:solidFill>
+                      <a:prstDash val="solid"/>
+                      <a:round/>
+                      <a:headEnd type="none" w="med" len="med"/>
+                      <a:tailEnd type="none" w="med" len="med"/>
+                    </a:lnT>
+                    <a:lnB w="3175" cap="flat" cmpd="sng" algn="ctr">
+                      <a:solidFill>
+                        <a:srgbClr val="CCD351"/>
+                      </a:solidFill>
+                      <a:prstDash val="solid"/>
+                      <a:round/>
+                      <a:headEnd type="none" w="med" len="med"/>
+                      <a:tailEnd type="none" w="med" len="med"/>
+                    </a:lnB>
+                    <a:solidFill>
+                      <a:srgbClr val="CCD351">
+                        <a:alpha val="65000"/>
+                      </a:srgbClr>
+                    </a:solidFill>
+                  </a:tcPr>
+                </a:tc>
+                <a:tc hMerge="1">
+                  <a:txBody>
+                    <a:bodyPr/>
+                    <a:lstStyle/>
+                    <a:p>
+                      <a:endParaRPr lang="it-IT"/>
+                    </a:p>
+                  </a:txBody>
+                  <a:tcPr/>
+                </a:tc>
+                <a:tc gridSpan="2">
+                  <a:txBody>
+                    <a:bodyPr/>
+                    <a:lstStyle/>
+                    <a:p>
+                      <a:pPr algn="ctr"/>
+                      <a:r>
+                        <a:rPr lang="it-IT" sz="2400" dirty="0"/>
+                        <a:t>Costo in euro</a:t>
+                      </a:r>
+                    </a:p>
+                  </a:txBody>
+                  <a:tcPr anchor="ctr">
+                    <a:lnL w="3175" cap="flat" cmpd="sng" algn="ctr">
+                      <a:solidFill>
+                        <a:srgbClr val="CCD351"/>
+                      </a:solidFill>
+                      <a:prstDash val="solid"/>
+                      <a:round/>
+                      <a:headEnd type="none" w="med" len="med"/>
+                      <a:tailEnd type="none" w="med" len="med"/>
+                    </a:lnL>
+                    <a:lnR w="3175" cap="flat" cmpd="sng" algn="ctr">
+                      <a:solidFill>
+                        <a:srgbClr val="CCD351"/>
+                      </a:solidFill>
+                      <a:prstDash val="solid"/>
+                      <a:round/>
+                      <a:headEnd type="none" w="med" len="med"/>
+                      <a:tailEnd type="none" w="med" len="med"/>
+                    </a:lnR>
+                    <a:lnT w="3175" cap="flat" cmpd="sng" algn="ctr">
+                      <a:solidFill>
+                        <a:srgbClr val="CCD351"/>
+                      </a:solidFill>
+                      <a:prstDash val="solid"/>
+                      <a:round/>
+                      <a:headEnd type="none" w="med" len="med"/>
+                      <a:tailEnd type="none" w="med" len="med"/>
+                    </a:lnT>
+                    <a:lnB w="3175" cap="flat" cmpd="sng" algn="ctr">
+                      <a:solidFill>
+                        <a:srgbClr val="CCD351"/>
+                      </a:solidFill>
+                      <a:prstDash val="solid"/>
+                      <a:round/>
+                      <a:headEnd type="none" w="med" len="med"/>
+                      <a:tailEnd type="none" w="med" len="med"/>
+                    </a:lnB>
+                    <a:solidFill>
+                      <a:srgbClr val="CCD351">
+                        <a:alpha val="65000"/>
+                      </a:srgbClr>
+                    </a:solidFill>
+                  </a:tcPr>
+                </a:tc>
+                <a:tc hMerge="1">
+                  <a:txBody>
+                    <a:bodyPr/>
+                    <a:lstStyle/>
+                    <a:p>
+                      <a:pPr algn="ctr"/>
+                      <a:endParaRPr lang="it-IT" sz="2400" dirty="0"/>
+                    </a:p>
+                  </a:txBody>
+                  <a:tcPr>
+                    <a:lnL w="3175" cap="flat" cmpd="sng" algn="ctr">
+                      <a:solidFill>
+                        <a:srgbClr val="CCD351"/>
+                      </a:solidFill>
+                      <a:prstDash val="solid"/>
+                      <a:round/>
+                      <a:headEnd type="none" w="med" len="med"/>
+                      <a:tailEnd type="none" w="med" len="med"/>
+                    </a:lnL>
+                    <a:lnR w="3175" cap="flat" cmpd="sng" algn="ctr">
+                      <a:solidFill>
+                        <a:srgbClr val="CCD351"/>
+                      </a:solidFill>
+                      <a:prstDash val="solid"/>
+                      <a:round/>
+                      <a:headEnd type="none" w="med" len="med"/>
+                      <a:tailEnd type="none" w="med" len="med"/>
+                    </a:lnR>
+                    <a:lnT w="3175" cap="flat" cmpd="sng" algn="ctr">
+                      <a:solidFill>
+                        <a:srgbClr val="CCD351"/>
+                      </a:solidFill>
+                      <a:prstDash val="solid"/>
+                      <a:round/>
+                      <a:headEnd type="none" w="med" len="med"/>
+                      <a:tailEnd type="none" w="med" len="med"/>
+                    </a:lnT>
+                    <a:lnB w="3175" cap="flat" cmpd="sng" algn="ctr">
+                      <a:solidFill>
+                        <a:srgbClr val="CCD351"/>
+                      </a:solidFill>
+                      <a:prstDash val="solid"/>
+                      <a:round/>
+                      <a:headEnd type="none" w="med" len="med"/>
+                      <a:tailEnd type="none" w="med" len="med"/>
+                    </a:lnB>
+                    <a:solidFill>
+                      <a:srgbClr val="CCD351">
+                        <a:alpha val="65000"/>
+                      </a:srgbClr>
+                    </a:solidFill>
+                  </a:tcPr>
+                </a:tc>
+                <a:extLst>
+                  <a:ext uri="{0D108BD9-81ED-4DB2-BD59-A6C34878D82A}">
+                    <a16:rowId xmlns:a16="http://schemas.microsoft.com/office/drawing/2014/main" val="10000"/>
+                  </a:ext>
+                </a:extLst>
+              </a:tr>
+              <a:tr h="397030">
+                <a:tc vMerge="1">
+                  <a:txBody>
+                    <a:bodyPr/>
+                    <a:lstStyle/>
+                    <a:p>
+                      <a:pPr algn="l"/>
+                      <a:endParaRPr lang="it-IT" sz="1800" dirty="0">
+                        <a:solidFill>
+                          <a:schemeClr val="bg1"/>
+                        </a:solidFill>
+                      </a:endParaRPr>
+                    </a:p>
+                  </a:txBody>
+                  <a:tcPr anchor="ctr">
+                    <a:lnL w="3175" cap="flat" cmpd="sng" algn="ctr">
+                      <a:solidFill>
+                        <a:srgbClr val="CCD351"/>
+                      </a:solidFill>
+                      <a:prstDash val="solid"/>
+                      <a:round/>
+                      <a:headEnd type="none" w="med" len="med"/>
+                      <a:tailEnd type="none" w="med" len="med"/>
+                    </a:lnL>
+                    <a:lnR w="3175" cap="flat" cmpd="sng" algn="ctr">
+                      <a:solidFill>
+                        <a:srgbClr val="CCD351"/>
+                      </a:solidFill>
+                      <a:prstDash val="solid"/>
+                      <a:round/>
+                      <a:headEnd type="none" w="med" len="med"/>
+                      <a:tailEnd type="none" w="med" len="med"/>
+                    </a:lnR>
+                    <a:lnT w="3175" cap="flat" cmpd="sng" algn="ctr">
+                      <a:solidFill>
+                        <a:srgbClr val="CCD351"/>
+                      </a:solidFill>
+                      <a:prstDash val="solid"/>
+                      <a:round/>
+                      <a:headEnd type="none" w="med" len="med"/>
+                      <a:tailEnd type="none" w="med" len="med"/>
+                    </a:lnT>
+                    <a:lnB w="3175" cap="flat" cmpd="sng" algn="ctr">
+                      <a:solidFill>
+                        <a:srgbClr val="CCD351"/>
+                      </a:solidFill>
+                      <a:prstDash val="solid"/>
+                      <a:round/>
+                      <a:headEnd type="none" w="med" len="med"/>
+                      <a:tailEnd type="none" w="med" len="med"/>
+                    </a:lnB>
+                  </a:tcPr>
+                </a:tc>
+                <a:tc>
+                  <a:txBody>
+                    <a:bodyPr/>
+                    <a:lstStyle/>
+                    <a:p>
+                      <a:pPr algn="ctr"/>
+                      <a:r>
+                        <a:rPr lang="it-IT" sz="1800" b="1" dirty="0">
+                          <a:solidFill>
+                            <a:schemeClr val="bg1"/>
+                          </a:solidFill>
+                        </a:rPr>
+                        <a:t>Preventivo</a:t>
+                      </a:r>
+                    </a:p>
+                  </a:txBody>
+                  <a:tcPr anchor="ctr">
+                    <a:lnL w="3175" cap="flat" cmpd="sng" algn="ctr">
+                      <a:solidFill>
+                        <a:srgbClr val="CCD351"/>
+                      </a:solidFill>
+                      <a:prstDash val="solid"/>
+                      <a:round/>
+                      <a:headEnd type="none" w="med" len="med"/>
+                      <a:tailEnd type="none" w="med" len="med"/>
+                    </a:lnL>
+                    <a:lnR w="3175" cap="flat" cmpd="sng" algn="ctr">
+                      <a:solidFill>
+                        <a:srgbClr val="CCD351"/>
+                      </a:solidFill>
+                      <a:prstDash val="solid"/>
+                      <a:round/>
+                      <a:headEnd type="none" w="med" len="med"/>
+                      <a:tailEnd type="none" w="med" len="med"/>
+                    </a:lnR>
+                    <a:lnT w="3175" cap="flat" cmpd="sng" algn="ctr">
+                      <a:solidFill>
+                        <a:srgbClr val="CCD351"/>
+                      </a:solidFill>
+                      <a:prstDash val="solid"/>
+                      <a:round/>
+                      <a:headEnd type="none" w="med" len="med"/>
+                      <a:tailEnd type="none" w="med" len="med"/>
+                    </a:lnT>
+                    <a:lnB w="3175" cap="flat" cmpd="sng" algn="ctr">
+                      <a:solidFill>
+                        <a:srgbClr val="CCD351"/>
+                      </a:solidFill>
+                      <a:prstDash val="solid"/>
+                      <a:round/>
+                      <a:headEnd type="none" w="med" len="med"/>
+                      <a:tailEnd type="none" w="med" len="med"/>
+                    </a:lnB>
+                    <a:solidFill>
+                      <a:srgbClr val="CCD351">
+                        <a:alpha val="38000"/>
+                      </a:srgbClr>
+                    </a:solidFill>
+                  </a:tcPr>
+                </a:tc>
+                <a:tc>
+                  <a:txBody>
+                    <a:bodyPr/>
+                    <a:lstStyle/>
+                    <a:p>
+                      <a:pPr algn="ctr"/>
+                      <a:r>
+                        <a:rPr lang="it-IT" sz="1800" b="1" dirty="0">
+                          <a:solidFill>
+                            <a:schemeClr val="bg1"/>
+                          </a:solidFill>
+                        </a:rPr>
+                        <a:t>Consuntivo</a:t>
+                      </a:r>
+                    </a:p>
+                  </a:txBody>
+                  <a:tcPr anchor="ctr">
+                    <a:lnL w="3175" cap="flat" cmpd="sng" algn="ctr">
+                      <a:solidFill>
+                        <a:srgbClr val="CCD351"/>
+                      </a:solidFill>
+                      <a:prstDash val="solid"/>
+                      <a:round/>
+                      <a:headEnd type="none" w="med" len="med"/>
+                      <a:tailEnd type="none" w="med" len="med"/>
+                    </a:lnL>
+                    <a:lnR w="3175" cap="flat" cmpd="sng" algn="ctr">
+                      <a:solidFill>
+                        <a:srgbClr val="CCD351"/>
+                      </a:solidFill>
+                      <a:prstDash val="solid"/>
+                      <a:round/>
+                      <a:headEnd type="none" w="med" len="med"/>
+                      <a:tailEnd type="none" w="med" len="med"/>
+                    </a:lnR>
+                    <a:lnT w="3175" cap="flat" cmpd="sng" algn="ctr">
+                      <a:solidFill>
+                        <a:srgbClr val="CCD351"/>
+                      </a:solidFill>
+                      <a:prstDash val="solid"/>
+                      <a:round/>
+                      <a:headEnd type="none" w="med" len="med"/>
+                      <a:tailEnd type="none" w="med" len="med"/>
+                    </a:lnT>
+                    <a:lnB w="3175" cap="flat" cmpd="sng" algn="ctr">
+                      <a:solidFill>
+                        <a:srgbClr val="CCD351"/>
+                      </a:solidFill>
+                      <a:prstDash val="solid"/>
+                      <a:round/>
+                      <a:headEnd type="none" w="med" len="med"/>
+                      <a:tailEnd type="none" w="med" len="med"/>
+                    </a:lnB>
+                    <a:solidFill>
+                      <a:srgbClr val="CCD351">
+                        <a:alpha val="38000"/>
+                      </a:srgbClr>
+                    </a:solidFill>
+                  </a:tcPr>
+                </a:tc>
+                <a:tc>
+                  <a:txBody>
+                    <a:bodyPr/>
+                    <a:lstStyle/>
+                    <a:p>
+                      <a:pPr marL="0" marR="0" indent="0" algn="ctr" defTabSz="514350" rtl="0" eaLnBrk="1" fontAlgn="auto" latinLnBrk="0" hangingPunct="1">
+                        <a:lnSpc>
+                          <a:spcPct val="100000"/>
+                        </a:lnSpc>
+                        <a:spcBef>
+                          <a:spcPts val="0"/>
+                        </a:spcBef>
+                        <a:spcAft>
+                          <a:spcPts val="0"/>
+                        </a:spcAft>
+                        <a:buClrTx/>
+                        <a:buSzTx/>
+                        <a:buFontTx/>
+                        <a:buNone/>
+                        <a:tabLst/>
+                        <a:defRPr/>
+                      </a:pPr>
+                      <a:r>
+                        <a:rPr lang="it-IT" sz="1800" b="1" dirty="0">
+                          <a:solidFill>
+                            <a:schemeClr val="bg1"/>
+                          </a:solidFill>
+                        </a:rPr>
+                        <a:t>Preventivo</a:t>
+                      </a:r>
+                    </a:p>
+                  </a:txBody>
+                  <a:tcPr anchor="ctr">
+                    <a:lnL w="3175" cap="flat" cmpd="sng" algn="ctr">
+                      <a:solidFill>
+                        <a:srgbClr val="CCD351"/>
+                      </a:solidFill>
+                      <a:prstDash val="solid"/>
+                      <a:round/>
+                      <a:headEnd type="none" w="med" len="med"/>
+                      <a:tailEnd type="none" w="med" len="med"/>
+                    </a:lnL>
+                    <a:lnR w="3175" cap="flat" cmpd="sng" algn="ctr">
+                      <a:solidFill>
+                        <a:srgbClr val="CCD351"/>
+                      </a:solidFill>
+                      <a:prstDash val="solid"/>
+                      <a:round/>
+                      <a:headEnd type="none" w="med" len="med"/>
+                      <a:tailEnd type="none" w="med" len="med"/>
+                    </a:lnR>
+                    <a:lnT w="3175" cap="flat" cmpd="sng" algn="ctr">
+                      <a:solidFill>
+                        <a:srgbClr val="CCD351"/>
+                      </a:solidFill>
+                      <a:prstDash val="solid"/>
+                      <a:round/>
+                      <a:headEnd type="none" w="med" len="med"/>
+                      <a:tailEnd type="none" w="med" len="med"/>
+                    </a:lnT>
+                    <a:lnB w="3175" cap="flat" cmpd="sng" algn="ctr">
+                      <a:solidFill>
+                        <a:srgbClr val="CCD351"/>
+                      </a:solidFill>
+                      <a:prstDash val="solid"/>
+                      <a:round/>
+                      <a:headEnd type="none" w="med" len="med"/>
+                      <a:tailEnd type="none" w="med" len="med"/>
+                    </a:lnB>
+                    <a:solidFill>
+                      <a:srgbClr val="CCD351">
+                        <a:alpha val="38000"/>
+                      </a:srgbClr>
+                    </a:solidFill>
+                  </a:tcPr>
+                </a:tc>
+                <a:tc>
+                  <a:txBody>
+                    <a:bodyPr/>
+                    <a:lstStyle/>
+                    <a:p>
+                      <a:pPr marL="0" marR="0" indent="0" algn="ctr" defTabSz="514350" rtl="0" eaLnBrk="1" fontAlgn="auto" latinLnBrk="0" hangingPunct="1">
+                        <a:lnSpc>
+                          <a:spcPct val="100000"/>
+                        </a:lnSpc>
+                        <a:spcBef>
+                          <a:spcPts val="0"/>
+                        </a:spcBef>
+                        <a:spcAft>
+                          <a:spcPts val="0"/>
+                        </a:spcAft>
+                        <a:buClrTx/>
+                        <a:buSzTx/>
+                        <a:buFontTx/>
+                        <a:buNone/>
+                        <a:tabLst/>
+                        <a:defRPr/>
+                      </a:pPr>
+                      <a:r>
+                        <a:rPr lang="it-IT" sz="1800" b="1" dirty="0">
+                          <a:solidFill>
+                            <a:schemeClr val="bg1"/>
+                          </a:solidFill>
+                        </a:rPr>
+                        <a:t>Consuntivo</a:t>
+                      </a:r>
+                    </a:p>
+                  </a:txBody>
+                  <a:tcPr anchor="ctr">
+                    <a:lnL w="3175" cap="flat" cmpd="sng" algn="ctr">
+                      <a:solidFill>
+                        <a:srgbClr val="CCD351"/>
+                      </a:solidFill>
+                      <a:prstDash val="solid"/>
+                      <a:round/>
+                      <a:headEnd type="none" w="med" len="med"/>
+                      <a:tailEnd type="none" w="med" len="med"/>
+                    </a:lnL>
+                    <a:lnR w="3175" cap="flat" cmpd="sng" algn="ctr">
+                      <a:solidFill>
+                        <a:srgbClr val="CCD351"/>
+                      </a:solidFill>
+                      <a:prstDash val="solid"/>
+                      <a:round/>
+                      <a:headEnd type="none" w="med" len="med"/>
+                      <a:tailEnd type="none" w="med" len="med"/>
+                    </a:lnR>
+                    <a:lnT w="3175" cap="flat" cmpd="sng" algn="ctr">
+                      <a:solidFill>
+                        <a:srgbClr val="CCD351"/>
+                      </a:solidFill>
+                      <a:prstDash val="solid"/>
+                      <a:round/>
+                      <a:headEnd type="none" w="med" len="med"/>
+                      <a:tailEnd type="none" w="med" len="med"/>
+                    </a:lnT>
+                    <a:lnB w="3175" cap="flat" cmpd="sng" algn="ctr">
+                      <a:solidFill>
+                        <a:srgbClr val="CCD351"/>
+                      </a:solidFill>
+                      <a:prstDash val="solid"/>
+                      <a:round/>
+                      <a:headEnd type="none" w="med" len="med"/>
+                      <a:tailEnd type="none" w="med" len="med"/>
+                    </a:lnB>
+                    <a:solidFill>
+                      <a:srgbClr val="CCD351">
+                        <a:alpha val="38000"/>
+                      </a:srgbClr>
+                    </a:solidFill>
+                  </a:tcPr>
+                </a:tc>
+                <a:extLst>
+                  <a:ext uri="{0D108BD9-81ED-4DB2-BD59-A6C34878D82A}">
+                    <a16:rowId xmlns:a16="http://schemas.microsoft.com/office/drawing/2014/main" val="10001"/>
+                  </a:ext>
+                </a:extLst>
+              </a:tr>
+              <a:tr h="368935">
+                <a:tc>
+                  <a:txBody>
+                    <a:bodyPr/>
+                    <a:lstStyle/>
+                    <a:p>
+                      <a:pPr algn="l"/>
+                      <a:r>
+                        <a:rPr lang="it-IT" sz="1800" dirty="0">
+                          <a:solidFill>
+                            <a:schemeClr val="bg1"/>
+                          </a:solidFill>
+                        </a:rPr>
+                        <a:t>Responsabile</a:t>
+                      </a:r>
+                    </a:p>
+                  </a:txBody>
+                  <a:tcPr anchor="ctr">
+                    <a:lnL w="3175" cap="flat" cmpd="sng" algn="ctr">
+                      <a:solidFill>
+                        <a:srgbClr val="CCD351"/>
+                      </a:solidFill>
+                      <a:prstDash val="solid"/>
+                      <a:round/>
+                      <a:headEnd type="none" w="med" len="med"/>
+                      <a:tailEnd type="none" w="med" len="med"/>
+                    </a:lnL>
+                    <a:lnR w="3175" cap="flat" cmpd="sng" algn="ctr">
+                      <a:solidFill>
+                        <a:srgbClr val="CCD351"/>
+                      </a:solidFill>
+                      <a:prstDash val="solid"/>
+                      <a:round/>
+                      <a:headEnd type="none" w="med" len="med"/>
+                      <a:tailEnd type="none" w="med" len="med"/>
+                    </a:lnR>
+                    <a:lnT w="3175" cap="flat" cmpd="sng" algn="ctr">
+                      <a:solidFill>
+                        <a:srgbClr val="CCD351"/>
+                      </a:solidFill>
+                      <a:prstDash val="solid"/>
+                      <a:round/>
+                      <a:headEnd type="none" w="med" len="med"/>
+                      <a:tailEnd type="none" w="med" len="med"/>
+                    </a:lnT>
+                    <a:lnB w="3175" cap="flat" cmpd="sng" algn="ctr">
+                      <a:solidFill>
+                        <a:srgbClr val="CCD351"/>
+                      </a:solidFill>
+                      <a:prstDash val="solid"/>
+                      <a:round/>
+                      <a:headEnd type="none" w="med" len="med"/>
+                      <a:tailEnd type="none" w="med" len="med"/>
+                    </a:lnB>
+                  </a:tcPr>
+                </a:tc>
+                <a:tc>
+                  <a:txBody>
+                    <a:bodyPr/>
+                    <a:lstStyle/>
+                    <a:p>
+                      <a:pPr algn="ctr"/>
+                      <a:r>
+                        <a:rPr lang="it-IT" sz="1800" dirty="0">
+                          <a:solidFill>
+                            <a:schemeClr val="bg1"/>
+                          </a:solidFill>
+                        </a:rPr>
+                        <a:t>5</a:t>
+                      </a:r>
+                    </a:p>
+                  </a:txBody>
+                  <a:tcPr anchor="ctr">
+                    <a:lnL w="3175" cap="flat" cmpd="sng" algn="ctr">
+                      <a:solidFill>
+                        <a:srgbClr val="CCD351"/>
+                      </a:solidFill>
+                      <a:prstDash val="solid"/>
+                      <a:round/>
+                      <a:headEnd type="none" w="med" len="med"/>
+                      <a:tailEnd type="none" w="med" len="med"/>
+                    </a:lnL>
+                    <a:lnR w="3175" cap="flat" cmpd="sng" algn="ctr">
+                      <a:solidFill>
+                        <a:srgbClr val="CCD351"/>
+                      </a:solidFill>
+                      <a:prstDash val="solid"/>
+                      <a:round/>
+                      <a:headEnd type="none" w="med" len="med"/>
+                      <a:tailEnd type="none" w="med" len="med"/>
+                    </a:lnR>
+                    <a:lnT w="3175" cap="flat" cmpd="sng" algn="ctr">
+                      <a:solidFill>
+                        <a:srgbClr val="CCD351"/>
+                      </a:solidFill>
+                      <a:prstDash val="solid"/>
+                      <a:round/>
+                      <a:headEnd type="none" w="med" len="med"/>
+                      <a:tailEnd type="none" w="med" len="med"/>
+                    </a:lnT>
+                    <a:lnB w="3175" cap="flat" cmpd="sng" algn="ctr">
+                      <a:solidFill>
+                        <a:srgbClr val="CCD351"/>
+                      </a:solidFill>
+                      <a:prstDash val="solid"/>
+                      <a:round/>
+                      <a:headEnd type="none" w="med" len="med"/>
+                      <a:tailEnd type="none" w="med" len="med"/>
+                    </a:lnB>
+                  </a:tcPr>
+                </a:tc>
+                <a:tc>
+                  <a:txBody>
+                    <a:bodyPr/>
+                    <a:lstStyle/>
+                    <a:p>
+                      <a:pPr algn="ctr"/>
+                      <a:r>
+                        <a:rPr lang="it-IT" sz="1800" dirty="0">
+                          <a:solidFill>
+                            <a:schemeClr val="bg1"/>
+                          </a:solidFill>
+                        </a:rPr>
+                        <a:t>5</a:t>
+                      </a:r>
+                    </a:p>
+                  </a:txBody>
+                  <a:tcPr anchor="ctr">
+                    <a:lnL w="3175" cap="flat" cmpd="sng" algn="ctr">
+                      <a:solidFill>
+                        <a:srgbClr val="CCD351"/>
+                      </a:solidFill>
+                      <a:prstDash val="solid"/>
+                      <a:round/>
+                      <a:headEnd type="none" w="med" len="med"/>
+                      <a:tailEnd type="none" w="med" len="med"/>
+                    </a:lnL>
+                    <a:lnR w="3175" cap="flat" cmpd="sng" algn="ctr">
+                      <a:solidFill>
+                        <a:srgbClr val="CCD351"/>
+                      </a:solidFill>
+                      <a:prstDash val="solid"/>
+                      <a:round/>
+                      <a:headEnd type="none" w="med" len="med"/>
+                      <a:tailEnd type="none" w="med" len="med"/>
+                    </a:lnR>
+                    <a:lnT w="3175" cap="flat" cmpd="sng" algn="ctr">
+                      <a:solidFill>
+                        <a:srgbClr val="CCD351"/>
+                      </a:solidFill>
+                      <a:prstDash val="solid"/>
+                      <a:round/>
+                      <a:headEnd type="none" w="med" len="med"/>
+                      <a:tailEnd type="none" w="med" len="med"/>
+                    </a:lnT>
+                    <a:lnB w="3175" cap="flat" cmpd="sng" algn="ctr">
+                      <a:solidFill>
+                        <a:srgbClr val="CCD351"/>
+                      </a:solidFill>
+                      <a:prstDash val="solid"/>
+                      <a:round/>
+                      <a:headEnd type="none" w="med" len="med"/>
+                      <a:tailEnd type="none" w="med" len="med"/>
+                    </a:lnB>
+                  </a:tcPr>
+                </a:tc>
+                <a:tc>
+                  <a:txBody>
+                    <a:bodyPr/>
+                    <a:lstStyle/>
+                    <a:p>
+                      <a:pPr algn="ctr"/>
+                      <a:r>
+                        <a:rPr lang="it-IT" sz="1800" dirty="0">
+                          <a:solidFill>
+                            <a:schemeClr val="bg1"/>
+                          </a:solidFill>
+                        </a:rPr>
+                        <a:t>150,00</a:t>
+                      </a:r>
+                    </a:p>
+                  </a:txBody>
+                  <a:tcPr anchor="ctr">
+                    <a:lnL w="3175" cap="flat" cmpd="sng" algn="ctr">
+                      <a:solidFill>
+                        <a:srgbClr val="CCD351"/>
+                      </a:solidFill>
+                      <a:prstDash val="solid"/>
+                      <a:round/>
+                      <a:headEnd type="none" w="med" len="med"/>
+                      <a:tailEnd type="none" w="med" len="med"/>
+                    </a:lnL>
+                    <a:lnR w="3175" cap="flat" cmpd="sng" algn="ctr">
+                      <a:solidFill>
+                        <a:srgbClr val="CCD351"/>
+                      </a:solidFill>
+                      <a:prstDash val="solid"/>
+                      <a:round/>
+                      <a:headEnd type="none" w="med" len="med"/>
+                      <a:tailEnd type="none" w="med" len="med"/>
+                    </a:lnR>
+                    <a:lnT w="3175" cap="flat" cmpd="sng" algn="ctr">
+                      <a:solidFill>
+                        <a:srgbClr val="CCD351"/>
+                      </a:solidFill>
+                      <a:prstDash val="solid"/>
+                      <a:round/>
+                      <a:headEnd type="none" w="med" len="med"/>
+                      <a:tailEnd type="none" w="med" len="med"/>
+                    </a:lnT>
+                    <a:lnB w="3175" cap="flat" cmpd="sng" algn="ctr">
+                      <a:solidFill>
+                        <a:srgbClr val="CCD351"/>
+                      </a:solidFill>
+                      <a:prstDash val="solid"/>
+                      <a:round/>
+                      <a:headEnd type="none" w="med" len="med"/>
+                      <a:tailEnd type="none" w="med" len="med"/>
+                    </a:lnB>
+                  </a:tcPr>
+                </a:tc>
+                <a:tc>
+                  <a:txBody>
+                    <a:bodyPr/>
+                    <a:lstStyle/>
+                    <a:p>
+                      <a:pPr algn="ctr"/>
+                      <a:r>
+                        <a:rPr lang="it-IT" sz="1800" dirty="0">
+                          <a:solidFill>
+                            <a:schemeClr val="bg1"/>
+                          </a:solidFill>
+                        </a:rPr>
+                        <a:t>150,00</a:t>
+                      </a:r>
+                    </a:p>
+                  </a:txBody>
+                  <a:tcPr anchor="ctr">
+                    <a:lnL w="3175" cap="flat" cmpd="sng" algn="ctr">
+                      <a:solidFill>
+                        <a:srgbClr val="CCD351"/>
+                      </a:solidFill>
+                      <a:prstDash val="solid"/>
+                      <a:round/>
+                      <a:headEnd type="none" w="med" len="med"/>
+                      <a:tailEnd type="none" w="med" len="med"/>
+                    </a:lnL>
+                    <a:lnR w="3175" cap="flat" cmpd="sng" algn="ctr">
+                      <a:solidFill>
+                        <a:srgbClr val="CCD351"/>
+                      </a:solidFill>
+                      <a:prstDash val="solid"/>
+                      <a:round/>
+                      <a:headEnd type="none" w="med" len="med"/>
+                      <a:tailEnd type="none" w="med" len="med"/>
+                    </a:lnR>
+                    <a:lnT w="3175" cap="flat" cmpd="sng" algn="ctr">
+                      <a:solidFill>
+                        <a:srgbClr val="CCD351"/>
+                      </a:solidFill>
+                      <a:prstDash val="solid"/>
+                      <a:round/>
+                      <a:headEnd type="none" w="med" len="med"/>
+                      <a:tailEnd type="none" w="med" len="med"/>
+                    </a:lnT>
+                    <a:lnB w="3175" cap="flat" cmpd="sng" algn="ctr">
+                      <a:solidFill>
+                        <a:srgbClr val="CCD351"/>
+                      </a:solidFill>
+                      <a:prstDash val="solid"/>
+                      <a:round/>
+                      <a:headEnd type="none" w="med" len="med"/>
+                      <a:tailEnd type="none" w="med" len="med"/>
+                    </a:lnB>
+                  </a:tcPr>
+                </a:tc>
+                <a:extLst>
+                  <a:ext uri="{0D108BD9-81ED-4DB2-BD59-A6C34878D82A}">
+                    <a16:rowId xmlns:a16="http://schemas.microsoft.com/office/drawing/2014/main" val="10002"/>
+                  </a:ext>
+                </a:extLst>
+              </a:tr>
+              <a:tr h="370840">
+                <a:tc>
+                  <a:txBody>
+                    <a:bodyPr/>
+                    <a:lstStyle/>
+                    <a:p>
+                      <a:pPr algn="l"/>
+                      <a:r>
+                        <a:rPr lang="it-IT" sz="1800" dirty="0">
+                          <a:solidFill>
+                            <a:schemeClr val="bg1"/>
+                          </a:solidFill>
+                        </a:rPr>
+                        <a:t>Amministratore</a:t>
+                      </a:r>
+                    </a:p>
+                  </a:txBody>
+                  <a:tcPr anchor="ctr">
+                    <a:lnL w="3175" cap="flat" cmpd="sng" algn="ctr">
+                      <a:solidFill>
+                        <a:srgbClr val="CCD351"/>
+                      </a:solidFill>
+                      <a:prstDash val="solid"/>
+                      <a:round/>
+                      <a:headEnd type="none" w="med" len="med"/>
+                      <a:tailEnd type="none" w="med" len="med"/>
+                    </a:lnL>
+                    <a:lnR w="3175" cap="flat" cmpd="sng" algn="ctr">
+                      <a:solidFill>
+                        <a:srgbClr val="CCD351"/>
+                      </a:solidFill>
+                      <a:prstDash val="solid"/>
+                      <a:round/>
+                      <a:headEnd type="none" w="med" len="med"/>
+                      <a:tailEnd type="none" w="med" len="med"/>
+                    </a:lnR>
+                    <a:lnT w="3175" cap="flat" cmpd="sng" algn="ctr">
+                      <a:solidFill>
+                        <a:srgbClr val="CCD351"/>
+                      </a:solidFill>
+                      <a:prstDash val="solid"/>
+                      <a:round/>
+                      <a:headEnd type="none" w="med" len="med"/>
+                      <a:tailEnd type="none" w="med" len="med"/>
+                    </a:lnT>
+                    <a:lnB w="3175" cap="flat" cmpd="sng" algn="ctr">
+                      <a:solidFill>
+                        <a:srgbClr val="CCD351"/>
+                      </a:solidFill>
+                      <a:prstDash val="solid"/>
+                      <a:round/>
+                      <a:headEnd type="none" w="med" len="med"/>
+                      <a:tailEnd type="none" w="med" len="med"/>
+                    </a:lnB>
+                  </a:tcPr>
+                </a:tc>
+                <a:tc>
+                  <a:txBody>
+                    <a:bodyPr/>
+                    <a:lstStyle/>
+                    <a:p>
+                      <a:pPr algn="ctr"/>
+                      <a:r>
+                        <a:rPr lang="it-IT" sz="1800" dirty="0">
+                          <a:solidFill>
+                            <a:schemeClr val="bg1"/>
+                          </a:solidFill>
+                        </a:rPr>
+                        <a:t>8</a:t>
+                      </a:r>
+                    </a:p>
+                  </a:txBody>
+                  <a:tcPr anchor="ctr">
+                    <a:lnL w="3175" cap="flat" cmpd="sng" algn="ctr">
+                      <a:solidFill>
+                        <a:srgbClr val="CCD351"/>
+                      </a:solidFill>
+                      <a:prstDash val="solid"/>
+                      <a:round/>
+                      <a:headEnd type="none" w="med" len="med"/>
+                      <a:tailEnd type="none" w="med" len="med"/>
+                    </a:lnL>
+                    <a:lnR w="3175" cap="flat" cmpd="sng" algn="ctr">
+                      <a:solidFill>
+                        <a:srgbClr val="CCD351"/>
+                      </a:solidFill>
+                      <a:prstDash val="solid"/>
+                      <a:round/>
+                      <a:headEnd type="none" w="med" len="med"/>
+                      <a:tailEnd type="none" w="med" len="med"/>
+                    </a:lnR>
+                    <a:lnT w="3175" cap="flat" cmpd="sng" algn="ctr">
+                      <a:solidFill>
+                        <a:srgbClr val="CCD351"/>
+                      </a:solidFill>
+                      <a:prstDash val="solid"/>
+                      <a:round/>
+                      <a:headEnd type="none" w="med" len="med"/>
+                      <a:tailEnd type="none" w="med" len="med"/>
+                    </a:lnT>
+                    <a:lnB w="3175" cap="flat" cmpd="sng" algn="ctr">
+                      <a:solidFill>
+                        <a:srgbClr val="CCD351"/>
+                      </a:solidFill>
+                      <a:prstDash val="solid"/>
+                      <a:round/>
+                      <a:headEnd type="none" w="med" len="med"/>
+                      <a:tailEnd type="none" w="med" len="med"/>
+                    </a:lnB>
+                  </a:tcPr>
+                </a:tc>
+                <a:tc>
+                  <a:txBody>
+                    <a:bodyPr/>
+                    <a:lstStyle/>
+                    <a:p>
+                      <a:pPr algn="ctr"/>
+                      <a:r>
+                        <a:rPr lang="it-IT" sz="1800" dirty="0">
+                          <a:solidFill>
+                            <a:schemeClr val="bg1"/>
+                          </a:solidFill>
+                        </a:rPr>
+                        <a:t>8</a:t>
+                      </a:r>
+                    </a:p>
+                  </a:txBody>
+                  <a:tcPr anchor="ctr">
+                    <a:lnL w="3175" cap="flat" cmpd="sng" algn="ctr">
+                      <a:solidFill>
+                        <a:srgbClr val="CCD351"/>
+                      </a:solidFill>
+                      <a:prstDash val="solid"/>
+                      <a:round/>
+                      <a:headEnd type="none" w="med" len="med"/>
+                      <a:tailEnd type="none" w="med" len="med"/>
+                    </a:lnL>
+                    <a:lnR w="3175" cap="flat" cmpd="sng" algn="ctr">
+                      <a:solidFill>
+                        <a:srgbClr val="CCD351"/>
+                      </a:solidFill>
+                      <a:prstDash val="solid"/>
+                      <a:round/>
+                      <a:headEnd type="none" w="med" len="med"/>
+                      <a:tailEnd type="none" w="med" len="med"/>
+                    </a:lnR>
+                    <a:lnT w="3175" cap="flat" cmpd="sng" algn="ctr">
+                      <a:solidFill>
+                        <a:srgbClr val="CCD351"/>
+                      </a:solidFill>
+                      <a:prstDash val="solid"/>
+                      <a:round/>
+                      <a:headEnd type="none" w="med" len="med"/>
+                      <a:tailEnd type="none" w="med" len="med"/>
+                    </a:lnT>
+                    <a:lnB w="3175" cap="flat" cmpd="sng" algn="ctr">
+                      <a:solidFill>
+                        <a:srgbClr val="CCD351"/>
+                      </a:solidFill>
+                      <a:prstDash val="solid"/>
+                      <a:round/>
+                      <a:headEnd type="none" w="med" len="med"/>
+                      <a:tailEnd type="none" w="med" len="med"/>
+                    </a:lnB>
+                  </a:tcPr>
+                </a:tc>
+                <a:tc>
+                  <a:txBody>
+                    <a:bodyPr/>
+                    <a:lstStyle/>
+                    <a:p>
+                      <a:pPr marL="0" algn="ctr" defTabSz="514350" rtl="0" eaLnBrk="1" latinLnBrk="0" hangingPunct="1"/>
+                      <a:r>
+                        <a:rPr lang="it-IT" sz="1800" kern="1200" dirty="0">
+                          <a:solidFill>
+                            <a:schemeClr val="bg1"/>
+                          </a:solidFill>
+                          <a:latin typeface="+mn-lt"/>
+                          <a:ea typeface="+mn-ea"/>
+                          <a:cs typeface="+mn-cs"/>
+                        </a:rPr>
+                        <a:t>160,00</a:t>
+                      </a:r>
+                    </a:p>
+                  </a:txBody>
+                  <a:tcPr anchor="ctr">
+                    <a:lnL w="3175" cap="flat" cmpd="sng" algn="ctr">
+                      <a:solidFill>
+                        <a:srgbClr val="CCD351"/>
+                      </a:solidFill>
+                      <a:prstDash val="solid"/>
+                      <a:round/>
+                      <a:headEnd type="none" w="med" len="med"/>
+                      <a:tailEnd type="none" w="med" len="med"/>
+                    </a:lnL>
+                    <a:lnR w="3175" cap="flat" cmpd="sng" algn="ctr">
+                      <a:solidFill>
+                        <a:srgbClr val="CCD351"/>
+                      </a:solidFill>
+                      <a:prstDash val="solid"/>
+                      <a:round/>
+                      <a:headEnd type="none" w="med" len="med"/>
+                      <a:tailEnd type="none" w="med" len="med"/>
+                    </a:lnR>
+                    <a:lnT w="3175" cap="flat" cmpd="sng" algn="ctr">
+                      <a:solidFill>
+                        <a:srgbClr val="CCD351"/>
+                      </a:solidFill>
+                      <a:prstDash val="solid"/>
+                      <a:round/>
+                      <a:headEnd type="none" w="med" len="med"/>
+                      <a:tailEnd type="none" w="med" len="med"/>
+                    </a:lnT>
+                    <a:lnB w="3175" cap="flat" cmpd="sng" algn="ctr">
+                      <a:solidFill>
+                        <a:srgbClr val="CCD351"/>
+                      </a:solidFill>
+                      <a:prstDash val="solid"/>
+                      <a:round/>
+                      <a:headEnd type="none" w="med" len="med"/>
+                      <a:tailEnd type="none" w="med" len="med"/>
+                    </a:lnB>
+                  </a:tcPr>
+                </a:tc>
+                <a:tc>
+                  <a:txBody>
+                    <a:bodyPr/>
+                    <a:lstStyle/>
+                    <a:p>
+                      <a:pPr marL="0" algn="ctr" defTabSz="514350" rtl="0" eaLnBrk="1" latinLnBrk="0" hangingPunct="1"/>
+                      <a:r>
+                        <a:rPr lang="it-IT" sz="1800" kern="1200" dirty="0">
+                          <a:solidFill>
+                            <a:schemeClr val="bg1"/>
+                          </a:solidFill>
+                          <a:latin typeface="+mn-lt"/>
+                          <a:ea typeface="+mn-ea"/>
+                          <a:cs typeface="+mn-cs"/>
+                        </a:rPr>
+                        <a:t>160,00</a:t>
+                      </a:r>
+                    </a:p>
+                  </a:txBody>
+                  <a:tcPr anchor="ctr">
+                    <a:lnL w="3175" cap="flat" cmpd="sng" algn="ctr">
+                      <a:solidFill>
+                        <a:srgbClr val="CCD351"/>
+                      </a:solidFill>
+                      <a:prstDash val="solid"/>
+                      <a:round/>
+                      <a:headEnd type="none" w="med" len="med"/>
+                      <a:tailEnd type="none" w="med" len="med"/>
+                    </a:lnL>
+                    <a:lnR w="3175" cap="flat" cmpd="sng" algn="ctr">
+                      <a:solidFill>
+                        <a:srgbClr val="CCD351"/>
+                      </a:solidFill>
+                      <a:prstDash val="solid"/>
+                      <a:round/>
+                      <a:headEnd type="none" w="med" len="med"/>
+                      <a:tailEnd type="none" w="med" len="med"/>
+                    </a:lnR>
+                    <a:lnT w="3175" cap="flat" cmpd="sng" algn="ctr">
+                      <a:solidFill>
+                        <a:srgbClr val="CCD351"/>
+                      </a:solidFill>
+                      <a:prstDash val="solid"/>
+                      <a:round/>
+                      <a:headEnd type="none" w="med" len="med"/>
+                      <a:tailEnd type="none" w="med" len="med"/>
+                    </a:lnT>
+                    <a:lnB w="3175" cap="flat" cmpd="sng" algn="ctr">
+                      <a:solidFill>
+                        <a:srgbClr val="CCD351"/>
+                      </a:solidFill>
+                      <a:prstDash val="solid"/>
+                      <a:round/>
+                      <a:headEnd type="none" w="med" len="med"/>
+                      <a:tailEnd type="none" w="med" len="med"/>
+                    </a:lnB>
+                  </a:tcPr>
+                </a:tc>
+                <a:extLst>
+                  <a:ext uri="{0D108BD9-81ED-4DB2-BD59-A6C34878D82A}">
+                    <a16:rowId xmlns:a16="http://schemas.microsoft.com/office/drawing/2014/main" val="10003"/>
+                  </a:ext>
+                </a:extLst>
+              </a:tr>
+              <a:tr h="370840">
+                <a:tc>
+                  <a:txBody>
+                    <a:bodyPr/>
+                    <a:lstStyle/>
+                    <a:p>
+                      <a:pPr algn="l"/>
+                      <a:r>
+                        <a:rPr lang="it-IT" sz="1800" dirty="0">
+                          <a:solidFill>
+                            <a:schemeClr val="bg1"/>
+                          </a:solidFill>
+                        </a:rPr>
+                        <a:t>Analista</a:t>
+                      </a:r>
+                    </a:p>
+                  </a:txBody>
+                  <a:tcPr anchor="ctr">
+                    <a:lnL w="3175" cap="flat" cmpd="sng" algn="ctr">
+                      <a:solidFill>
+                        <a:srgbClr val="CCD351"/>
+                      </a:solidFill>
+                      <a:prstDash val="solid"/>
+                      <a:round/>
+                      <a:headEnd type="none" w="med" len="med"/>
+                      <a:tailEnd type="none" w="med" len="med"/>
+                    </a:lnL>
+                    <a:lnR w="3175" cap="flat" cmpd="sng" algn="ctr">
+                      <a:solidFill>
+                        <a:srgbClr val="CCD351"/>
+                      </a:solidFill>
+                      <a:prstDash val="solid"/>
+                      <a:round/>
+                      <a:headEnd type="none" w="med" len="med"/>
+                      <a:tailEnd type="none" w="med" len="med"/>
+                    </a:lnR>
+                    <a:lnT w="3175" cap="flat" cmpd="sng" algn="ctr">
+                      <a:solidFill>
+                        <a:srgbClr val="CCD351"/>
+                      </a:solidFill>
+                      <a:prstDash val="solid"/>
+                      <a:round/>
+                      <a:headEnd type="none" w="med" len="med"/>
+                      <a:tailEnd type="none" w="med" len="med"/>
+                    </a:lnT>
+                    <a:lnB w="3175" cap="flat" cmpd="sng" algn="ctr">
+                      <a:solidFill>
+                        <a:srgbClr val="CCD351"/>
+                      </a:solidFill>
+                      <a:prstDash val="solid"/>
+                      <a:round/>
+                      <a:headEnd type="none" w="med" len="med"/>
+                      <a:tailEnd type="none" w="med" len="med"/>
+                    </a:lnB>
+                  </a:tcPr>
+                </a:tc>
+                <a:tc>
+                  <a:txBody>
+                    <a:bodyPr/>
+                    <a:lstStyle/>
+                    <a:p>
+                      <a:pPr algn="ctr"/>
+                      <a:r>
+                        <a:rPr lang="it-IT" sz="1800" dirty="0">
+                          <a:solidFill>
+                            <a:schemeClr val="bg1"/>
+                          </a:solidFill>
+                        </a:rPr>
+                        <a:t>19</a:t>
+                      </a:r>
+                    </a:p>
+                  </a:txBody>
+                  <a:tcPr anchor="ctr">
+                    <a:lnL w="3175" cap="flat" cmpd="sng" algn="ctr">
+                      <a:solidFill>
+                        <a:srgbClr val="CCD351"/>
+                      </a:solidFill>
+                      <a:prstDash val="solid"/>
+                      <a:round/>
+                      <a:headEnd type="none" w="med" len="med"/>
+                      <a:tailEnd type="none" w="med" len="med"/>
+                    </a:lnL>
+                    <a:lnR w="3175" cap="flat" cmpd="sng" algn="ctr">
+                      <a:solidFill>
+                        <a:srgbClr val="CCD351"/>
+                      </a:solidFill>
+                      <a:prstDash val="solid"/>
+                      <a:round/>
+                      <a:headEnd type="none" w="med" len="med"/>
+                      <a:tailEnd type="none" w="med" len="med"/>
+                    </a:lnR>
+                    <a:lnT w="3175" cap="flat" cmpd="sng" algn="ctr">
+                      <a:solidFill>
+                        <a:srgbClr val="CCD351"/>
+                      </a:solidFill>
+                      <a:prstDash val="solid"/>
+                      <a:round/>
+                      <a:headEnd type="none" w="med" len="med"/>
+                      <a:tailEnd type="none" w="med" len="med"/>
+                    </a:lnT>
+                    <a:lnB w="3175" cap="flat" cmpd="sng" algn="ctr">
+                      <a:solidFill>
+                        <a:srgbClr val="CCD351"/>
+                      </a:solidFill>
+                      <a:prstDash val="solid"/>
+                      <a:round/>
+                      <a:headEnd type="none" w="med" len="med"/>
+                      <a:tailEnd type="none" w="med" len="med"/>
+                    </a:lnB>
+                  </a:tcPr>
+                </a:tc>
+                <a:tc>
+                  <a:txBody>
+                    <a:bodyPr/>
+                    <a:lstStyle/>
+                    <a:p>
+                      <a:pPr algn="ctr"/>
+                      <a:r>
+                        <a:rPr lang="it-IT" sz="1800" dirty="0">
+                          <a:solidFill>
+                            <a:schemeClr val="bg1"/>
+                          </a:solidFill>
+                        </a:rPr>
+                        <a:t>19</a:t>
+                      </a:r>
+                    </a:p>
+                  </a:txBody>
+                  <a:tcPr anchor="ctr">
+                    <a:lnL w="3175" cap="flat" cmpd="sng" algn="ctr">
+                      <a:solidFill>
+                        <a:srgbClr val="CCD351"/>
+                      </a:solidFill>
+                      <a:prstDash val="solid"/>
+                      <a:round/>
+                      <a:headEnd type="none" w="med" len="med"/>
+                      <a:tailEnd type="none" w="med" len="med"/>
+                    </a:lnL>
+                    <a:lnR w="3175" cap="flat" cmpd="sng" algn="ctr">
+                      <a:solidFill>
+                        <a:srgbClr val="CCD351"/>
+                      </a:solidFill>
+                      <a:prstDash val="solid"/>
+                      <a:round/>
+                      <a:headEnd type="none" w="med" len="med"/>
+                      <a:tailEnd type="none" w="med" len="med"/>
+                    </a:lnR>
+                    <a:lnT w="3175" cap="flat" cmpd="sng" algn="ctr">
+                      <a:solidFill>
+                        <a:srgbClr val="CCD351"/>
+                      </a:solidFill>
+                      <a:prstDash val="solid"/>
+                      <a:round/>
+                      <a:headEnd type="none" w="med" len="med"/>
+                      <a:tailEnd type="none" w="med" len="med"/>
+                    </a:lnT>
+                    <a:lnB w="3175" cap="flat" cmpd="sng" algn="ctr">
+                      <a:solidFill>
+                        <a:srgbClr val="CCD351"/>
+                      </a:solidFill>
+                      <a:prstDash val="solid"/>
+                      <a:round/>
+                      <a:headEnd type="none" w="med" len="med"/>
+                      <a:tailEnd type="none" w="med" len="med"/>
+                    </a:lnB>
+                  </a:tcPr>
+                </a:tc>
+                <a:tc>
+                  <a:txBody>
+                    <a:bodyPr/>
+                    <a:lstStyle/>
+                    <a:p>
+                      <a:pPr marL="0" algn="ctr" defTabSz="514350" rtl="0" eaLnBrk="1" latinLnBrk="0" hangingPunct="1"/>
+                      <a:r>
+                        <a:rPr lang="it-IT" sz="1800" kern="1200" dirty="0">
+                          <a:solidFill>
+                            <a:schemeClr val="bg1"/>
+                          </a:solidFill>
+                          <a:latin typeface="+mn-lt"/>
+                          <a:ea typeface="+mn-ea"/>
+                          <a:cs typeface="+mn-cs"/>
+                        </a:rPr>
+                        <a:t>475,00</a:t>
+                      </a:r>
+                    </a:p>
+                  </a:txBody>
+                  <a:tcPr anchor="ctr">
+                    <a:lnL w="3175" cap="flat" cmpd="sng" algn="ctr">
+                      <a:solidFill>
+                        <a:srgbClr val="CCD351"/>
+                      </a:solidFill>
+                      <a:prstDash val="solid"/>
+                      <a:round/>
+                      <a:headEnd type="none" w="med" len="med"/>
+                      <a:tailEnd type="none" w="med" len="med"/>
+                    </a:lnL>
+                    <a:lnR w="3175" cap="flat" cmpd="sng" algn="ctr">
+                      <a:solidFill>
+                        <a:srgbClr val="CCD351"/>
+                      </a:solidFill>
+                      <a:prstDash val="solid"/>
+                      <a:round/>
+                      <a:headEnd type="none" w="med" len="med"/>
+                      <a:tailEnd type="none" w="med" len="med"/>
+                    </a:lnR>
+                    <a:lnT w="3175" cap="flat" cmpd="sng" algn="ctr">
+                      <a:solidFill>
+                        <a:srgbClr val="CCD351"/>
+                      </a:solidFill>
+                      <a:prstDash val="solid"/>
+                      <a:round/>
+                      <a:headEnd type="none" w="med" len="med"/>
+                      <a:tailEnd type="none" w="med" len="med"/>
+                    </a:lnT>
+                    <a:lnB w="3175" cap="flat" cmpd="sng" algn="ctr">
+                      <a:solidFill>
+                        <a:srgbClr val="CCD351"/>
+                      </a:solidFill>
+                      <a:prstDash val="solid"/>
+                      <a:round/>
+                      <a:headEnd type="none" w="med" len="med"/>
+                      <a:tailEnd type="none" w="med" len="med"/>
+                    </a:lnB>
+                  </a:tcPr>
+                </a:tc>
+                <a:tc>
+                  <a:txBody>
+                    <a:bodyPr/>
+                    <a:lstStyle/>
+                    <a:p>
+                      <a:pPr marL="0" algn="ctr" defTabSz="514350" rtl="0" eaLnBrk="1" latinLnBrk="0" hangingPunct="1"/>
+                      <a:r>
+                        <a:rPr lang="it-IT" sz="1800" kern="1200" dirty="0">
+                          <a:solidFill>
+                            <a:schemeClr val="bg1"/>
+                          </a:solidFill>
+                          <a:latin typeface="+mn-lt"/>
+                          <a:ea typeface="+mn-ea"/>
+                          <a:cs typeface="+mn-cs"/>
+                        </a:rPr>
+                        <a:t>475,00</a:t>
+                      </a:r>
+                    </a:p>
+                  </a:txBody>
+                  <a:tcPr anchor="ctr">
+                    <a:lnL w="3175" cap="flat" cmpd="sng" algn="ctr">
+                      <a:solidFill>
+                        <a:srgbClr val="CCD351"/>
+                      </a:solidFill>
+                      <a:prstDash val="solid"/>
+                      <a:round/>
+                      <a:headEnd type="none" w="med" len="med"/>
+                      <a:tailEnd type="none" w="med" len="med"/>
+                    </a:lnL>
+                    <a:lnR w="3175" cap="flat" cmpd="sng" algn="ctr">
+                      <a:solidFill>
+                        <a:srgbClr val="CCD351"/>
+                      </a:solidFill>
+                      <a:prstDash val="solid"/>
+                      <a:round/>
+                      <a:headEnd type="none" w="med" len="med"/>
+                      <a:tailEnd type="none" w="med" len="med"/>
+                    </a:lnR>
+                    <a:lnT w="3175" cap="flat" cmpd="sng" algn="ctr">
+                      <a:solidFill>
+                        <a:srgbClr val="CCD351"/>
+                      </a:solidFill>
+                      <a:prstDash val="solid"/>
+                      <a:round/>
+                      <a:headEnd type="none" w="med" len="med"/>
+                      <a:tailEnd type="none" w="med" len="med"/>
+                    </a:lnT>
+                    <a:lnB w="3175" cap="flat" cmpd="sng" algn="ctr">
+                      <a:solidFill>
+                        <a:srgbClr val="CCD351"/>
+                      </a:solidFill>
+                      <a:prstDash val="solid"/>
+                      <a:round/>
+                      <a:headEnd type="none" w="med" len="med"/>
+                      <a:tailEnd type="none" w="med" len="med"/>
+                    </a:lnB>
+                  </a:tcPr>
+                </a:tc>
+                <a:extLst>
+                  <a:ext uri="{0D108BD9-81ED-4DB2-BD59-A6C34878D82A}">
+                    <a16:rowId xmlns:a16="http://schemas.microsoft.com/office/drawing/2014/main" val="10004"/>
+                  </a:ext>
+                </a:extLst>
+              </a:tr>
+              <a:tr h="370840">
+                <a:tc>
+                  <a:txBody>
+                    <a:bodyPr/>
+                    <a:lstStyle/>
+                    <a:p>
+                      <a:pPr algn="l"/>
+                      <a:r>
+                        <a:rPr lang="it-IT" sz="1800" dirty="0">
+                          <a:solidFill>
+                            <a:schemeClr val="bg1"/>
+                          </a:solidFill>
+                        </a:rPr>
+                        <a:t>Progettista</a:t>
+                      </a:r>
+                    </a:p>
+                  </a:txBody>
+                  <a:tcPr anchor="ctr">
+                    <a:lnL w="3175" cap="flat" cmpd="sng" algn="ctr">
+                      <a:solidFill>
+                        <a:srgbClr val="CCD351"/>
+                      </a:solidFill>
+                      <a:prstDash val="solid"/>
+                      <a:round/>
+                      <a:headEnd type="none" w="med" len="med"/>
+                      <a:tailEnd type="none" w="med" len="med"/>
+                    </a:lnL>
+                    <a:lnR w="3175" cap="flat" cmpd="sng" algn="ctr">
+                      <a:solidFill>
+                        <a:srgbClr val="CCD351"/>
+                      </a:solidFill>
+                      <a:prstDash val="solid"/>
+                      <a:round/>
+                      <a:headEnd type="none" w="med" len="med"/>
+                      <a:tailEnd type="none" w="med" len="med"/>
+                    </a:lnR>
+                    <a:lnT w="3175" cap="flat" cmpd="sng" algn="ctr">
+                      <a:solidFill>
+                        <a:srgbClr val="CCD351"/>
+                      </a:solidFill>
+                      <a:prstDash val="solid"/>
+                      <a:round/>
+                      <a:headEnd type="none" w="med" len="med"/>
+                      <a:tailEnd type="none" w="med" len="med"/>
+                    </a:lnT>
+                    <a:lnB w="3175" cap="flat" cmpd="sng" algn="ctr">
+                      <a:solidFill>
+                        <a:srgbClr val="CCD351"/>
+                      </a:solidFill>
+                      <a:prstDash val="solid"/>
+                      <a:round/>
+                      <a:headEnd type="none" w="med" len="med"/>
+                      <a:tailEnd type="none" w="med" len="med"/>
+                    </a:lnB>
+                  </a:tcPr>
+                </a:tc>
+                <a:tc>
+                  <a:txBody>
+                    <a:bodyPr/>
+                    <a:lstStyle/>
+                    <a:p>
+                      <a:pPr algn="ctr"/>
+                      <a:r>
+                        <a:rPr lang="it-IT" sz="1800" dirty="0">
+                          <a:solidFill>
+                            <a:schemeClr val="bg1"/>
+                          </a:solidFill>
+                        </a:rPr>
+                        <a:t>-</a:t>
+                      </a:r>
+                    </a:p>
+                  </a:txBody>
+                  <a:tcPr anchor="ctr">
+                    <a:lnL w="3175" cap="flat" cmpd="sng" algn="ctr">
+                      <a:solidFill>
+                        <a:srgbClr val="CCD351"/>
+                      </a:solidFill>
+                      <a:prstDash val="solid"/>
+                      <a:round/>
+                      <a:headEnd type="none" w="med" len="med"/>
+                      <a:tailEnd type="none" w="med" len="med"/>
+                    </a:lnL>
+                    <a:lnR w="3175" cap="flat" cmpd="sng" algn="ctr">
+                      <a:solidFill>
+                        <a:srgbClr val="CCD351"/>
+                      </a:solidFill>
+                      <a:prstDash val="solid"/>
+                      <a:round/>
+                      <a:headEnd type="none" w="med" len="med"/>
+                      <a:tailEnd type="none" w="med" len="med"/>
+                    </a:lnR>
+                    <a:lnT w="3175" cap="flat" cmpd="sng" algn="ctr">
+                      <a:solidFill>
+                        <a:srgbClr val="CCD351"/>
+                      </a:solidFill>
+                      <a:prstDash val="solid"/>
+                      <a:round/>
+                      <a:headEnd type="none" w="med" len="med"/>
+                      <a:tailEnd type="none" w="med" len="med"/>
+                    </a:lnT>
+                    <a:lnB w="3175" cap="flat" cmpd="sng" algn="ctr">
+                      <a:solidFill>
+                        <a:srgbClr val="CCD351"/>
+                      </a:solidFill>
+                      <a:prstDash val="solid"/>
+                      <a:round/>
+                      <a:headEnd type="none" w="med" len="med"/>
+                      <a:tailEnd type="none" w="med" len="med"/>
+                    </a:lnB>
+                  </a:tcPr>
+                </a:tc>
+                <a:tc>
+                  <a:txBody>
+                    <a:bodyPr/>
+                    <a:lstStyle/>
+                    <a:p>
+                      <a:pPr algn="ctr"/>
+                      <a:r>
+                        <a:rPr lang="it-IT" sz="1800" dirty="0">
+                          <a:solidFill>
+                            <a:schemeClr val="bg1"/>
+                          </a:solidFill>
+                        </a:rPr>
+                        <a:t>-</a:t>
+                      </a:r>
+                    </a:p>
+                  </a:txBody>
+                  <a:tcPr anchor="ctr">
+                    <a:lnL w="3175" cap="flat" cmpd="sng" algn="ctr">
+                      <a:solidFill>
+                        <a:srgbClr val="CCD351"/>
+                      </a:solidFill>
+                      <a:prstDash val="solid"/>
+                      <a:round/>
+                      <a:headEnd type="none" w="med" len="med"/>
+                      <a:tailEnd type="none" w="med" len="med"/>
+                    </a:lnL>
+                    <a:lnR w="3175" cap="flat" cmpd="sng" algn="ctr">
+                      <a:solidFill>
+                        <a:srgbClr val="CCD351"/>
+                      </a:solidFill>
+                      <a:prstDash val="solid"/>
+                      <a:round/>
+                      <a:headEnd type="none" w="med" len="med"/>
+                      <a:tailEnd type="none" w="med" len="med"/>
+                    </a:lnR>
+                    <a:lnT w="3175" cap="flat" cmpd="sng" algn="ctr">
+                      <a:solidFill>
+                        <a:srgbClr val="CCD351"/>
+                      </a:solidFill>
+                      <a:prstDash val="solid"/>
+                      <a:round/>
+                      <a:headEnd type="none" w="med" len="med"/>
+                      <a:tailEnd type="none" w="med" len="med"/>
+                    </a:lnT>
+                    <a:lnB w="3175" cap="flat" cmpd="sng" algn="ctr">
+                      <a:solidFill>
+                        <a:srgbClr val="CCD351"/>
+                      </a:solidFill>
+                      <a:prstDash val="solid"/>
+                      <a:round/>
+                      <a:headEnd type="none" w="med" len="med"/>
+                      <a:tailEnd type="none" w="med" len="med"/>
+                    </a:lnB>
+                  </a:tcPr>
+                </a:tc>
+                <a:tc>
+                  <a:txBody>
+                    <a:bodyPr/>
+                    <a:lstStyle/>
+                    <a:p>
+                      <a:pPr marL="0" algn="ctr" defTabSz="514350" rtl="0" eaLnBrk="1" latinLnBrk="0" hangingPunct="1"/>
+                      <a:r>
+                        <a:rPr lang="it-IT" sz="1800" kern="1200" dirty="0">
+                          <a:solidFill>
+                            <a:schemeClr val="bg1"/>
+                          </a:solidFill>
+                          <a:latin typeface="+mn-lt"/>
+                          <a:ea typeface="+mn-ea"/>
+                          <a:cs typeface="+mn-cs"/>
+                        </a:rPr>
+                        <a:t>-</a:t>
+                      </a:r>
+                    </a:p>
+                  </a:txBody>
+                  <a:tcPr anchor="ctr">
+                    <a:lnL w="3175" cap="flat" cmpd="sng" algn="ctr">
+                      <a:solidFill>
+                        <a:srgbClr val="CCD351"/>
+                      </a:solidFill>
+                      <a:prstDash val="solid"/>
+                      <a:round/>
+                      <a:headEnd type="none" w="med" len="med"/>
+                      <a:tailEnd type="none" w="med" len="med"/>
+                    </a:lnL>
+                    <a:lnR w="3175" cap="flat" cmpd="sng" algn="ctr">
+                      <a:solidFill>
+                        <a:srgbClr val="CCD351"/>
+                      </a:solidFill>
+                      <a:prstDash val="solid"/>
+                      <a:round/>
+                      <a:headEnd type="none" w="med" len="med"/>
+                      <a:tailEnd type="none" w="med" len="med"/>
+                    </a:lnR>
+                    <a:lnT w="3175" cap="flat" cmpd="sng" algn="ctr">
+                      <a:solidFill>
+                        <a:srgbClr val="CCD351"/>
+                      </a:solidFill>
+                      <a:prstDash val="solid"/>
+                      <a:round/>
+                      <a:headEnd type="none" w="med" len="med"/>
+                      <a:tailEnd type="none" w="med" len="med"/>
+                    </a:lnT>
+                    <a:lnB w="3175" cap="flat" cmpd="sng" algn="ctr">
+                      <a:solidFill>
+                        <a:srgbClr val="CCD351"/>
+                      </a:solidFill>
+                      <a:prstDash val="solid"/>
+                      <a:round/>
+                      <a:headEnd type="none" w="med" len="med"/>
+                      <a:tailEnd type="none" w="med" len="med"/>
+                    </a:lnB>
+                  </a:tcPr>
+                </a:tc>
+                <a:tc>
+                  <a:txBody>
+                    <a:bodyPr/>
+                    <a:lstStyle/>
+                    <a:p>
+                      <a:pPr marL="0" algn="ctr" defTabSz="514350" rtl="0" eaLnBrk="1" latinLnBrk="0" hangingPunct="1"/>
+                      <a:r>
+                        <a:rPr lang="it-IT" sz="1800" kern="1200" dirty="0">
+                          <a:solidFill>
+                            <a:schemeClr val="bg1"/>
+                          </a:solidFill>
+                          <a:latin typeface="+mn-lt"/>
+                          <a:ea typeface="+mn-ea"/>
+                          <a:cs typeface="+mn-cs"/>
+                        </a:rPr>
+                        <a:t>-</a:t>
+                      </a:r>
+                    </a:p>
+                  </a:txBody>
+                  <a:tcPr anchor="ctr">
+                    <a:lnL w="3175" cap="flat" cmpd="sng" algn="ctr">
+                      <a:solidFill>
+                        <a:srgbClr val="CCD351"/>
+                      </a:solidFill>
+                      <a:prstDash val="solid"/>
+                      <a:round/>
+                      <a:headEnd type="none" w="med" len="med"/>
+                      <a:tailEnd type="none" w="med" len="med"/>
+                    </a:lnL>
+                    <a:lnR w="3175" cap="flat" cmpd="sng" algn="ctr">
+                      <a:solidFill>
+                        <a:srgbClr val="CCD351"/>
+                      </a:solidFill>
+                      <a:prstDash val="solid"/>
+                      <a:round/>
+                      <a:headEnd type="none" w="med" len="med"/>
+                      <a:tailEnd type="none" w="med" len="med"/>
+                    </a:lnR>
+                    <a:lnT w="3175" cap="flat" cmpd="sng" algn="ctr">
+                      <a:solidFill>
+                        <a:srgbClr val="CCD351"/>
+                      </a:solidFill>
+                      <a:prstDash val="solid"/>
+                      <a:round/>
+                      <a:headEnd type="none" w="med" len="med"/>
+                      <a:tailEnd type="none" w="med" len="med"/>
+                    </a:lnT>
+                    <a:lnB w="3175" cap="flat" cmpd="sng" algn="ctr">
+                      <a:solidFill>
+                        <a:srgbClr val="CCD351"/>
+                      </a:solidFill>
+                      <a:prstDash val="solid"/>
+                      <a:round/>
+                      <a:headEnd type="none" w="med" len="med"/>
+                      <a:tailEnd type="none" w="med" len="med"/>
+                    </a:lnB>
+                  </a:tcPr>
+                </a:tc>
+                <a:extLst>
+                  <a:ext uri="{0D108BD9-81ED-4DB2-BD59-A6C34878D82A}">
+                    <a16:rowId xmlns:a16="http://schemas.microsoft.com/office/drawing/2014/main" val="10005"/>
+                  </a:ext>
+                </a:extLst>
+              </a:tr>
+              <a:tr h="370840">
+                <a:tc>
+                  <a:txBody>
+                    <a:bodyPr/>
+                    <a:lstStyle/>
+                    <a:p>
+                      <a:pPr algn="l"/>
+                      <a:r>
+                        <a:rPr lang="it-IT" sz="1800" dirty="0">
+                          <a:solidFill>
+                            <a:schemeClr val="bg1"/>
+                          </a:solidFill>
+                        </a:rPr>
+                        <a:t>Programmatore</a:t>
+                      </a:r>
+                    </a:p>
+                  </a:txBody>
+                  <a:tcPr anchor="ctr">
+                    <a:lnL w="3175" cap="flat" cmpd="sng" algn="ctr">
+                      <a:solidFill>
+                        <a:srgbClr val="CCD351"/>
+                      </a:solidFill>
+                      <a:prstDash val="solid"/>
+                      <a:round/>
+                      <a:headEnd type="none" w="med" len="med"/>
+                      <a:tailEnd type="none" w="med" len="med"/>
+                    </a:lnL>
+                    <a:lnR w="3175" cap="flat" cmpd="sng" algn="ctr">
+                      <a:solidFill>
+                        <a:srgbClr val="CCD351"/>
+                      </a:solidFill>
+                      <a:prstDash val="solid"/>
+                      <a:round/>
+                      <a:headEnd type="none" w="med" len="med"/>
+                      <a:tailEnd type="none" w="med" len="med"/>
+                    </a:lnR>
+                    <a:lnT w="3175" cap="flat" cmpd="sng" algn="ctr">
+                      <a:solidFill>
+                        <a:srgbClr val="CCD351"/>
+                      </a:solidFill>
+                      <a:prstDash val="solid"/>
+                      <a:round/>
+                      <a:headEnd type="none" w="med" len="med"/>
+                      <a:tailEnd type="none" w="med" len="med"/>
+                    </a:lnT>
+                    <a:lnB w="3175" cap="flat" cmpd="sng" algn="ctr">
+                      <a:solidFill>
+                        <a:srgbClr val="CCD351"/>
+                      </a:solidFill>
+                      <a:prstDash val="solid"/>
+                      <a:round/>
+                      <a:headEnd type="none" w="med" len="med"/>
+                      <a:tailEnd type="none" w="med" len="med"/>
+                    </a:lnB>
+                  </a:tcPr>
+                </a:tc>
+                <a:tc>
+                  <a:txBody>
+                    <a:bodyPr/>
+                    <a:lstStyle/>
+                    <a:p>
+                      <a:pPr algn="ctr"/>
+                      <a:r>
+                        <a:rPr lang="it-IT" sz="1800" dirty="0">
+                          <a:solidFill>
+                            <a:schemeClr val="bg1"/>
+                          </a:solidFill>
+                        </a:rPr>
+                        <a:t>-</a:t>
+                      </a:r>
+                    </a:p>
+                  </a:txBody>
+                  <a:tcPr anchor="ctr">
+                    <a:lnL w="3175" cap="flat" cmpd="sng" algn="ctr">
+                      <a:solidFill>
+                        <a:srgbClr val="CCD351"/>
+                      </a:solidFill>
+                      <a:prstDash val="solid"/>
+                      <a:round/>
+                      <a:headEnd type="none" w="med" len="med"/>
+                      <a:tailEnd type="none" w="med" len="med"/>
+                    </a:lnL>
+                    <a:lnR w="3175" cap="flat" cmpd="sng" algn="ctr">
+                      <a:solidFill>
+                        <a:srgbClr val="CCD351"/>
+                      </a:solidFill>
+                      <a:prstDash val="solid"/>
+                      <a:round/>
+                      <a:headEnd type="none" w="med" len="med"/>
+                      <a:tailEnd type="none" w="med" len="med"/>
+                    </a:lnR>
+                    <a:lnT w="3175" cap="flat" cmpd="sng" algn="ctr">
+                      <a:solidFill>
+                        <a:srgbClr val="CCD351"/>
+                      </a:solidFill>
+                      <a:prstDash val="solid"/>
+                      <a:round/>
+                      <a:headEnd type="none" w="med" len="med"/>
+                      <a:tailEnd type="none" w="med" len="med"/>
+                    </a:lnT>
+                    <a:lnB w="3175" cap="flat" cmpd="sng" algn="ctr">
+                      <a:solidFill>
+                        <a:srgbClr val="CCD351"/>
+                      </a:solidFill>
+                      <a:prstDash val="solid"/>
+                      <a:round/>
+                      <a:headEnd type="none" w="med" len="med"/>
+                      <a:tailEnd type="none" w="med" len="med"/>
+                    </a:lnB>
+                  </a:tcPr>
+                </a:tc>
+                <a:tc>
+                  <a:txBody>
+                    <a:bodyPr/>
+                    <a:lstStyle/>
+                    <a:p>
+                      <a:pPr algn="ctr"/>
+                      <a:r>
+                        <a:rPr lang="it-IT" sz="1800" dirty="0">
+                          <a:solidFill>
+                            <a:schemeClr val="bg1"/>
+                          </a:solidFill>
+                        </a:rPr>
+                        <a:t>-</a:t>
+                      </a:r>
+                    </a:p>
+                  </a:txBody>
+                  <a:tcPr anchor="ctr">
+                    <a:lnL w="3175" cap="flat" cmpd="sng" algn="ctr">
+                      <a:solidFill>
+                        <a:srgbClr val="CCD351"/>
+                      </a:solidFill>
+                      <a:prstDash val="solid"/>
+                      <a:round/>
+                      <a:headEnd type="none" w="med" len="med"/>
+                      <a:tailEnd type="none" w="med" len="med"/>
+                    </a:lnL>
+                    <a:lnR w="3175" cap="flat" cmpd="sng" algn="ctr">
+                      <a:solidFill>
+                        <a:srgbClr val="CCD351"/>
+                      </a:solidFill>
+                      <a:prstDash val="solid"/>
+                      <a:round/>
+                      <a:headEnd type="none" w="med" len="med"/>
+                      <a:tailEnd type="none" w="med" len="med"/>
+                    </a:lnR>
+                    <a:lnT w="3175" cap="flat" cmpd="sng" algn="ctr">
+                      <a:solidFill>
+                        <a:srgbClr val="CCD351"/>
+                      </a:solidFill>
+                      <a:prstDash val="solid"/>
+                      <a:round/>
+                      <a:headEnd type="none" w="med" len="med"/>
+                      <a:tailEnd type="none" w="med" len="med"/>
+                    </a:lnT>
+                    <a:lnB w="3175" cap="flat" cmpd="sng" algn="ctr">
+                      <a:solidFill>
+                        <a:srgbClr val="CCD351"/>
+                      </a:solidFill>
+                      <a:prstDash val="solid"/>
+                      <a:round/>
+                      <a:headEnd type="none" w="med" len="med"/>
+                      <a:tailEnd type="none" w="med" len="med"/>
+                    </a:lnB>
+                  </a:tcPr>
+                </a:tc>
+                <a:tc>
+                  <a:txBody>
+                    <a:bodyPr/>
+                    <a:lstStyle/>
+                    <a:p>
+                      <a:pPr marL="0" algn="ctr" defTabSz="514350" rtl="0" eaLnBrk="1" latinLnBrk="0" hangingPunct="1"/>
+                      <a:r>
+                        <a:rPr lang="it-IT" sz="1800" kern="1200" dirty="0">
+                          <a:solidFill>
+                            <a:schemeClr val="bg1"/>
+                          </a:solidFill>
+                          <a:latin typeface="+mn-lt"/>
+                          <a:ea typeface="+mn-ea"/>
+                          <a:cs typeface="+mn-cs"/>
+                        </a:rPr>
+                        <a:t>-</a:t>
+                      </a:r>
+                    </a:p>
+                  </a:txBody>
+                  <a:tcPr anchor="ctr">
+                    <a:lnL w="3175" cap="flat" cmpd="sng" algn="ctr">
+                      <a:solidFill>
+                        <a:srgbClr val="CCD351"/>
+                      </a:solidFill>
+                      <a:prstDash val="solid"/>
+                      <a:round/>
+                      <a:headEnd type="none" w="med" len="med"/>
+                      <a:tailEnd type="none" w="med" len="med"/>
+                    </a:lnL>
+                    <a:lnR w="3175" cap="flat" cmpd="sng" algn="ctr">
+                      <a:solidFill>
+                        <a:srgbClr val="CCD351"/>
+                      </a:solidFill>
+                      <a:prstDash val="solid"/>
+                      <a:round/>
+                      <a:headEnd type="none" w="med" len="med"/>
+                      <a:tailEnd type="none" w="med" len="med"/>
+                    </a:lnR>
+                    <a:lnT w="3175" cap="flat" cmpd="sng" algn="ctr">
+                      <a:solidFill>
+                        <a:srgbClr val="CCD351"/>
+                      </a:solidFill>
+                      <a:prstDash val="solid"/>
+                      <a:round/>
+                      <a:headEnd type="none" w="med" len="med"/>
+                      <a:tailEnd type="none" w="med" len="med"/>
+                    </a:lnT>
+                    <a:lnB w="3175" cap="flat" cmpd="sng" algn="ctr">
+                      <a:solidFill>
+                        <a:srgbClr val="CCD351"/>
+                      </a:solidFill>
+                      <a:prstDash val="solid"/>
+                      <a:round/>
+                      <a:headEnd type="none" w="med" len="med"/>
+                      <a:tailEnd type="none" w="med" len="med"/>
+                    </a:lnB>
+                  </a:tcPr>
+                </a:tc>
+                <a:tc>
+                  <a:txBody>
+                    <a:bodyPr/>
+                    <a:lstStyle/>
+                    <a:p>
+                      <a:pPr marL="0" algn="ctr" defTabSz="514350" rtl="0" eaLnBrk="1" latinLnBrk="0" hangingPunct="1"/>
+                      <a:r>
+                        <a:rPr lang="it-IT" sz="1800" kern="1200" dirty="0">
+                          <a:solidFill>
+                            <a:schemeClr val="bg1"/>
+                          </a:solidFill>
+                          <a:latin typeface="+mn-lt"/>
+                          <a:ea typeface="+mn-ea"/>
+                          <a:cs typeface="+mn-cs"/>
+                        </a:rPr>
+                        <a:t>-</a:t>
+                      </a:r>
+                    </a:p>
+                  </a:txBody>
+                  <a:tcPr anchor="ctr">
+                    <a:lnL w="3175" cap="flat" cmpd="sng" algn="ctr">
+                      <a:solidFill>
+                        <a:srgbClr val="CCD351"/>
+                      </a:solidFill>
+                      <a:prstDash val="solid"/>
+                      <a:round/>
+                      <a:headEnd type="none" w="med" len="med"/>
+                      <a:tailEnd type="none" w="med" len="med"/>
+                    </a:lnL>
+                    <a:lnR w="3175" cap="flat" cmpd="sng" algn="ctr">
+                      <a:solidFill>
+                        <a:srgbClr val="CCD351"/>
+                      </a:solidFill>
+                      <a:prstDash val="solid"/>
+                      <a:round/>
+                      <a:headEnd type="none" w="med" len="med"/>
+                      <a:tailEnd type="none" w="med" len="med"/>
+                    </a:lnR>
+                    <a:lnT w="3175" cap="flat" cmpd="sng" algn="ctr">
+                      <a:solidFill>
+                        <a:srgbClr val="CCD351"/>
+                      </a:solidFill>
+                      <a:prstDash val="solid"/>
+                      <a:round/>
+                      <a:headEnd type="none" w="med" len="med"/>
+                      <a:tailEnd type="none" w="med" len="med"/>
+                    </a:lnT>
+                    <a:lnB w="3175" cap="flat" cmpd="sng" algn="ctr">
+                      <a:solidFill>
+                        <a:srgbClr val="CCD351"/>
+                      </a:solidFill>
+                      <a:prstDash val="solid"/>
+                      <a:round/>
+                      <a:headEnd type="none" w="med" len="med"/>
+                      <a:tailEnd type="none" w="med" len="med"/>
+                    </a:lnB>
+                  </a:tcPr>
+                </a:tc>
+                <a:extLst>
+                  <a:ext uri="{0D108BD9-81ED-4DB2-BD59-A6C34878D82A}">
+                    <a16:rowId xmlns:a16="http://schemas.microsoft.com/office/drawing/2014/main" val="10006"/>
+                  </a:ext>
+                </a:extLst>
+              </a:tr>
+              <a:tr h="370840">
+                <a:tc>
+                  <a:txBody>
+                    <a:bodyPr/>
+                    <a:lstStyle/>
+                    <a:p>
+                      <a:pPr algn="l"/>
+                      <a:r>
+                        <a:rPr lang="it-IT" sz="1800" dirty="0">
+                          <a:solidFill>
+                            <a:schemeClr val="bg1"/>
+                          </a:solidFill>
+                        </a:rPr>
+                        <a:t>Verificatore</a:t>
+                      </a:r>
+                    </a:p>
+                  </a:txBody>
+                  <a:tcPr anchor="ctr">
+                    <a:lnL w="3175" cap="flat" cmpd="sng" algn="ctr">
+                      <a:solidFill>
+                        <a:srgbClr val="CCD351"/>
+                      </a:solidFill>
+                      <a:prstDash val="solid"/>
+                      <a:round/>
+                      <a:headEnd type="none" w="med" len="med"/>
+                      <a:tailEnd type="none" w="med" len="med"/>
+                    </a:lnL>
+                    <a:lnR w="3175" cap="flat" cmpd="sng" algn="ctr">
+                      <a:solidFill>
+                        <a:srgbClr val="CCD351"/>
+                      </a:solidFill>
+                      <a:prstDash val="solid"/>
+                      <a:round/>
+                      <a:headEnd type="none" w="med" len="med"/>
+                      <a:tailEnd type="none" w="med" len="med"/>
+                    </a:lnR>
+                    <a:lnT w="3175" cap="flat" cmpd="sng" algn="ctr">
+                      <a:solidFill>
+                        <a:srgbClr val="CCD351"/>
+                      </a:solidFill>
+                      <a:prstDash val="solid"/>
+                      <a:round/>
+                      <a:headEnd type="none" w="med" len="med"/>
+                      <a:tailEnd type="none" w="med" len="med"/>
+                    </a:lnT>
+                    <a:lnB w="3175" cap="flat" cmpd="sng" algn="ctr">
+                      <a:solidFill>
+                        <a:srgbClr val="CCD351"/>
+                      </a:solidFill>
+                      <a:prstDash val="solid"/>
+                      <a:round/>
+                      <a:headEnd type="none" w="med" len="med"/>
+                      <a:tailEnd type="none" w="med" len="med"/>
+                    </a:lnB>
+                  </a:tcPr>
+                </a:tc>
+                <a:tc>
+                  <a:txBody>
+                    <a:bodyPr/>
+                    <a:lstStyle/>
+                    <a:p>
+                      <a:pPr algn="ctr"/>
+                      <a:r>
+                        <a:rPr lang="it-IT" sz="1800" dirty="0">
+                          <a:solidFill>
+                            <a:schemeClr val="bg1"/>
+                          </a:solidFill>
+                        </a:rPr>
+                        <a:t>15</a:t>
+                      </a:r>
+                    </a:p>
+                  </a:txBody>
+                  <a:tcPr anchor="ctr">
+                    <a:lnL w="3175" cap="flat" cmpd="sng" algn="ctr">
+                      <a:solidFill>
+                        <a:srgbClr val="CCD351"/>
+                      </a:solidFill>
+                      <a:prstDash val="solid"/>
+                      <a:round/>
+                      <a:headEnd type="none" w="med" len="med"/>
+                      <a:tailEnd type="none" w="med" len="med"/>
+                    </a:lnL>
+                    <a:lnR w="3175" cap="flat" cmpd="sng" algn="ctr">
+                      <a:solidFill>
+                        <a:srgbClr val="CCD351"/>
+                      </a:solidFill>
+                      <a:prstDash val="solid"/>
+                      <a:round/>
+                      <a:headEnd type="none" w="med" len="med"/>
+                      <a:tailEnd type="none" w="med" len="med"/>
+                    </a:lnR>
+                    <a:lnT w="3175" cap="flat" cmpd="sng" algn="ctr">
+                      <a:solidFill>
+                        <a:srgbClr val="CCD351"/>
+                      </a:solidFill>
+                      <a:prstDash val="solid"/>
+                      <a:round/>
+                      <a:headEnd type="none" w="med" len="med"/>
+                      <a:tailEnd type="none" w="med" len="med"/>
+                    </a:lnT>
+                    <a:lnB w="3175" cap="flat" cmpd="sng" algn="ctr">
+                      <a:solidFill>
+                        <a:srgbClr val="CCD351"/>
+                      </a:solidFill>
+                      <a:prstDash val="solid"/>
+                      <a:round/>
+                      <a:headEnd type="none" w="med" len="med"/>
+                      <a:tailEnd type="none" w="med" len="med"/>
+                    </a:lnB>
+                  </a:tcPr>
+                </a:tc>
+                <a:tc>
+                  <a:txBody>
+                    <a:bodyPr/>
+                    <a:lstStyle/>
+                    <a:p>
+                      <a:pPr algn="ctr"/>
+                      <a:r>
+                        <a:rPr lang="it-IT" sz="1800" dirty="0">
+                          <a:solidFill>
+                            <a:schemeClr val="bg1"/>
+                          </a:solidFill>
+                        </a:rPr>
+                        <a:t>15</a:t>
+                      </a:r>
+                    </a:p>
+                  </a:txBody>
+                  <a:tcPr anchor="ctr">
+                    <a:lnL w="3175" cap="flat" cmpd="sng" algn="ctr">
+                      <a:solidFill>
+                        <a:srgbClr val="CCD351"/>
+                      </a:solidFill>
+                      <a:prstDash val="solid"/>
+                      <a:round/>
+                      <a:headEnd type="none" w="med" len="med"/>
+                      <a:tailEnd type="none" w="med" len="med"/>
+                    </a:lnL>
+                    <a:lnR w="3175" cap="flat" cmpd="sng" algn="ctr">
+                      <a:solidFill>
+                        <a:srgbClr val="CCD351"/>
+                      </a:solidFill>
+                      <a:prstDash val="solid"/>
+                      <a:round/>
+                      <a:headEnd type="none" w="med" len="med"/>
+                      <a:tailEnd type="none" w="med" len="med"/>
+                    </a:lnR>
+                    <a:lnT w="3175" cap="flat" cmpd="sng" algn="ctr">
+                      <a:solidFill>
+                        <a:srgbClr val="CCD351"/>
+                      </a:solidFill>
+                      <a:prstDash val="solid"/>
+                      <a:round/>
+                      <a:headEnd type="none" w="med" len="med"/>
+                      <a:tailEnd type="none" w="med" len="med"/>
+                    </a:lnT>
+                    <a:lnB w="3175" cap="flat" cmpd="sng" algn="ctr">
+                      <a:solidFill>
+                        <a:srgbClr val="CCD351"/>
+                      </a:solidFill>
+                      <a:prstDash val="solid"/>
+                      <a:round/>
+                      <a:headEnd type="none" w="med" len="med"/>
+                      <a:tailEnd type="none" w="med" len="med"/>
+                    </a:lnB>
+                  </a:tcPr>
+                </a:tc>
+                <a:tc>
+                  <a:txBody>
+                    <a:bodyPr/>
+                    <a:lstStyle/>
+                    <a:p>
+                      <a:pPr marL="0" algn="ctr" defTabSz="514350" rtl="0" eaLnBrk="1" latinLnBrk="0" hangingPunct="1"/>
+                      <a:r>
+                        <a:rPr lang="it-IT" sz="1800" kern="1200" dirty="0">
+                          <a:solidFill>
+                            <a:schemeClr val="bg1"/>
+                          </a:solidFill>
+                          <a:latin typeface="+mn-lt"/>
+                          <a:ea typeface="+mn-ea"/>
+                          <a:cs typeface="+mn-cs"/>
+                        </a:rPr>
+                        <a:t>250,00</a:t>
+                      </a:r>
+                    </a:p>
+                  </a:txBody>
+                  <a:tcPr anchor="ctr">
+                    <a:lnL w="3175" cap="flat" cmpd="sng" algn="ctr">
+                      <a:solidFill>
+                        <a:srgbClr val="CCD351"/>
+                      </a:solidFill>
+                      <a:prstDash val="solid"/>
+                      <a:round/>
+                      <a:headEnd type="none" w="med" len="med"/>
+                      <a:tailEnd type="none" w="med" len="med"/>
+                    </a:lnL>
+                    <a:lnR w="3175" cap="flat" cmpd="sng" algn="ctr">
+                      <a:solidFill>
+                        <a:srgbClr val="CCD351"/>
+                      </a:solidFill>
+                      <a:prstDash val="solid"/>
+                      <a:round/>
+                      <a:headEnd type="none" w="med" len="med"/>
+                      <a:tailEnd type="none" w="med" len="med"/>
+                    </a:lnR>
+                    <a:lnT w="3175" cap="flat" cmpd="sng" algn="ctr">
+                      <a:solidFill>
+                        <a:srgbClr val="CCD351"/>
+                      </a:solidFill>
+                      <a:prstDash val="solid"/>
+                      <a:round/>
+                      <a:headEnd type="none" w="med" len="med"/>
+                      <a:tailEnd type="none" w="med" len="med"/>
+                    </a:lnT>
+                    <a:lnB w="3175" cap="flat" cmpd="sng" algn="ctr">
+                      <a:solidFill>
+                        <a:srgbClr val="CCD351"/>
+                      </a:solidFill>
+                      <a:prstDash val="solid"/>
+                      <a:round/>
+                      <a:headEnd type="none" w="med" len="med"/>
+                      <a:tailEnd type="none" w="med" len="med"/>
+                    </a:lnB>
+                  </a:tcPr>
+                </a:tc>
+                <a:tc>
+                  <a:txBody>
+                    <a:bodyPr/>
+                    <a:lstStyle/>
+                    <a:p>
+                      <a:pPr marL="0" algn="ctr" defTabSz="514350" rtl="0" eaLnBrk="1" latinLnBrk="0" hangingPunct="1"/>
+                      <a:r>
+                        <a:rPr lang="it-IT" sz="1800" kern="1200" dirty="0">
+                          <a:solidFill>
+                            <a:schemeClr val="bg1"/>
+                          </a:solidFill>
+                          <a:latin typeface="+mn-lt"/>
+                          <a:ea typeface="+mn-ea"/>
+                          <a:cs typeface="+mn-cs"/>
+                        </a:rPr>
+                        <a:t>225,00</a:t>
+                      </a:r>
+                    </a:p>
+                  </a:txBody>
+                  <a:tcPr anchor="ctr">
+                    <a:lnL w="3175" cap="flat" cmpd="sng" algn="ctr">
+                      <a:solidFill>
+                        <a:srgbClr val="CCD351"/>
+                      </a:solidFill>
+                      <a:prstDash val="solid"/>
+                      <a:round/>
+                      <a:headEnd type="none" w="med" len="med"/>
+                      <a:tailEnd type="none" w="med" len="med"/>
+                    </a:lnL>
+                    <a:lnR w="3175" cap="flat" cmpd="sng" algn="ctr">
+                      <a:solidFill>
+                        <a:srgbClr val="CCD351"/>
+                      </a:solidFill>
+                      <a:prstDash val="solid"/>
+                      <a:round/>
+                      <a:headEnd type="none" w="med" len="med"/>
+                      <a:tailEnd type="none" w="med" len="med"/>
+                    </a:lnR>
+                    <a:lnT w="3175" cap="flat" cmpd="sng" algn="ctr">
+                      <a:solidFill>
+                        <a:srgbClr val="CCD351"/>
+                      </a:solidFill>
+                      <a:prstDash val="solid"/>
+                      <a:round/>
+                      <a:headEnd type="none" w="med" len="med"/>
+                      <a:tailEnd type="none" w="med" len="med"/>
+                    </a:lnT>
+                    <a:lnB w="3175" cap="flat" cmpd="sng" algn="ctr">
+                      <a:solidFill>
+                        <a:srgbClr val="CCD351"/>
+                      </a:solidFill>
+                      <a:prstDash val="solid"/>
+                      <a:round/>
+                      <a:headEnd type="none" w="med" len="med"/>
+                      <a:tailEnd type="none" w="med" len="med"/>
+                    </a:lnB>
+                  </a:tcPr>
+                </a:tc>
+                <a:extLst>
+                  <a:ext uri="{0D108BD9-81ED-4DB2-BD59-A6C34878D82A}">
+                    <a16:rowId xmlns:a16="http://schemas.microsoft.com/office/drawing/2014/main" val="10007"/>
+                  </a:ext>
+                </a:extLst>
+              </a:tr>
+              <a:tr h="370840">
+                <a:tc>
+                  <a:txBody>
+                    <a:bodyPr/>
+                    <a:lstStyle/>
+                    <a:p>
+                      <a:pPr algn="l"/>
+                      <a:r>
+                        <a:rPr lang="it-IT" sz="1800" b="1" dirty="0">
+                          <a:solidFill>
+                            <a:schemeClr val="bg1"/>
+                          </a:solidFill>
+                        </a:rPr>
+                        <a:t>Totale</a:t>
+                      </a:r>
+                    </a:p>
+                  </a:txBody>
+                  <a:tcPr anchor="ctr">
+                    <a:lnL w="3175" cap="flat" cmpd="sng" algn="ctr">
+                      <a:solidFill>
+                        <a:srgbClr val="CCD351"/>
+                      </a:solidFill>
+                      <a:prstDash val="solid"/>
+                      <a:round/>
+                      <a:headEnd type="none" w="med" len="med"/>
+                      <a:tailEnd type="none" w="med" len="med"/>
+                    </a:lnL>
+                    <a:lnR w="3175" cap="flat" cmpd="sng" algn="ctr">
+                      <a:solidFill>
+                        <a:srgbClr val="CCD351"/>
+                      </a:solidFill>
+                      <a:prstDash val="solid"/>
+                      <a:round/>
+                      <a:headEnd type="none" w="med" len="med"/>
+                      <a:tailEnd type="none" w="med" len="med"/>
+                    </a:lnR>
+                    <a:lnT w="3175" cap="flat" cmpd="sng" algn="ctr">
+                      <a:solidFill>
+                        <a:srgbClr val="CCD351"/>
+                      </a:solidFill>
+                      <a:prstDash val="solid"/>
+                      <a:round/>
+                      <a:headEnd type="none" w="med" len="med"/>
+                      <a:tailEnd type="none" w="med" len="med"/>
+                    </a:lnT>
+                    <a:lnB w="3175" cap="flat" cmpd="sng" algn="ctr">
+                      <a:solidFill>
+                        <a:srgbClr val="CCD351"/>
+                      </a:solidFill>
+                      <a:prstDash val="solid"/>
+                      <a:round/>
+                      <a:headEnd type="none" w="med" len="med"/>
+                      <a:tailEnd type="none" w="med" len="med"/>
+                    </a:lnB>
+                    <a:solidFill>
+                      <a:srgbClr val="CCD351">
+                        <a:alpha val="15000"/>
+                      </a:srgbClr>
+                    </a:solidFill>
+                  </a:tcPr>
+                </a:tc>
+                <a:tc>
+                  <a:txBody>
+                    <a:bodyPr/>
+                    <a:lstStyle/>
+                    <a:p>
+                      <a:pPr algn="ctr"/>
+                      <a:r>
+                        <a:rPr lang="it-IT" sz="1800" b="1" dirty="0">
+                          <a:solidFill>
+                            <a:schemeClr val="bg1"/>
+                          </a:solidFill>
+                        </a:rPr>
+                        <a:t>47</a:t>
+                      </a:r>
+                    </a:p>
+                  </a:txBody>
+                  <a:tcPr anchor="ctr">
+                    <a:lnL w="3175" cap="flat" cmpd="sng" algn="ctr">
+                      <a:solidFill>
+                        <a:srgbClr val="CCD351"/>
+                      </a:solidFill>
+                      <a:prstDash val="solid"/>
+                      <a:round/>
+                      <a:headEnd type="none" w="med" len="med"/>
+                      <a:tailEnd type="none" w="med" len="med"/>
+                    </a:lnL>
+                    <a:lnR w="3175" cap="flat" cmpd="sng" algn="ctr">
+                      <a:solidFill>
+                        <a:srgbClr val="CCD351"/>
+                      </a:solidFill>
+                      <a:prstDash val="solid"/>
+                      <a:round/>
+                      <a:headEnd type="none" w="med" len="med"/>
+                      <a:tailEnd type="none" w="med" len="med"/>
+                    </a:lnR>
+                    <a:lnT w="3175" cap="flat" cmpd="sng" algn="ctr">
+                      <a:solidFill>
+                        <a:srgbClr val="CCD351"/>
+                      </a:solidFill>
+                      <a:prstDash val="solid"/>
+                      <a:round/>
+                      <a:headEnd type="none" w="med" len="med"/>
+                      <a:tailEnd type="none" w="med" len="med"/>
+                    </a:lnT>
+                    <a:lnB w="3175" cap="flat" cmpd="sng" algn="ctr">
+                      <a:solidFill>
+                        <a:srgbClr val="CCD351"/>
+                      </a:solidFill>
+                      <a:prstDash val="solid"/>
+                      <a:round/>
+                      <a:headEnd type="none" w="med" len="med"/>
+                      <a:tailEnd type="none" w="med" len="med"/>
+                    </a:lnB>
+                    <a:solidFill>
+                      <a:srgbClr val="CCD351">
+                        <a:alpha val="15000"/>
+                      </a:srgbClr>
+                    </a:solidFill>
+                  </a:tcPr>
+                </a:tc>
+                <a:tc>
+                  <a:txBody>
+                    <a:bodyPr/>
+                    <a:lstStyle/>
+                    <a:p>
+                      <a:pPr algn="ctr"/>
+                      <a:r>
+                        <a:rPr lang="it-IT" sz="1800" b="1" dirty="0">
+                          <a:solidFill>
+                            <a:schemeClr val="bg1"/>
+                          </a:solidFill>
+                        </a:rPr>
+                        <a:t>47</a:t>
+                      </a:r>
+                    </a:p>
+                  </a:txBody>
+                  <a:tcPr anchor="ctr">
+                    <a:lnL w="3175" cap="flat" cmpd="sng" algn="ctr">
+                      <a:solidFill>
+                        <a:srgbClr val="CCD351"/>
+                      </a:solidFill>
+                      <a:prstDash val="solid"/>
+                      <a:round/>
+                      <a:headEnd type="none" w="med" len="med"/>
+                      <a:tailEnd type="none" w="med" len="med"/>
+                    </a:lnL>
+                    <a:lnR w="3175" cap="flat" cmpd="sng" algn="ctr">
+                      <a:solidFill>
+                        <a:srgbClr val="CCD351"/>
+                      </a:solidFill>
+                      <a:prstDash val="solid"/>
+                      <a:round/>
+                      <a:headEnd type="none" w="med" len="med"/>
+                      <a:tailEnd type="none" w="med" len="med"/>
+                    </a:lnR>
+                    <a:lnT w="3175" cap="flat" cmpd="sng" algn="ctr">
+                      <a:solidFill>
+                        <a:srgbClr val="CCD351"/>
+                      </a:solidFill>
+                      <a:prstDash val="solid"/>
+                      <a:round/>
+                      <a:headEnd type="none" w="med" len="med"/>
+                      <a:tailEnd type="none" w="med" len="med"/>
+                    </a:lnT>
+                    <a:lnB w="3175" cap="flat" cmpd="sng" algn="ctr">
+                      <a:solidFill>
+                        <a:srgbClr val="CCD351"/>
+                      </a:solidFill>
+                      <a:prstDash val="solid"/>
+                      <a:round/>
+                      <a:headEnd type="none" w="med" len="med"/>
+                      <a:tailEnd type="none" w="med" len="med"/>
+                    </a:lnB>
+                    <a:solidFill>
+                      <a:srgbClr val="CCD351">
+                        <a:alpha val="15000"/>
+                      </a:srgbClr>
+                    </a:solidFill>
+                  </a:tcPr>
+                </a:tc>
+                <a:tc>
+                  <a:txBody>
+                    <a:bodyPr/>
+                    <a:lstStyle/>
+                    <a:p>
+                      <a:pPr marL="0" algn="ctr" defTabSz="514350" rtl="0" eaLnBrk="1" latinLnBrk="0" hangingPunct="1"/>
+                      <a:r>
+                        <a:rPr lang="it-IT" sz="1800" b="1" kern="1200" dirty="0">
+                          <a:solidFill>
+                            <a:schemeClr val="bg1"/>
+                          </a:solidFill>
+                          <a:latin typeface="+mn-lt"/>
+                          <a:ea typeface="+mn-ea"/>
+                          <a:cs typeface="+mn-cs"/>
+                        </a:rPr>
+                        <a:t>1010,00</a:t>
+                      </a:r>
+                    </a:p>
+                  </a:txBody>
+                  <a:tcPr anchor="ctr">
+                    <a:lnL w="3175" cap="flat" cmpd="sng" algn="ctr">
+                      <a:solidFill>
+                        <a:srgbClr val="CCD351"/>
+                      </a:solidFill>
+                      <a:prstDash val="solid"/>
+                      <a:round/>
+                      <a:headEnd type="none" w="med" len="med"/>
+                      <a:tailEnd type="none" w="med" len="med"/>
+                    </a:lnL>
+                    <a:lnR w="3175" cap="flat" cmpd="sng" algn="ctr">
+                      <a:solidFill>
+                        <a:srgbClr val="CCD351"/>
+                      </a:solidFill>
+                      <a:prstDash val="solid"/>
+                      <a:round/>
+                      <a:headEnd type="none" w="med" len="med"/>
+                      <a:tailEnd type="none" w="med" len="med"/>
+                    </a:lnR>
+                    <a:lnT w="3175" cap="flat" cmpd="sng" algn="ctr">
+                      <a:solidFill>
+                        <a:srgbClr val="CCD351"/>
+                      </a:solidFill>
+                      <a:prstDash val="solid"/>
+                      <a:round/>
+                      <a:headEnd type="none" w="med" len="med"/>
+                      <a:tailEnd type="none" w="med" len="med"/>
+                    </a:lnT>
+                    <a:lnB w="3175" cap="flat" cmpd="sng" algn="ctr">
+                      <a:solidFill>
+                        <a:srgbClr val="CCD351"/>
+                      </a:solidFill>
+                      <a:prstDash val="solid"/>
+                      <a:round/>
+                      <a:headEnd type="none" w="med" len="med"/>
+                      <a:tailEnd type="none" w="med" len="med"/>
+                    </a:lnB>
+                    <a:solidFill>
+                      <a:srgbClr val="CCD351">
+                        <a:alpha val="15000"/>
+                      </a:srgbClr>
+                    </a:solidFill>
+                  </a:tcPr>
+                </a:tc>
+                <a:tc>
+                  <a:txBody>
+                    <a:bodyPr/>
+                    <a:lstStyle/>
+                    <a:p>
+                      <a:pPr marL="0" algn="ctr" defTabSz="514350" rtl="0" eaLnBrk="1" latinLnBrk="0" hangingPunct="1"/>
+                      <a:r>
+                        <a:rPr lang="it-IT" sz="1800" b="1" kern="1200" dirty="0">
+                          <a:solidFill>
+                            <a:schemeClr val="bg1"/>
+                          </a:solidFill>
+                          <a:latin typeface="+mn-lt"/>
+                          <a:ea typeface="+mn-ea"/>
+                          <a:cs typeface="+mn-cs"/>
+                        </a:rPr>
+                        <a:t>1010,00</a:t>
+                      </a:r>
+                    </a:p>
+                  </a:txBody>
+                  <a:tcPr anchor="ctr">
+                    <a:lnL w="3175" cap="flat" cmpd="sng" algn="ctr">
+                      <a:solidFill>
+                        <a:srgbClr val="CCD351"/>
+                      </a:solidFill>
+                      <a:prstDash val="solid"/>
+                      <a:round/>
+                      <a:headEnd type="none" w="med" len="med"/>
+                      <a:tailEnd type="none" w="med" len="med"/>
+                    </a:lnL>
+                    <a:lnR w="3175" cap="flat" cmpd="sng" algn="ctr">
+                      <a:solidFill>
+                        <a:srgbClr val="CCD351"/>
+                      </a:solidFill>
+                      <a:prstDash val="solid"/>
+                      <a:round/>
+                      <a:headEnd type="none" w="med" len="med"/>
+                      <a:tailEnd type="none" w="med" len="med"/>
+                    </a:lnR>
+                    <a:lnT w="3175" cap="flat" cmpd="sng" algn="ctr">
+                      <a:solidFill>
+                        <a:srgbClr val="CCD351"/>
+                      </a:solidFill>
+                      <a:prstDash val="solid"/>
+                      <a:round/>
+                      <a:headEnd type="none" w="med" len="med"/>
+                      <a:tailEnd type="none" w="med" len="med"/>
+                    </a:lnT>
+                    <a:lnB w="3175" cap="flat" cmpd="sng" algn="ctr">
+                      <a:solidFill>
+                        <a:srgbClr val="CCD351"/>
+                      </a:solidFill>
+                      <a:prstDash val="solid"/>
+                      <a:round/>
+                      <a:headEnd type="none" w="med" len="med"/>
+                      <a:tailEnd type="none" w="med" len="med"/>
+                    </a:lnB>
+                    <a:solidFill>
+                      <a:srgbClr val="CCD351">
+                        <a:alpha val="15000"/>
+                      </a:srgbClr>
+                    </a:solidFill>
+                  </a:tcPr>
+                </a:tc>
+                <a:extLst>
+                  <a:ext uri="{0D108BD9-81ED-4DB2-BD59-A6C34878D82A}">
+                    <a16:rowId xmlns:a16="http://schemas.microsoft.com/office/drawing/2014/main" val="10008"/>
+                  </a:ext>
+                </a:extLst>
+              </a:tr>
+              <a:tr h="370840">
+                <a:tc>
+                  <a:txBody>
+                    <a:bodyPr/>
+                    <a:lstStyle/>
+                    <a:p>
+                      <a:pPr algn="l"/>
+                      <a:r>
+                        <a:rPr lang="it-IT" sz="1800" b="1" dirty="0">
+                          <a:solidFill>
+                            <a:schemeClr val="bg1"/>
+                          </a:solidFill>
+                        </a:rPr>
+                        <a:t>Differenza</a:t>
+                      </a:r>
+                    </a:p>
+                  </a:txBody>
+                  <a:tcPr anchor="ctr">
+                    <a:lnL w="3175" cap="flat" cmpd="sng" algn="ctr">
+                      <a:solidFill>
+                        <a:srgbClr val="CCD351"/>
+                      </a:solidFill>
+                      <a:prstDash val="solid"/>
+                      <a:round/>
+                      <a:headEnd type="none" w="med" len="med"/>
+                      <a:tailEnd type="none" w="med" len="med"/>
+                    </a:lnL>
+                    <a:lnR w="3175" cap="flat" cmpd="sng" algn="ctr">
+                      <a:solidFill>
+                        <a:srgbClr val="CCD351"/>
+                      </a:solidFill>
+                      <a:prstDash val="solid"/>
+                      <a:round/>
+                      <a:headEnd type="none" w="med" len="med"/>
+                      <a:tailEnd type="none" w="med" len="med"/>
+                    </a:lnR>
+                    <a:lnT w="3175" cap="flat" cmpd="sng" algn="ctr">
+                      <a:solidFill>
+                        <a:srgbClr val="CCD351"/>
+                      </a:solidFill>
+                      <a:prstDash val="solid"/>
+                      <a:round/>
+                      <a:headEnd type="none" w="med" len="med"/>
+                      <a:tailEnd type="none" w="med" len="med"/>
+                    </a:lnT>
+                    <a:lnB w="3175" cap="flat" cmpd="sng" algn="ctr">
+                      <a:solidFill>
+                        <a:srgbClr val="CCD351"/>
+                      </a:solidFill>
+                      <a:prstDash val="solid"/>
+                      <a:round/>
+                      <a:headEnd type="none" w="med" len="med"/>
+                      <a:tailEnd type="none" w="med" len="med"/>
+                    </a:lnB>
+                    <a:solidFill>
+                      <a:srgbClr val="CCD351">
+                        <a:alpha val="15000"/>
+                      </a:srgbClr>
+                    </a:solidFill>
+                  </a:tcPr>
+                </a:tc>
+                <a:tc gridSpan="2">
+                  <a:txBody>
+                    <a:bodyPr/>
+                    <a:lstStyle/>
+                    <a:p>
+                      <a:pPr algn="ctr"/>
+                      <a:r>
+                        <a:rPr lang="it-IT" sz="1800" b="1" dirty="0">
+                          <a:solidFill>
+                            <a:schemeClr val="bg1"/>
+                          </a:solidFill>
+                        </a:rPr>
+                        <a:t>0 ore</a:t>
+                      </a:r>
+                    </a:p>
+                  </a:txBody>
+                  <a:tcPr anchor="ctr">
+                    <a:lnL w="3175" cap="flat" cmpd="sng" algn="ctr">
+                      <a:solidFill>
+                        <a:srgbClr val="CCD351"/>
+                      </a:solidFill>
+                      <a:prstDash val="solid"/>
+                      <a:round/>
+                      <a:headEnd type="none" w="med" len="med"/>
+                      <a:tailEnd type="none" w="med" len="med"/>
+                    </a:lnL>
+                    <a:lnR w="3175" cap="flat" cmpd="sng" algn="ctr">
+                      <a:solidFill>
+                        <a:srgbClr val="CCD351"/>
+                      </a:solidFill>
+                      <a:prstDash val="solid"/>
+                      <a:round/>
+                      <a:headEnd type="none" w="med" len="med"/>
+                      <a:tailEnd type="none" w="med" len="med"/>
+                    </a:lnR>
+                    <a:lnT w="3175" cap="flat" cmpd="sng" algn="ctr">
+                      <a:solidFill>
+                        <a:srgbClr val="CCD351"/>
+                      </a:solidFill>
+                      <a:prstDash val="solid"/>
+                      <a:round/>
+                      <a:headEnd type="none" w="med" len="med"/>
+                      <a:tailEnd type="none" w="med" len="med"/>
+                    </a:lnT>
+                    <a:lnB w="3175" cap="flat" cmpd="sng" algn="ctr">
+                      <a:solidFill>
+                        <a:srgbClr val="CCD351"/>
+                      </a:solidFill>
+                      <a:prstDash val="solid"/>
+                      <a:round/>
+                      <a:headEnd type="none" w="med" len="med"/>
+                      <a:tailEnd type="none" w="med" len="med"/>
+                    </a:lnB>
+                    <a:solidFill>
+                      <a:srgbClr val="CCD351">
+                        <a:alpha val="15000"/>
+                      </a:srgbClr>
+                    </a:solidFill>
+                  </a:tcPr>
+                </a:tc>
+                <a:tc hMerge="1">
+                  <a:txBody>
+                    <a:bodyPr/>
+                    <a:lstStyle/>
+                    <a:p>
+                      <a:pPr algn="l"/>
+                      <a:endParaRPr lang="it-IT" sz="1800" b="1" dirty="0">
+                        <a:solidFill>
+                          <a:schemeClr val="bg1"/>
+                        </a:solidFill>
+                      </a:endParaRPr>
+                    </a:p>
+                  </a:txBody>
+                  <a:tcPr anchor="ctr">
+                    <a:lnL w="3175" cap="flat" cmpd="sng" algn="ctr">
+                      <a:solidFill>
+                        <a:srgbClr val="CCD351"/>
+                      </a:solidFill>
+                      <a:prstDash val="solid"/>
+                      <a:round/>
+                      <a:headEnd type="none" w="med" len="med"/>
+                      <a:tailEnd type="none" w="med" len="med"/>
+                    </a:lnL>
+                    <a:lnR w="3175" cap="flat" cmpd="sng" algn="ctr">
+                      <a:solidFill>
+                        <a:srgbClr val="CCD351"/>
+                      </a:solidFill>
+                      <a:prstDash val="solid"/>
+                      <a:round/>
+                      <a:headEnd type="none" w="med" len="med"/>
+                      <a:tailEnd type="none" w="med" len="med"/>
+                    </a:lnR>
+                    <a:lnT w="3175" cap="flat" cmpd="sng" algn="ctr">
+                      <a:solidFill>
+                        <a:srgbClr val="CCD351"/>
+                      </a:solidFill>
+                      <a:prstDash val="solid"/>
+                      <a:round/>
+                      <a:headEnd type="none" w="med" len="med"/>
+                      <a:tailEnd type="none" w="med" len="med"/>
+                    </a:lnT>
+                    <a:lnB w="3175" cap="flat" cmpd="sng" algn="ctr">
+                      <a:solidFill>
+                        <a:srgbClr val="CCD351"/>
+                      </a:solidFill>
+                      <a:prstDash val="solid"/>
+                      <a:round/>
+                      <a:headEnd type="none" w="med" len="med"/>
+                      <a:tailEnd type="none" w="med" len="med"/>
+                    </a:lnB>
+                  </a:tcPr>
+                </a:tc>
+                <a:tc gridSpan="2">
+                  <a:txBody>
+                    <a:bodyPr/>
+                    <a:lstStyle/>
+                    <a:p>
+                      <a:pPr marL="0" algn="ctr" defTabSz="514350" rtl="0" eaLnBrk="1" latinLnBrk="0" hangingPunct="1"/>
+                      <a:r>
+                        <a:rPr lang="it-IT" sz="1800" b="1" kern="1200" dirty="0">
+                          <a:solidFill>
+                            <a:schemeClr val="bg1"/>
+                          </a:solidFill>
+                          <a:latin typeface="+mn-lt"/>
+                          <a:ea typeface="+mn-ea"/>
+                          <a:cs typeface="+mn-cs"/>
+                        </a:rPr>
+                        <a:t>0,00 euro</a:t>
+                      </a:r>
+                    </a:p>
+                  </a:txBody>
+                  <a:tcPr>
+                    <a:lnL w="3175" cap="flat" cmpd="sng" algn="ctr">
+                      <a:solidFill>
+                        <a:srgbClr val="CCD351"/>
+                      </a:solidFill>
+                      <a:prstDash val="solid"/>
+                      <a:round/>
+                      <a:headEnd type="none" w="med" len="med"/>
+                      <a:tailEnd type="none" w="med" len="med"/>
+                    </a:lnL>
+                    <a:lnR w="3175" cap="flat" cmpd="sng" algn="ctr">
+                      <a:solidFill>
+                        <a:srgbClr val="CCD351"/>
+                      </a:solidFill>
+                      <a:prstDash val="solid"/>
+                      <a:round/>
+                      <a:headEnd type="none" w="med" len="med"/>
+                      <a:tailEnd type="none" w="med" len="med"/>
+                    </a:lnR>
+                    <a:lnT w="3175" cap="flat" cmpd="sng" algn="ctr">
+                      <a:solidFill>
+                        <a:srgbClr val="CCD351"/>
+                      </a:solidFill>
+                      <a:prstDash val="solid"/>
+                      <a:round/>
+                      <a:headEnd type="none" w="med" len="med"/>
+                      <a:tailEnd type="none" w="med" len="med"/>
+                    </a:lnT>
+                    <a:lnB w="3175" cap="flat" cmpd="sng" algn="ctr">
+                      <a:solidFill>
+                        <a:srgbClr val="CCD351"/>
+                      </a:solidFill>
+                      <a:prstDash val="solid"/>
+                      <a:round/>
+                      <a:headEnd type="none" w="med" len="med"/>
+                      <a:tailEnd type="none" w="med" len="med"/>
+                    </a:lnB>
+                    <a:solidFill>
+                      <a:srgbClr val="CCD351">
+                        <a:alpha val="15000"/>
+                      </a:srgbClr>
+                    </a:solidFill>
+                  </a:tcPr>
+                </a:tc>
+                <a:tc hMerge="1">
+                  <a:txBody>
+                    <a:bodyPr/>
+                    <a:lstStyle/>
+                    <a:p>
+                      <a:pPr marL="0" algn="l" defTabSz="514350" rtl="0" eaLnBrk="1" latinLnBrk="0" hangingPunct="1"/>
+                      <a:endParaRPr lang="it-IT" sz="1800" kern="1200" dirty="0">
+                        <a:solidFill>
+                          <a:schemeClr val="bg1"/>
+                        </a:solidFill>
+                        <a:latin typeface="+mn-lt"/>
+                        <a:ea typeface="+mn-ea"/>
+                        <a:cs typeface="+mn-cs"/>
+                      </a:endParaRPr>
+                    </a:p>
+                  </a:txBody>
+                  <a:tcPr>
+                    <a:lnL w="3175" cap="flat" cmpd="sng" algn="ctr">
+                      <a:solidFill>
+                        <a:srgbClr val="CCD351"/>
+                      </a:solidFill>
+                      <a:prstDash val="solid"/>
+                      <a:round/>
+                      <a:headEnd type="none" w="med" len="med"/>
+                      <a:tailEnd type="none" w="med" len="med"/>
+                    </a:lnL>
+                    <a:lnR w="3175" cap="flat" cmpd="sng" algn="ctr">
+                      <a:solidFill>
+                        <a:srgbClr val="CCD351"/>
+                      </a:solidFill>
+                      <a:prstDash val="solid"/>
+                      <a:round/>
+                      <a:headEnd type="none" w="med" len="med"/>
+                      <a:tailEnd type="none" w="med" len="med"/>
+                    </a:lnR>
+                    <a:lnT w="3175" cap="flat" cmpd="sng" algn="ctr">
+                      <a:solidFill>
+                        <a:srgbClr val="CCD351"/>
+                      </a:solidFill>
+                      <a:prstDash val="solid"/>
+                      <a:round/>
+                      <a:headEnd type="none" w="med" len="med"/>
+                      <a:tailEnd type="none" w="med" len="med"/>
+                    </a:lnT>
+                    <a:lnB w="3175" cap="flat" cmpd="sng" algn="ctr">
+                      <a:solidFill>
+                        <a:srgbClr val="CCD351"/>
+                      </a:solidFill>
+                      <a:prstDash val="solid"/>
+                      <a:round/>
+                      <a:headEnd type="none" w="med" len="med"/>
+                      <a:tailEnd type="none" w="med" len="med"/>
+                    </a:lnB>
+                  </a:tcPr>
+                </a:tc>
+                <a:extLst>
+                  <a:ext uri="{0D108BD9-81ED-4DB2-BD59-A6C34878D82A}">
+                    <a16:rowId xmlns:a16="http://schemas.microsoft.com/office/drawing/2014/main" val="10009"/>
+                  </a:ext>
+                </a:extLst>
+              </a:tr>
+            </a:tbl>
+          </a:graphicData>
+        </a:graphic>
+      </p:graphicFrame>
+      <p:sp>
+        <p:nvSpPr>
+          <p:cNvPr id="20" name="Triangolo isoscele 20">
+            <a:extLst>
+              <a:ext uri="{FF2B5EF4-FFF2-40B4-BE49-F238E27FC236}">
+                <a16:creationId xmlns:a16="http://schemas.microsoft.com/office/drawing/2014/main" id="{83243109-1104-4651-AF59-EAF854EDCD52}"/>
+              </a:ext>
+            </a:extLst>
+          </p:cNvPr>
+          <p:cNvSpPr/>
+          <p:nvPr/>
+        </p:nvSpPr>
+        <p:spPr>
+          <a:xfrm>
+            <a:off x="6054570" y="6134734"/>
+            <a:ext cx="3093314" cy="714563"/>
+          </a:xfrm>
+          <a:prstGeom prst="triangle">
+            <a:avLst>
+              <a:gd name="adj" fmla="val 100000"/>
+            </a:avLst>
+          </a:prstGeom>
+          <a:solidFill>
+            <a:schemeClr val="tx1">
+              <a:alpha val="18000"/>
+            </a:schemeClr>
+          </a:solidFill>
+          <a:ln>
+            <a:noFill/>
+          </a:ln>
+        </p:spPr>
+        <p:style>
+          <a:lnRef idx="1">
+            <a:schemeClr val="accent1"/>
+          </a:lnRef>
+          <a:fillRef idx="3">
+            <a:schemeClr val="accent1"/>
+          </a:fillRef>
+          <a:effectRef idx="2">
+            <a:schemeClr val="accent1"/>
+          </a:effectRef>
+          <a:fontRef idx="minor">
+            <a:schemeClr val="lt1"/>
+          </a:fontRef>
+        </p:style>
+        <p:txBody>
+          <a:bodyPr rtlCol="0" anchor="ctr"/>
+          <a:lstStyle/>
+          <a:p>
+            <a:pPr algn="ctr"/>
+            <a:endParaRPr lang="it-IT" dirty="0"/>
+          </a:p>
+        </p:txBody>
+      </p:sp>
+      <p:sp>
+        <p:nvSpPr>
+          <p:cNvPr id="21" name="Segnaposto numero diapositiva 10">
+            <a:extLst>
+              <a:ext uri="{FF2B5EF4-FFF2-40B4-BE49-F238E27FC236}">
+                <a16:creationId xmlns:a16="http://schemas.microsoft.com/office/drawing/2014/main" id="{17349CBC-9266-4E32-A21D-33ADC48C77DB}"/>
+              </a:ext>
+            </a:extLst>
+          </p:cNvPr>
+          <p:cNvSpPr txBox="1">
+            <a:spLocks/>
+          </p:cNvSpPr>
+          <p:nvPr/>
+        </p:nvSpPr>
+        <p:spPr>
+          <a:xfrm>
+            <a:off x="8193386" y="6391960"/>
+            <a:ext cx="888046" cy="365125"/>
+          </a:xfrm>
+          <a:prstGeom prst="rect">
+            <a:avLst/>
+          </a:prstGeom>
+        </p:spPr>
+        <p:txBody>
+          <a:bodyPr/>
+          <a:lstStyle>
+            <a:defPPr>
+              <a:defRPr lang="it-IT"/>
+            </a:defPPr>
+            <a:lvl1pPr marL="0" algn="l" defTabSz="914400" rtl="0" eaLnBrk="1" latinLnBrk="0" hangingPunct="1">
+              <a:defRPr sz="1800" kern="1200">
+                <a:solidFill>
+                  <a:schemeClr val="tx1"/>
+                </a:solidFill>
+                <a:latin typeface="+mn-lt"/>
+                <a:ea typeface="+mn-ea"/>
+                <a:cs typeface="+mn-cs"/>
+              </a:defRPr>
+            </a:lvl1pPr>
+            <a:lvl2pPr marL="457200" algn="l" defTabSz="914400" rtl="0" eaLnBrk="1" latinLnBrk="0" hangingPunct="1">
+              <a:defRPr sz="1800" kern="1200">
+                <a:solidFill>
+                  <a:schemeClr val="tx1"/>
+                </a:solidFill>
+                <a:latin typeface="+mn-lt"/>
+                <a:ea typeface="+mn-ea"/>
+                <a:cs typeface="+mn-cs"/>
+              </a:defRPr>
+            </a:lvl2pPr>
+            <a:lvl3pPr marL="914400" algn="l" defTabSz="914400" rtl="0" eaLnBrk="1" latinLnBrk="0" hangingPunct="1">
+              <a:defRPr sz="1800" kern="1200">
+                <a:solidFill>
+                  <a:schemeClr val="tx1"/>
+                </a:solidFill>
+                <a:latin typeface="+mn-lt"/>
+                <a:ea typeface="+mn-ea"/>
+                <a:cs typeface="+mn-cs"/>
+              </a:defRPr>
+            </a:lvl3pPr>
+            <a:lvl4pPr marL="1371600" algn="l" defTabSz="914400" rtl="0" eaLnBrk="1" latinLnBrk="0" hangingPunct="1">
+              <a:defRPr sz="1800" kern="1200">
+                <a:solidFill>
+                  <a:schemeClr val="tx1"/>
+                </a:solidFill>
+                <a:latin typeface="+mn-lt"/>
+                <a:ea typeface="+mn-ea"/>
+                <a:cs typeface="+mn-cs"/>
+              </a:defRPr>
+            </a:lvl4pPr>
+            <a:lvl5pPr marL="1828800" algn="l" defTabSz="914400" rtl="0" eaLnBrk="1" latinLnBrk="0" hangingPunct="1">
+              <a:defRPr sz="1800" kern="1200">
+                <a:solidFill>
+                  <a:schemeClr val="tx1"/>
+                </a:solidFill>
+                <a:latin typeface="+mn-lt"/>
+                <a:ea typeface="+mn-ea"/>
+                <a:cs typeface="+mn-cs"/>
+              </a:defRPr>
+            </a:lvl5pPr>
+            <a:lvl6pPr marL="2286000" algn="l" defTabSz="914400" rtl="0" eaLnBrk="1" latinLnBrk="0" hangingPunct="1">
+              <a:defRPr sz="1800" kern="1200">
+                <a:solidFill>
+                  <a:schemeClr val="tx1"/>
+                </a:solidFill>
+                <a:latin typeface="+mn-lt"/>
+                <a:ea typeface="+mn-ea"/>
+                <a:cs typeface="+mn-cs"/>
+              </a:defRPr>
+            </a:lvl6pPr>
+            <a:lvl7pPr marL="2743200" algn="l" defTabSz="914400" rtl="0" eaLnBrk="1" latinLnBrk="0" hangingPunct="1">
+              <a:defRPr sz="1800" kern="1200">
+                <a:solidFill>
+                  <a:schemeClr val="tx1"/>
+                </a:solidFill>
+                <a:latin typeface="+mn-lt"/>
+                <a:ea typeface="+mn-ea"/>
+                <a:cs typeface="+mn-cs"/>
+              </a:defRPr>
+            </a:lvl7pPr>
+            <a:lvl8pPr marL="3200400" algn="l" defTabSz="914400" rtl="0" eaLnBrk="1" latinLnBrk="0" hangingPunct="1">
+              <a:defRPr sz="1800" kern="1200">
+                <a:solidFill>
+                  <a:schemeClr val="tx1"/>
+                </a:solidFill>
+                <a:latin typeface="+mn-lt"/>
+                <a:ea typeface="+mn-ea"/>
+                <a:cs typeface="+mn-cs"/>
+              </a:defRPr>
+            </a:lvl8pPr>
+            <a:lvl9pPr marL="3657600" algn="l" defTabSz="914400" rtl="0" eaLnBrk="1" latinLnBrk="0" hangingPunct="1">
+              <a:defRPr sz="1800" kern="1200">
+                <a:solidFill>
+                  <a:schemeClr val="tx1"/>
+                </a:solidFill>
+                <a:latin typeface="+mn-lt"/>
+                <a:ea typeface="+mn-ea"/>
+                <a:cs typeface="+mn-cs"/>
+              </a:defRPr>
+            </a:lvl9pPr>
+          </a:lstStyle>
+          <a:p>
+            <a:fld id="{D02B8B2F-F691-4135-AF04-E5B2EA4DBD49}" type="slidenum">
+              <a:rPr lang="zh-CN" altLang="en-US" sz="2000" smtClean="0">
+                <a:solidFill>
+                  <a:schemeClr val="bg1"/>
+                </a:solidFill>
+              </a:rPr>
+              <a:pPr/>
+              <a:t>14</a:t>
+            </a:fld>
+            <a:r>
+              <a:rPr lang="it-IT" altLang="zh-CN" sz="2000" dirty="0">
+                <a:solidFill>
+                  <a:schemeClr val="bg1"/>
+                </a:solidFill>
+              </a:rPr>
+              <a:t>/16</a:t>
+            </a:r>
+            <a:endParaRPr lang="zh-CN" altLang="en-US" sz="2000" dirty="0">
+              <a:solidFill>
+                <a:schemeClr val="bg1"/>
+              </a:solidFill>
+            </a:endParaRPr>
+          </a:p>
+        </p:txBody>
+      </p:sp>
+    </p:spTree>
+    <p:extLst>
+      <p:ext uri="{BB962C8B-B14F-4D97-AF65-F5344CB8AC3E}">
+        <p14:creationId xmlns:p14="http://schemas.microsoft.com/office/powerpoint/2010/main" val="2967424957"/>
+      </p:ext>
+    </p:extLst>
+  </p:cSld>
+  <p:clrMapOvr>
+    <a:masterClrMapping/>
+  </p:clrMapOvr>
+  <mc:AlternateContent xmlns:mc="http://schemas.openxmlformats.org/markup-compatibility/2006" xmlns:p159="http://schemas.microsoft.com/office/powerpoint/2015/09/main">
+    <mc:Choice Requires="p159">
+      <p:transition xmlns:p14="http://schemas.microsoft.com/office/powerpoint/2010/main" spd="slow" p14:dur="2000">
+        <p159:morph option="byObject"/>
+      </p:transition>
+    </mc:Choice>
+    <mc:Fallback xmlns="">
+      <p:transition spd="slow">
+        <p:fade/>
+      </p:transition>
+    </mc:Fallback>
+  </mc:AlternateContent>
+  <p:timing>
+    <p:tnLst>
+      <p:par>
+        <p:cTn id="1" dur="indefinite" restart="never" nodeType="tmRoot">
+          <p:childTnLst>
+            <p:seq concurrent="1" nextAc="seek">
+              <p:cTn id="2" dur="indefinite" nodeType="mainSeq">
+                <p:childTnLst>
+                  <p:par>
+                    <p:cTn id="3" fill="hold">
+                      <p:stCondLst>
+                        <p:cond delay="indefinite"/>
+                      </p:stCondLst>
+                      <p:childTnLst>
+                        <p:par>
+                          <p:cTn id="4" fill="hold">
+                            <p:stCondLst>
+                              <p:cond delay="0"/>
+                            </p:stCondLst>
+                            <p:childTnLst>
+                              <p:par>
+                                <p:cTn id="5" presetID="18" presetClass="entr" presetSubtype="12" fill="hold" grpId="0" nodeType="clickEffect">
+                                  <p:stCondLst>
+                                    <p:cond delay="0"/>
+                                  </p:stCondLst>
+                                  <p:childTnLst>
+                                    <p:set>
+                                      <p:cBhvr>
+                                        <p:cTn id="6" dur="1" fill="hold">
+                                          <p:stCondLst>
+                                            <p:cond delay="0"/>
+                                          </p:stCondLst>
+                                        </p:cTn>
+                                        <p:tgtEl>
+                                          <p:spTgt spid="44"/>
+                                        </p:tgtEl>
+                                        <p:attrNameLst>
+                                          <p:attrName>style.visibility</p:attrName>
+                                        </p:attrNameLst>
+                                      </p:cBhvr>
+                                      <p:to>
+                                        <p:strVal val="visible"/>
+                                      </p:to>
+                                    </p:set>
+                                    <p:animEffect transition="in" filter="strips(downLeft)">
+                                      <p:cBhvr>
+                                        <p:cTn id="7" dur="500"/>
+                                        <p:tgtEl>
+                                          <p:spTgt spid="44"/>
+                                        </p:tgtEl>
+                                      </p:cBhvr>
+                                    </p:animEffect>
+                                  </p:childTnLst>
+                                </p:cTn>
+                              </p:par>
+                              <p:par>
+                                <p:cTn id="8" presetID="18" presetClass="entr" presetSubtype="12" fill="hold" grpId="0" nodeType="withEffect">
+                                  <p:stCondLst>
+                                    <p:cond delay="0"/>
+                                  </p:stCondLst>
+                                  <p:childTnLst>
+                                    <p:set>
+                                      <p:cBhvr>
+                                        <p:cTn id="9" dur="1" fill="hold">
+                                          <p:stCondLst>
+                                            <p:cond delay="0"/>
+                                          </p:stCondLst>
+                                        </p:cTn>
+                                        <p:tgtEl>
+                                          <p:spTgt spid="29"/>
+                                        </p:tgtEl>
+                                        <p:attrNameLst>
+                                          <p:attrName>style.visibility</p:attrName>
+                                        </p:attrNameLst>
+                                      </p:cBhvr>
+                                      <p:to>
+                                        <p:strVal val="visible"/>
+                                      </p:to>
+                                    </p:set>
+                                    <p:animEffect transition="in" filter="strips(downLeft)">
+                                      <p:cBhvr>
+                                        <p:cTn id="10" dur="500"/>
+                                        <p:tgtEl>
+                                          <p:spTgt spid="29"/>
+                                        </p:tgtEl>
+                                      </p:cBhvr>
+                                    </p:animEffect>
+                                  </p:childTnLst>
+                                </p:cTn>
+                              </p:par>
+                            </p:childTnLst>
+                          </p:cTn>
+                        </p:par>
+                      </p:childTnLst>
+                    </p:cTn>
+                  </p:par>
+                  <p:par>
+                    <p:cTn id="11" fill="hold">
+                      <p:stCondLst>
+                        <p:cond delay="indefinite"/>
+                      </p:stCondLst>
+                      <p:childTnLst>
+                        <p:par>
+                          <p:cTn id="12" fill="hold">
+                            <p:stCondLst>
+                              <p:cond delay="0"/>
+                            </p:stCondLst>
+                            <p:childTnLst>
+                              <p:par>
+                                <p:cTn id="13" presetID="18" presetClass="entr" presetSubtype="12" fill="hold" nodeType="clickEffect">
+                                  <p:stCondLst>
+                                    <p:cond delay="0"/>
+                                  </p:stCondLst>
+                                  <p:childTnLst>
+                                    <p:set>
+                                      <p:cBhvr>
+                                        <p:cTn id="14" dur="1" fill="hold">
+                                          <p:stCondLst>
+                                            <p:cond delay="0"/>
+                                          </p:stCondLst>
+                                        </p:cTn>
+                                        <p:tgtEl>
+                                          <p:spTgt spid="30"/>
+                                        </p:tgtEl>
+                                        <p:attrNameLst>
+                                          <p:attrName>style.visibility</p:attrName>
+                                        </p:attrNameLst>
+                                      </p:cBhvr>
+                                      <p:to>
+                                        <p:strVal val="visible"/>
+                                      </p:to>
+                                    </p:set>
+                                    <p:animEffect transition="in" filter="strips(downLeft)">
+                                      <p:cBhvr>
+                                        <p:cTn id="15" dur="500"/>
+                                        <p:tgtEl>
+                                          <p:spTgt spid="30"/>
+                                        </p:tgtEl>
+                                      </p:cBhvr>
+                                    </p:animEffect>
+                                  </p:childTnLst>
+                                </p:cTn>
+                              </p:par>
+                            </p:childTnLst>
+                          </p:cTn>
+                        </p:par>
+                      </p:childTnLst>
+                    </p:cTn>
+                  </p:par>
+                </p:childTnLst>
+              </p:cTn>
+              <p:prevCondLst>
+                <p:cond evt="onPrev" delay="0">
+                  <p:tgtEl>
+                    <p:sldTgt/>
+                  </p:tgtEl>
+                </p:cond>
+              </p:prevCondLst>
+              <p:nextCondLst>
+                <p:cond evt="onNext" delay="0">
+                  <p:tgtEl>
+                    <p:sldTgt/>
+                  </p:tgtEl>
+                </p:cond>
+              </p:nextCondLst>
+            </p:seq>
+          </p:childTnLst>
+        </p:cTn>
+      </p:par>
+    </p:tnLst>
+    <p:bldLst>
+      <p:bldP spid="29" grpId="0" animBg="1"/>
+      <p:bldP spid="44" grpId="0"/>
+    </p:bldLst>
+  </p:timing>
+</p:sld>
+</file>
+
+<file path=ppt/slides/slide15.xml><?xml version="1.0" encoding="utf-8"?>
+<p:sld xmlns:a="http://schemas.openxmlformats.org/drawingml/2006/main" xmlns:r="http://schemas.openxmlformats.org/officeDocument/2006/relationships" xmlns:p="http://schemas.openxmlformats.org/presentationml/2006/main">
+  <p:cSld>
+    <p:bg>
+      <p:bgPr>
+        <a:blipFill dpi="0" rotWithShape="1">
+          <a:blip r:embed="rId2">
+            <a:lum/>
+          </a:blip>
+          <a:srcRect/>
+          <a:stretch>
+            <a:fillRect l="-11000" r="-11000"/>
+          </a:stretch>
+        </a:blipFill>
+        <a:effectLst/>
+      </p:bgPr>
+    </p:bg>
+    <p:spTree>
+      <p:nvGrpSpPr>
+        <p:cNvPr id="1" name=""/>
+        <p:cNvGrpSpPr/>
+        <p:nvPr/>
+      </p:nvGrpSpPr>
+      <p:grpSpPr>
+        <a:xfrm>
+          <a:off x="0" y="0"/>
+          <a:ext cx="0" cy="0"/>
+          <a:chOff x="0" y="0"/>
+          <a:chExt cx="0" cy="0"/>
+        </a:xfrm>
+      </p:grpSpPr>
+      <p:sp>
+        <p:nvSpPr>
           <p:cNvPr id="32" name="Rettangolo arrotondato 31"/>
           <p:cNvSpPr/>
           <p:nvPr/>
@@ -20695,8 +26216,8 @@
         </p:nvSpPr>
         <p:spPr>
           <a:xfrm>
-            <a:off x="1168297" y="1295048"/>
-            <a:ext cx="7602953" cy="523220"/>
+            <a:off x="1168297" y="1228142"/>
+            <a:ext cx="7602953" cy="954107"/>
           </a:xfrm>
           <a:prstGeom prst="rect">
             <a:avLst/>
@@ -20722,7 +26243,7 @@
                   </a:outerShdw>
                 </a:effectLst>
               </a:rPr>
-              <a:t>Consuntivo di periodo RP</a:t>
+              <a:t>Consuntivo del periodo di consolidamento delle tecnologie</a:t>
             </a:r>
           </a:p>
         </p:txBody>
@@ -23927,15 +29448,15 @@
                 </a:solidFill>
               </a:rPr>
               <a:pPr/>
-              <a:t>14</a:t>
+              <a:t>15</a:t>
             </a:fld>
             <a:r>
-              <a:rPr lang="it-IT" altLang="zh-CN" sz="2000">
+              <a:rPr lang="it-IT" altLang="zh-CN" sz="2000" dirty="0">
                 <a:solidFill>
                   <a:schemeClr val="bg1"/>
                 </a:solidFill>
               </a:rPr>
-              <a:t>/15</a:t>
+              <a:t>/16</a:t>
             </a:r>
             <a:endParaRPr lang="zh-CN" altLang="en-US" sz="2000" dirty="0">
               <a:solidFill>
@@ -24145,7 +29666,7 @@
 </p:sld>
 </file>
 
-<file path=ppt/slides/slide15.xml><?xml version="1.0" encoding="utf-8"?>
+<file path=ppt/slides/slide16.xml><?xml version="1.0" encoding="utf-8"?>
 <p:sld xmlns:a="http://schemas.openxmlformats.org/drawingml/2006/main" xmlns:r="http://schemas.openxmlformats.org/officeDocument/2006/relationships" xmlns:p="http://schemas.openxmlformats.org/presentationml/2006/main">
   <p:cSld>
     <p:bg>
@@ -26434,15 +31955,15 @@
                 </a:solidFill>
               </a:rPr>
               <a:pPr/>
-              <a:t>15</a:t>
+              <a:t>16</a:t>
             </a:fld>
             <a:r>
-              <a:rPr lang="it-IT" altLang="zh-CN" sz="2000">
+              <a:rPr lang="it-IT" altLang="zh-CN" sz="2000" dirty="0">
                 <a:solidFill>
                   <a:schemeClr val="bg1"/>
                 </a:solidFill>
               </a:rPr>
-              <a:t>/15</a:t>
+              <a:t>/16</a:t>
             </a:r>
             <a:endParaRPr lang="zh-CN" altLang="en-US" sz="2000" dirty="0">
               <a:solidFill>
@@ -28467,7 +33988,7 @@
 </p:sld>
 </file>
 
-<file path=ppt/slides/slide16.xml><?xml version="1.0" encoding="utf-8"?>
+<file path=ppt/slides/slide17.xml><?xml version="1.0" encoding="utf-8"?>
 <p:sld xmlns:a="http://schemas.openxmlformats.org/drawingml/2006/main" xmlns:r="http://schemas.openxmlformats.org/officeDocument/2006/relationships" xmlns:p="http://schemas.openxmlformats.org/presentationml/2006/main">
   <p:cSld>
     <p:spTree>
@@ -33689,7 +39210,7 @@
             </a:ln>
             <a:extLst>
               <a:ext uri="{91240B29-F687-4f45-9708-019B960494DF}">
-                <a14:hiddenLine xmlns:a14="http://schemas.microsoft.com/office/drawing/2010/main" xmlns="" w="9525">
+                <a14:hiddenLine xmlns="" xmlns:a14="http://schemas.microsoft.com/office/drawing/2010/main" w="9525">
                   <a:solidFill>
                     <a:srgbClr val="000000"/>
                   </a:solidFill>
@@ -33741,7 +39262,7 @@
             </a:ln>
             <a:extLst>
               <a:ext uri="{91240B29-F687-4f45-9708-019B960494DF}">
-                <a14:hiddenLine xmlns:a14="http://schemas.microsoft.com/office/drawing/2010/main" xmlns="" w="9525">
+                <a14:hiddenLine xmlns="" xmlns:a14="http://schemas.microsoft.com/office/drawing/2010/main" w="9525">
                   <a:solidFill>
                     <a:srgbClr val="000000"/>
                   </a:solidFill>
@@ -33793,7 +39314,7 @@
             </a:ln>
             <a:extLst>
               <a:ext uri="{91240B29-F687-4f45-9708-019B960494DF}">
-                <a14:hiddenLine xmlns:a14="http://schemas.microsoft.com/office/drawing/2010/main" xmlns="" w="9525">
+                <a14:hiddenLine xmlns="" xmlns:a14="http://schemas.microsoft.com/office/drawing/2010/main" w="9525">
                   <a:solidFill>
                     <a:srgbClr val="000000"/>
                   </a:solidFill>
@@ -33845,7 +39366,7 @@
             </a:ln>
             <a:extLst>
               <a:ext uri="{91240B29-F687-4f45-9708-019B960494DF}">
-                <a14:hiddenLine xmlns:a14="http://schemas.microsoft.com/office/drawing/2010/main" xmlns="" w="9525">
+                <a14:hiddenLine xmlns="" xmlns:a14="http://schemas.microsoft.com/office/drawing/2010/main" w="9525">
                   <a:solidFill>
                     <a:srgbClr val="000000"/>
                   </a:solidFill>
@@ -33897,7 +39418,7 @@
             </a:ln>
             <a:extLst>
               <a:ext uri="{91240B29-F687-4f45-9708-019B960494DF}">
-                <a14:hiddenLine xmlns:a14="http://schemas.microsoft.com/office/drawing/2010/main" xmlns="" w="9525">
+                <a14:hiddenLine xmlns="" xmlns:a14="http://schemas.microsoft.com/office/drawing/2010/main" w="9525">
                   <a:solidFill>
                     <a:srgbClr val="000000"/>
                   </a:solidFill>
@@ -34032,7 +39553,7 @@
             </a:ln>
             <a:extLst>
               <a:ext uri="{91240B29-F687-4f45-9708-019B960494DF}">
-                <a14:hiddenLine xmlns:a14="http://schemas.microsoft.com/office/drawing/2010/main" xmlns="" w="9525">
+                <a14:hiddenLine xmlns="" xmlns:a14="http://schemas.microsoft.com/office/drawing/2010/main" w="9525">
                   <a:solidFill>
                     <a:srgbClr val="000000"/>
                   </a:solidFill>
@@ -34248,12 +39769,12 @@
               <a:t>2</a:t>
             </a:fld>
             <a:r>
-              <a:rPr lang="it-IT" altLang="zh-CN" sz="2000">
+              <a:rPr lang="it-IT" altLang="zh-CN" sz="2000" dirty="0">
                 <a:solidFill>
                   <a:schemeClr val="bg1"/>
                 </a:solidFill>
               </a:rPr>
-              <a:t>/15</a:t>
+              <a:t>/16</a:t>
             </a:r>
             <a:endParaRPr lang="zh-CN" altLang="en-US" sz="2000" dirty="0">
               <a:solidFill>
@@ -34676,12 +40197,12 @@
               <a:t>3</a:t>
             </a:fld>
             <a:r>
-              <a:rPr lang="it-IT" altLang="zh-CN" sz="2000">
+              <a:rPr lang="it-IT" altLang="zh-CN" sz="2000" dirty="0">
                 <a:solidFill>
                   <a:schemeClr val="bg1"/>
                 </a:solidFill>
               </a:rPr>
-              <a:t>/15</a:t>
+              <a:t>/16</a:t>
             </a:r>
             <a:endParaRPr lang="zh-CN" altLang="en-US" sz="2000" dirty="0">
               <a:solidFill>
@@ -35324,7 +40845,7 @@
             </a:ln>
             <a:extLst>
               <a:ext uri="{91240B29-F687-4f45-9708-019B960494DF}">
-                <a14:hiddenLine xmlns:a14="http://schemas.microsoft.com/office/drawing/2010/main" xmlns="" w="9525">
+                <a14:hiddenLine xmlns="" xmlns:a14="http://schemas.microsoft.com/office/drawing/2010/main" w="9525">
                   <a:solidFill>
                     <a:srgbClr val="000000"/>
                   </a:solidFill>
@@ -35376,7 +40897,7 @@
             </a:ln>
             <a:extLst>
               <a:ext uri="{91240B29-F687-4f45-9708-019B960494DF}">
-                <a14:hiddenLine xmlns:a14="http://schemas.microsoft.com/office/drawing/2010/main" xmlns="" w="9525">
+                <a14:hiddenLine xmlns="" xmlns:a14="http://schemas.microsoft.com/office/drawing/2010/main" w="9525">
                   <a:solidFill>
                     <a:srgbClr val="000000"/>
                   </a:solidFill>
@@ -35428,7 +40949,7 @@
             </a:ln>
             <a:extLst>
               <a:ext uri="{91240B29-F687-4f45-9708-019B960494DF}">
-                <a14:hiddenLine xmlns:a14="http://schemas.microsoft.com/office/drawing/2010/main" xmlns="" w="9525">
+                <a14:hiddenLine xmlns="" xmlns:a14="http://schemas.microsoft.com/office/drawing/2010/main" w="9525">
                   <a:solidFill>
                     <a:srgbClr val="000000"/>
                   </a:solidFill>
@@ -35480,7 +41001,7 @@
             </a:ln>
             <a:extLst>
               <a:ext uri="{91240B29-F687-4f45-9708-019B960494DF}">
-                <a14:hiddenLine xmlns:a14="http://schemas.microsoft.com/office/drawing/2010/main" xmlns="" w="9525">
+                <a14:hiddenLine xmlns="" xmlns:a14="http://schemas.microsoft.com/office/drawing/2010/main" w="9525">
                   <a:solidFill>
                     <a:srgbClr val="000000"/>
                   </a:solidFill>
@@ -35532,7 +41053,7 @@
             </a:ln>
             <a:extLst>
               <a:ext uri="{91240B29-F687-4f45-9708-019B960494DF}">
-                <a14:hiddenLine xmlns:a14="http://schemas.microsoft.com/office/drawing/2010/main" xmlns="" w="9525">
+                <a14:hiddenLine xmlns="" xmlns:a14="http://schemas.microsoft.com/office/drawing/2010/main" w="9525">
                   <a:solidFill>
                     <a:srgbClr val="000000"/>
                   </a:solidFill>
@@ -35667,7 +41188,7 @@
             </a:ln>
             <a:extLst>
               <a:ext uri="{91240B29-F687-4f45-9708-019B960494DF}">
-                <a14:hiddenLine xmlns:a14="http://schemas.microsoft.com/office/drawing/2010/main" xmlns="" w="9525">
+                <a14:hiddenLine xmlns="" xmlns:a14="http://schemas.microsoft.com/office/drawing/2010/main" w="9525">
                   <a:solidFill>
                     <a:srgbClr val="000000"/>
                   </a:solidFill>
@@ -35954,12 +41475,12 @@
               <a:t>4</a:t>
             </a:fld>
             <a:r>
-              <a:rPr lang="it-IT" altLang="zh-CN" sz="2000">
+              <a:rPr lang="it-IT" altLang="zh-CN" sz="2000" dirty="0">
                 <a:solidFill>
                   <a:schemeClr val="bg1"/>
                 </a:solidFill>
               </a:rPr>
-              <a:t>/15</a:t>
+              <a:t>/16</a:t>
             </a:r>
             <a:endParaRPr lang="zh-CN" altLang="en-US" sz="2000" dirty="0">
               <a:solidFill>
@@ -36603,12 +42124,12 @@
               <a:t>5</a:t>
             </a:fld>
             <a:r>
-              <a:rPr lang="it-IT" altLang="zh-CN" sz="2000">
+              <a:rPr lang="it-IT" altLang="zh-CN" sz="2000" dirty="0">
                 <a:solidFill>
                   <a:schemeClr val="bg1"/>
                 </a:solidFill>
               </a:rPr>
-              <a:t>/15</a:t>
+              <a:t>/16</a:t>
             </a:r>
             <a:endParaRPr lang="zh-CN" altLang="en-US" sz="2000" dirty="0">
               <a:solidFill>
@@ -36997,7 +42518,7 @@
                   </a:outerShdw>
                 </a:effectLst>
               </a:rPr>
-              <a:t>Ampliamento del dettaglio dei requisiti supportati da diagrammi più precisi ed efficaci</a:t>
+              <a:t>Ampliamento nel dettaglio dei requisiti supportati da diagrammi più precisi ed efficaci</a:t>
             </a:r>
           </a:p>
           <a:p>
@@ -37831,12 +43352,12 @@
               <a:t>6</a:t>
             </a:fld>
             <a:r>
-              <a:rPr lang="it-IT" altLang="zh-CN" sz="2000">
+              <a:rPr lang="it-IT" altLang="zh-CN" sz="2000" dirty="0">
                 <a:solidFill>
                   <a:schemeClr val="bg1"/>
                 </a:solidFill>
               </a:rPr>
-              <a:t>/15</a:t>
+              <a:t>/16</a:t>
             </a:r>
             <a:endParaRPr lang="zh-CN" altLang="en-US" sz="2000" dirty="0">
               <a:solidFill>
@@ -39636,12 +45157,12 @@
               <a:t>7</a:t>
             </a:fld>
             <a:r>
-              <a:rPr lang="it-IT" altLang="zh-CN" sz="2000">
+              <a:rPr lang="it-IT" altLang="zh-CN" sz="2000" dirty="0">
                 <a:solidFill>
                   <a:schemeClr val="bg1"/>
                 </a:solidFill>
               </a:rPr>
-              <a:t>/15</a:t>
+              <a:t>/16</a:t>
             </a:r>
             <a:endParaRPr lang="zh-CN" altLang="en-US" sz="2000" dirty="0">
               <a:solidFill>
@@ -40636,12 +46157,12 @@
               <a:t>8</a:t>
             </a:fld>
             <a:r>
-              <a:rPr lang="it-IT" altLang="zh-CN" sz="2000">
+              <a:rPr lang="it-IT" altLang="zh-CN" sz="2000" dirty="0">
                 <a:solidFill>
                   <a:schemeClr val="bg1"/>
                 </a:solidFill>
               </a:rPr>
-              <a:t>/15</a:t>
+              <a:t>/16</a:t>
             </a:r>
             <a:endParaRPr lang="zh-CN" altLang="en-US" sz="2000" dirty="0">
               <a:solidFill>
@@ -43654,12 +49175,12 @@
               <a:t>9</a:t>
             </a:fld>
             <a:r>
-              <a:rPr lang="it-IT" altLang="zh-CN" sz="2000">
+              <a:rPr lang="it-IT" altLang="zh-CN" sz="2000" dirty="0">
                 <a:solidFill>
                   <a:schemeClr val="bg1"/>
                 </a:solidFill>
               </a:rPr>
-              <a:t>/15</a:t>
+              <a:t>/16</a:t>
             </a:r>
             <a:endParaRPr lang="zh-CN" altLang="en-US" sz="2000" dirty="0">
               <a:solidFill>
